--- a/CSMovie/NewWilson/yp/doc/影院售票系统.pptx
+++ b/CSMovie/NewWilson/yp/doc/影院售票系统.pptx
@@ -5,13 +5,17 @@
     <p:sldMasterId id="2147483648" r:id="rId1"/>
   </p:sldMasterIdLst>
   <p:notesMasterIdLst>
-    <p:notesMasterId r:id="rId6"/>
+    <p:notesMasterId r:id="rId10"/>
   </p:notesMasterIdLst>
   <p:sldIdLst>
     <p:sldId id="256" r:id="rId2"/>
-    <p:sldId id="257" r:id="rId3"/>
-    <p:sldId id="258" r:id="rId4"/>
-    <p:sldId id="259" r:id="rId5"/>
+    <p:sldId id="260" r:id="rId3"/>
+    <p:sldId id="257" r:id="rId4"/>
+    <p:sldId id="258" r:id="rId5"/>
+    <p:sldId id="259" r:id="rId6"/>
+    <p:sldId id="262" r:id="rId7"/>
+    <p:sldId id="263" r:id="rId8"/>
+    <p:sldId id="264" r:id="rId9"/>
   </p:sldIdLst>
   <p:sldSz cx="12192000" cy="6858000"/>
   <p:notesSz cx="6858000" cy="9144000"/>
@@ -200,7 +204,7 @@
           <a:p>
             <a:fld id="{BBEACE57-5BC7-404A-ACF2-641382E6897C}" type="datetimeFigureOut">
               <a:rPr lang="en-US" smtClean="0"/>
-              <a:t>12/15/2016</a:t>
+              <a:t>1/4/2017</a:t>
             </a:fld>
             <a:endParaRPr lang="en-US"/>
           </a:p>
@@ -533,7 +537,7 @@
           <a:p>
             <a:fld id="{1501721F-CCD6-4040-AC6A-89965B088CBF}" type="slidenum">
               <a:rPr lang="en-US" smtClean="0"/>
-              <a:t>3</a:t>
+              <a:t>4</a:t>
             </a:fld>
             <a:endParaRPr lang="en-US"/>
           </a:p>
@@ -683,7 +687,7 @@
           <a:p>
             <a:fld id="{6792C906-4EF7-484A-A7A6-72A285D41B02}" type="datetimeFigureOut">
               <a:rPr lang="en-US" smtClean="0"/>
-              <a:t>12/15/2016</a:t>
+              <a:t>1/4/2017</a:t>
             </a:fld>
             <a:endParaRPr lang="en-US"/>
           </a:p>
@@ -853,7 +857,7 @@
           <a:p>
             <a:fld id="{6792C906-4EF7-484A-A7A6-72A285D41B02}" type="datetimeFigureOut">
               <a:rPr lang="en-US" smtClean="0"/>
-              <a:t>12/15/2016</a:t>
+              <a:t>1/4/2017</a:t>
             </a:fld>
             <a:endParaRPr lang="en-US"/>
           </a:p>
@@ -1033,7 +1037,7 @@
           <a:p>
             <a:fld id="{6792C906-4EF7-484A-A7A6-72A285D41B02}" type="datetimeFigureOut">
               <a:rPr lang="en-US" smtClean="0"/>
-              <a:t>12/15/2016</a:t>
+              <a:t>1/4/2017</a:t>
             </a:fld>
             <a:endParaRPr lang="en-US"/>
           </a:p>
@@ -1203,7 +1207,7 @@
           <a:p>
             <a:fld id="{6792C906-4EF7-484A-A7A6-72A285D41B02}" type="datetimeFigureOut">
               <a:rPr lang="en-US" smtClean="0"/>
-              <a:t>12/15/2016</a:t>
+              <a:t>1/4/2017</a:t>
             </a:fld>
             <a:endParaRPr lang="en-US"/>
           </a:p>
@@ -1449,7 +1453,7 @@
           <a:p>
             <a:fld id="{6792C906-4EF7-484A-A7A6-72A285D41B02}" type="datetimeFigureOut">
               <a:rPr lang="en-US" smtClean="0"/>
-              <a:t>12/15/2016</a:t>
+              <a:t>1/4/2017</a:t>
             </a:fld>
             <a:endParaRPr lang="en-US"/>
           </a:p>
@@ -1681,7 +1685,7 @@
           <a:p>
             <a:fld id="{6792C906-4EF7-484A-A7A6-72A285D41B02}" type="datetimeFigureOut">
               <a:rPr lang="en-US" smtClean="0"/>
-              <a:t>12/15/2016</a:t>
+              <a:t>1/4/2017</a:t>
             </a:fld>
             <a:endParaRPr lang="en-US"/>
           </a:p>
@@ -2048,7 +2052,7 @@
           <a:p>
             <a:fld id="{6792C906-4EF7-484A-A7A6-72A285D41B02}" type="datetimeFigureOut">
               <a:rPr lang="en-US" smtClean="0"/>
-              <a:t>12/15/2016</a:t>
+              <a:t>1/4/2017</a:t>
             </a:fld>
             <a:endParaRPr lang="en-US"/>
           </a:p>
@@ -2166,7 +2170,7 @@
           <a:p>
             <a:fld id="{6792C906-4EF7-484A-A7A6-72A285D41B02}" type="datetimeFigureOut">
               <a:rPr lang="en-US" smtClean="0"/>
-              <a:t>12/15/2016</a:t>
+              <a:t>1/4/2017</a:t>
             </a:fld>
             <a:endParaRPr lang="en-US"/>
           </a:p>
@@ -2261,7 +2265,7 @@
           <a:p>
             <a:fld id="{6792C906-4EF7-484A-A7A6-72A285D41B02}" type="datetimeFigureOut">
               <a:rPr lang="en-US" smtClean="0"/>
-              <a:t>12/15/2016</a:t>
+              <a:t>1/4/2017</a:t>
             </a:fld>
             <a:endParaRPr lang="en-US"/>
           </a:p>
@@ -2538,7 +2542,7 @@
           <a:p>
             <a:fld id="{6792C906-4EF7-484A-A7A6-72A285D41B02}" type="datetimeFigureOut">
               <a:rPr lang="en-US" smtClean="0"/>
-              <a:t>12/15/2016</a:t>
+              <a:t>1/4/2017</a:t>
             </a:fld>
             <a:endParaRPr lang="en-US"/>
           </a:p>
@@ -2791,7 +2795,7 @@
           <a:p>
             <a:fld id="{6792C906-4EF7-484A-A7A6-72A285D41B02}" type="datetimeFigureOut">
               <a:rPr lang="en-US" smtClean="0"/>
-              <a:t>12/15/2016</a:t>
+              <a:t>1/4/2017</a:t>
             </a:fld>
             <a:endParaRPr lang="en-US"/>
           </a:p>
@@ -3004,7 +3008,7 @@
           <a:p>
             <a:fld id="{6792C906-4EF7-484A-A7A6-72A285D41B02}" type="datetimeFigureOut">
               <a:rPr lang="en-US" smtClean="0"/>
-              <a:t>12/15/2016</a:t>
+              <a:t>1/4/2017</a:t>
             </a:fld>
             <a:endParaRPr lang="en-US"/>
           </a:p>
@@ -3852,11 +3856,7 @@
             </a:pPr>
             <a:r>
               <a:rPr lang="zh-CN" altLang="en-US" dirty="0" smtClean="0"/>
-              <a:t>显示档</a:t>
-            </a:r>
-            <a:r>
-              <a:rPr lang="zh-CN" altLang="en-US" dirty="0" smtClean="0"/>
-              <a:t>期</a:t>
+              <a:t>显示档期</a:t>
             </a:r>
             <a:r>
               <a:rPr lang="en-US" altLang="zh-CN" dirty="0" smtClean="0"/>
@@ -3872,15 +3872,7 @@
             </a:r>
             <a:r>
               <a:rPr lang="zh-CN" altLang="en-US" dirty="0" smtClean="0"/>
-              <a:t>座位分布</a:t>
-            </a:r>
-            <a:r>
-              <a:rPr lang="zh-CN" altLang="en-US" dirty="0" smtClean="0"/>
-              <a:t>及购买状</a:t>
-            </a:r>
-            <a:r>
-              <a:rPr lang="zh-CN" altLang="en-US" dirty="0" smtClean="0"/>
-              <a:t>态</a:t>
+              <a:t>座位分布及购买状态</a:t>
             </a:r>
             <a:endParaRPr lang="en-US" altLang="zh-CN" dirty="0" smtClean="0"/>
           </a:p>
@@ -3964,11 +3956,7 @@
             </a:pPr>
             <a:r>
               <a:rPr lang="zh-CN" altLang="en-US" dirty="0" smtClean="0"/>
-              <a:t>检索电</a:t>
-            </a:r>
-            <a:r>
-              <a:rPr lang="zh-CN" altLang="en-US" dirty="0" smtClean="0"/>
-              <a:t>影</a:t>
+              <a:t>检索电影</a:t>
             </a:r>
             <a:r>
               <a:rPr lang="en-US" altLang="zh-CN" dirty="0" smtClean="0"/>
@@ -4015,21 +4003,12 @@
             </a:r>
             <a:r>
               <a:rPr lang="zh-CN" altLang="en-US" dirty="0" smtClean="0"/>
-              <a:t>新</a:t>
-            </a:r>
-            <a:r>
-              <a:rPr lang="zh-CN" altLang="en-US" dirty="0" smtClean="0"/>
-              <a:t>增电</a:t>
-            </a:r>
-            <a:r>
-              <a:rPr lang="zh-CN" altLang="en-US" dirty="0" smtClean="0"/>
-              <a:t>影</a:t>
+              <a:t>新增电影</a:t>
             </a:r>
             <a:r>
               <a:rPr lang="en-US" altLang="zh-CN" dirty="0" smtClean="0"/>
               <a:t>)</a:t>
             </a:r>
-            <a:endParaRPr lang="en-US" altLang="zh-CN" dirty="0" smtClean="0"/>
           </a:p>
           <a:p>
             <a:pPr marL="285750" indent="-285750">
@@ -4046,15 +4025,7 @@
             </a:r>
             <a:r>
               <a:rPr lang="zh-CN" altLang="en-US" dirty="0" smtClean="0"/>
-              <a:t>删</a:t>
-            </a:r>
-            <a:r>
-              <a:rPr lang="zh-CN" altLang="en-US" dirty="0" smtClean="0"/>
-              <a:t>除电</a:t>
-            </a:r>
-            <a:r>
-              <a:rPr lang="zh-CN" altLang="en-US" dirty="0" smtClean="0"/>
-              <a:t>影</a:t>
+              <a:t>删除电影</a:t>
             </a:r>
             <a:r>
               <a:rPr lang="en-US" altLang="zh-CN" dirty="0" smtClean="0"/>
@@ -4139,11 +4110,7 @@
             </a:pPr>
             <a:r>
               <a:rPr lang="zh-CN" altLang="en-US" dirty="0" smtClean="0"/>
-              <a:t>按照座位类型设定电</a:t>
-            </a:r>
-            <a:r>
-              <a:rPr lang="zh-CN" altLang="en-US" dirty="0" smtClean="0"/>
-              <a:t>影价格</a:t>
+              <a:t>按照座位类型设定电影价格</a:t>
             </a:r>
             <a:endParaRPr lang="en-US" dirty="0"/>
           </a:p>
@@ -4191,15 +4158,7 @@
             <a:pPr algn="ctr"/>
             <a:r>
               <a:rPr lang="zh-CN" altLang="en-US" dirty="0" smtClean="0"/>
-              <a:t>设</a:t>
-            </a:r>
-            <a:r>
-              <a:rPr lang="zh-CN" altLang="en-US" dirty="0" smtClean="0"/>
-              <a:t>定每个放映厅布</a:t>
-            </a:r>
-            <a:r>
-              <a:rPr lang="zh-CN" altLang="en-US" dirty="0" smtClean="0"/>
-              <a:t>局</a:t>
+              <a:t>设定每个放映厅布局</a:t>
             </a:r>
             <a:endParaRPr lang="en-US" dirty="0"/>
           </a:p>
@@ -5489,6 +5448,2807 @@
       </p:grpSpPr>
       <p:sp>
         <p:nvSpPr>
+          <p:cNvPr id="5" name="TextBox 4"/>
+          <p:cNvSpPr txBox="1"/>
+          <p:nvPr/>
+        </p:nvSpPr>
+        <p:spPr>
+          <a:xfrm>
+            <a:off x="3275518" y="885980"/>
+            <a:ext cx="1313719" cy="365760"/>
+          </a:xfrm>
+          <a:prstGeom prst="rect">
+            <a:avLst/>
+          </a:prstGeom>
+        </p:spPr>
+        <p:style>
+          <a:lnRef idx="0">
+            <a:schemeClr val="accent2"/>
+          </a:lnRef>
+          <a:fillRef idx="3">
+            <a:schemeClr val="accent2"/>
+          </a:fillRef>
+          <a:effectRef idx="3">
+            <a:schemeClr val="accent2"/>
+          </a:effectRef>
+          <a:fontRef idx="minor">
+            <a:schemeClr val="lt1"/>
+          </a:fontRef>
+        </p:style>
+        <p:txBody>
+          <a:bodyPr wrap="square" rtlCol="0">
+            <a:spAutoFit/>
+          </a:bodyPr>
+          <a:lstStyle/>
+          <a:p>
+            <a:pPr algn="ctr"/>
+            <a:r>
+              <a:rPr lang="zh-CN" altLang="en-US" dirty="0" smtClean="0"/>
+              <a:t>售</a:t>
+            </a:r>
+            <a:r>
+              <a:rPr lang="zh-CN" altLang="en-US" dirty="0" smtClean="0"/>
+              <a:t>票管理</a:t>
+            </a:r>
+            <a:endParaRPr lang="en-US" dirty="0"/>
+          </a:p>
+        </p:txBody>
+      </p:sp>
+      <p:sp>
+        <p:nvSpPr>
+          <p:cNvPr id="6" name="TextBox 5"/>
+          <p:cNvSpPr txBox="1"/>
+          <p:nvPr/>
+        </p:nvSpPr>
+        <p:spPr>
+          <a:xfrm>
+            <a:off x="3275518" y="3419094"/>
+            <a:ext cx="1655523" cy="365760"/>
+          </a:xfrm>
+          <a:prstGeom prst="rect">
+            <a:avLst/>
+          </a:prstGeom>
+        </p:spPr>
+        <p:style>
+          <a:lnRef idx="0">
+            <a:schemeClr val="accent2"/>
+          </a:lnRef>
+          <a:fillRef idx="3">
+            <a:schemeClr val="accent2"/>
+          </a:fillRef>
+          <a:effectRef idx="3">
+            <a:schemeClr val="accent2"/>
+          </a:effectRef>
+          <a:fontRef idx="minor">
+            <a:schemeClr val="lt1"/>
+          </a:fontRef>
+        </p:style>
+        <p:txBody>
+          <a:bodyPr wrap="square" rtlCol="0">
+            <a:spAutoFit/>
+          </a:bodyPr>
+          <a:lstStyle/>
+          <a:p>
+            <a:pPr algn="ctr"/>
+            <a:r>
+              <a:rPr lang="zh-CN" altLang="en-US" dirty="0" smtClean="0"/>
+              <a:t>档期场次管理</a:t>
+            </a:r>
+            <a:endParaRPr lang="en-US" dirty="0"/>
+          </a:p>
+        </p:txBody>
+      </p:sp>
+      <p:sp>
+        <p:nvSpPr>
+          <p:cNvPr id="7" name="TextBox 6"/>
+          <p:cNvSpPr txBox="1"/>
+          <p:nvPr/>
+        </p:nvSpPr>
+        <p:spPr>
+          <a:xfrm>
+            <a:off x="3312373" y="4685651"/>
+            <a:ext cx="1240008" cy="365760"/>
+          </a:xfrm>
+          <a:prstGeom prst="rect">
+            <a:avLst/>
+          </a:prstGeom>
+        </p:spPr>
+        <p:style>
+          <a:lnRef idx="0">
+            <a:schemeClr val="accent2"/>
+          </a:lnRef>
+          <a:fillRef idx="3">
+            <a:schemeClr val="accent2"/>
+          </a:fillRef>
+          <a:effectRef idx="3">
+            <a:schemeClr val="accent2"/>
+          </a:effectRef>
+          <a:fontRef idx="minor">
+            <a:schemeClr val="lt1"/>
+          </a:fontRef>
+        </p:style>
+        <p:txBody>
+          <a:bodyPr wrap="square" rtlCol="0">
+            <a:spAutoFit/>
+          </a:bodyPr>
+          <a:lstStyle/>
+          <a:p>
+            <a:pPr algn="ctr"/>
+            <a:r>
+              <a:rPr lang="zh-CN" altLang="en-US" dirty="0" smtClean="0"/>
+              <a:t>电影管理</a:t>
+            </a:r>
+            <a:endParaRPr lang="en-US" dirty="0"/>
+          </a:p>
+        </p:txBody>
+      </p:sp>
+      <p:sp>
+        <p:nvSpPr>
+          <p:cNvPr id="8" name="TextBox 7"/>
+          <p:cNvSpPr txBox="1"/>
+          <p:nvPr/>
+        </p:nvSpPr>
+        <p:spPr>
+          <a:xfrm>
+            <a:off x="3275518" y="5952208"/>
+            <a:ext cx="1596197" cy="365760"/>
+          </a:xfrm>
+          <a:prstGeom prst="rect">
+            <a:avLst/>
+          </a:prstGeom>
+        </p:spPr>
+        <p:style>
+          <a:lnRef idx="0">
+            <a:schemeClr val="accent2"/>
+          </a:lnRef>
+          <a:fillRef idx="3">
+            <a:schemeClr val="accent2"/>
+          </a:fillRef>
+          <a:effectRef idx="3">
+            <a:schemeClr val="accent2"/>
+          </a:effectRef>
+          <a:fontRef idx="minor">
+            <a:schemeClr val="lt1"/>
+          </a:fontRef>
+        </p:style>
+        <p:txBody>
+          <a:bodyPr wrap="square" rtlCol="0">
+            <a:spAutoFit/>
+          </a:bodyPr>
+          <a:lstStyle/>
+          <a:p>
+            <a:pPr algn="ctr"/>
+            <a:r>
+              <a:rPr lang="zh-CN" altLang="en-US" dirty="0" smtClean="0"/>
+              <a:t>影院布局管理</a:t>
+            </a:r>
+            <a:endParaRPr lang="en-US" dirty="0"/>
+          </a:p>
+        </p:txBody>
+      </p:sp>
+      <p:sp>
+        <p:nvSpPr>
+          <p:cNvPr id="9" name="TextBox 8"/>
+          <p:cNvSpPr txBox="1"/>
+          <p:nvPr/>
+        </p:nvSpPr>
+        <p:spPr>
+          <a:xfrm>
+            <a:off x="3275518" y="2152537"/>
+            <a:ext cx="1178760" cy="365760"/>
+          </a:xfrm>
+          <a:prstGeom prst="rect">
+            <a:avLst/>
+          </a:prstGeom>
+        </p:spPr>
+        <p:style>
+          <a:lnRef idx="0">
+            <a:schemeClr val="accent2"/>
+          </a:lnRef>
+          <a:fillRef idx="3">
+            <a:schemeClr val="accent2"/>
+          </a:fillRef>
+          <a:effectRef idx="3">
+            <a:schemeClr val="accent2"/>
+          </a:effectRef>
+          <a:fontRef idx="minor">
+            <a:schemeClr val="lt1"/>
+          </a:fontRef>
+        </p:style>
+        <p:txBody>
+          <a:bodyPr wrap="square" rtlCol="0">
+            <a:spAutoFit/>
+          </a:bodyPr>
+          <a:lstStyle/>
+          <a:p>
+            <a:pPr algn="ctr"/>
+            <a:r>
+              <a:rPr lang="zh-CN" altLang="en-US" dirty="0" smtClean="0"/>
+              <a:t>价格管理</a:t>
+            </a:r>
+            <a:endParaRPr lang="en-US" dirty="0"/>
+          </a:p>
+        </p:txBody>
+      </p:sp>
+      <p:cxnSp>
+        <p:nvCxnSpPr>
+          <p:cNvPr id="11" name="Elbow Connector 10"/>
+          <p:cNvCxnSpPr>
+            <a:stCxn id="17" idx="3"/>
+            <a:endCxn id="7" idx="1"/>
+          </p:cNvCxnSpPr>
+          <p:nvPr/>
+        </p:nvCxnSpPr>
+        <p:spPr>
+          <a:xfrm>
+            <a:off x="1593274" y="3154410"/>
+            <a:ext cx="1719099" cy="1714121"/>
+          </a:xfrm>
+          <a:prstGeom prst="bentConnector3">
+            <a:avLst>
+              <a:gd name="adj1" fmla="val 50000"/>
+            </a:avLst>
+          </a:prstGeom>
+          <a:ln>
+            <a:tailEnd type="triangle"/>
+          </a:ln>
+        </p:spPr>
+        <p:style>
+          <a:lnRef idx="3">
+            <a:schemeClr val="accent2"/>
+          </a:lnRef>
+          <a:fillRef idx="0">
+            <a:schemeClr val="accent2"/>
+          </a:fillRef>
+          <a:effectRef idx="2">
+            <a:schemeClr val="accent2"/>
+          </a:effectRef>
+          <a:fontRef idx="minor">
+            <a:schemeClr val="tx1"/>
+          </a:fontRef>
+        </p:style>
+      </p:cxnSp>
+      <p:cxnSp>
+        <p:nvCxnSpPr>
+          <p:cNvPr id="12" name="Elbow Connector 11"/>
+          <p:cNvCxnSpPr>
+            <a:stCxn id="17" idx="3"/>
+            <a:endCxn id="8" idx="1"/>
+          </p:cNvCxnSpPr>
+          <p:nvPr/>
+        </p:nvCxnSpPr>
+        <p:spPr>
+          <a:xfrm>
+            <a:off x="1593274" y="3154410"/>
+            <a:ext cx="1682244" cy="2980678"/>
+          </a:xfrm>
+          <a:prstGeom prst="bentConnector3">
+            <a:avLst>
+              <a:gd name="adj1" fmla="val 50000"/>
+            </a:avLst>
+          </a:prstGeom>
+          <a:ln>
+            <a:tailEnd type="triangle"/>
+          </a:ln>
+        </p:spPr>
+        <p:style>
+          <a:lnRef idx="3">
+            <a:schemeClr val="accent2"/>
+          </a:lnRef>
+          <a:fillRef idx="0">
+            <a:schemeClr val="accent2"/>
+          </a:fillRef>
+          <a:effectRef idx="2">
+            <a:schemeClr val="accent2"/>
+          </a:effectRef>
+          <a:fontRef idx="minor">
+            <a:schemeClr val="tx1"/>
+          </a:fontRef>
+        </p:style>
+      </p:cxnSp>
+      <p:cxnSp>
+        <p:nvCxnSpPr>
+          <p:cNvPr id="13" name="Elbow Connector 12"/>
+          <p:cNvCxnSpPr>
+            <a:stCxn id="17" idx="3"/>
+            <a:endCxn id="9" idx="1"/>
+          </p:cNvCxnSpPr>
+          <p:nvPr/>
+        </p:nvCxnSpPr>
+        <p:spPr>
+          <a:xfrm flipV="1">
+            <a:off x="1593274" y="2335417"/>
+            <a:ext cx="1682244" cy="818993"/>
+          </a:xfrm>
+          <a:prstGeom prst="bentConnector3">
+            <a:avLst>
+              <a:gd name="adj1" fmla="val 50000"/>
+            </a:avLst>
+          </a:prstGeom>
+          <a:ln>
+            <a:tailEnd type="triangle"/>
+          </a:ln>
+        </p:spPr>
+        <p:style>
+          <a:lnRef idx="3">
+            <a:schemeClr val="accent2"/>
+          </a:lnRef>
+          <a:fillRef idx="0">
+            <a:schemeClr val="accent2"/>
+          </a:fillRef>
+          <a:effectRef idx="2">
+            <a:schemeClr val="accent2"/>
+          </a:effectRef>
+          <a:fontRef idx="minor">
+            <a:schemeClr val="tx1"/>
+          </a:fontRef>
+        </p:style>
+      </p:cxnSp>
+      <p:cxnSp>
+        <p:nvCxnSpPr>
+          <p:cNvPr id="14" name="Elbow Connector 13"/>
+          <p:cNvCxnSpPr>
+            <a:stCxn id="17" idx="3"/>
+            <a:endCxn id="6" idx="1"/>
+          </p:cNvCxnSpPr>
+          <p:nvPr/>
+        </p:nvCxnSpPr>
+        <p:spPr>
+          <a:xfrm>
+            <a:off x="1593274" y="3154410"/>
+            <a:ext cx="1682244" cy="447564"/>
+          </a:xfrm>
+          <a:prstGeom prst="bentConnector3">
+            <a:avLst>
+              <a:gd name="adj1" fmla="val 50000"/>
+            </a:avLst>
+          </a:prstGeom>
+          <a:ln>
+            <a:tailEnd type="triangle"/>
+          </a:ln>
+        </p:spPr>
+        <p:style>
+          <a:lnRef idx="3">
+            <a:schemeClr val="accent2"/>
+          </a:lnRef>
+          <a:fillRef idx="0">
+            <a:schemeClr val="accent2"/>
+          </a:fillRef>
+          <a:effectRef idx="2">
+            <a:schemeClr val="accent2"/>
+          </a:effectRef>
+          <a:fontRef idx="minor">
+            <a:schemeClr val="tx1"/>
+          </a:fontRef>
+        </p:style>
+      </p:cxnSp>
+      <p:cxnSp>
+        <p:nvCxnSpPr>
+          <p:cNvPr id="15" name="Elbow Connector 14"/>
+          <p:cNvCxnSpPr>
+            <a:stCxn id="17" idx="3"/>
+            <a:endCxn id="5" idx="1"/>
+          </p:cNvCxnSpPr>
+          <p:nvPr/>
+        </p:nvCxnSpPr>
+        <p:spPr>
+          <a:xfrm flipV="1">
+            <a:off x="1593274" y="1068860"/>
+            <a:ext cx="1682244" cy="2085550"/>
+          </a:xfrm>
+          <a:prstGeom prst="bentConnector3">
+            <a:avLst>
+              <a:gd name="adj1" fmla="val 50000"/>
+            </a:avLst>
+          </a:prstGeom>
+          <a:ln>
+            <a:tailEnd type="triangle"/>
+          </a:ln>
+        </p:spPr>
+        <p:style>
+          <a:lnRef idx="3">
+            <a:schemeClr val="accent2"/>
+          </a:lnRef>
+          <a:fillRef idx="0">
+            <a:schemeClr val="accent2"/>
+          </a:fillRef>
+          <a:effectRef idx="2">
+            <a:schemeClr val="accent2"/>
+          </a:effectRef>
+          <a:fontRef idx="minor">
+            <a:schemeClr val="tx1"/>
+          </a:fontRef>
+        </p:style>
+      </p:cxnSp>
+      <p:sp>
+        <p:nvSpPr>
+          <p:cNvPr id="17" name="TextBox 16"/>
+          <p:cNvSpPr txBox="1"/>
+          <p:nvPr/>
+        </p:nvSpPr>
+        <p:spPr>
+          <a:xfrm>
+            <a:off x="1202670" y="1993962"/>
+            <a:ext cx="390604" cy="2320896"/>
+          </a:xfrm>
+          <a:prstGeom prst="rect">
+            <a:avLst/>
+          </a:prstGeom>
+        </p:spPr>
+        <p:style>
+          <a:lnRef idx="0">
+            <a:schemeClr val="dk1"/>
+          </a:lnRef>
+          <a:fillRef idx="3">
+            <a:schemeClr val="dk1"/>
+          </a:fillRef>
+          <a:effectRef idx="3">
+            <a:schemeClr val="dk1"/>
+          </a:effectRef>
+          <a:fontRef idx="minor">
+            <a:schemeClr val="lt1"/>
+          </a:fontRef>
+        </p:style>
+        <p:txBody>
+          <a:bodyPr wrap="square" rtlCol="0">
+            <a:spAutoFit/>
+          </a:bodyPr>
+          <a:lstStyle/>
+          <a:p>
+            <a:r>
+              <a:rPr lang="zh-CN" altLang="en-US" dirty="0" smtClean="0"/>
+              <a:t>影院售票管理系统</a:t>
+            </a:r>
+            <a:endParaRPr lang="en-US" dirty="0"/>
+          </a:p>
+        </p:txBody>
+      </p:sp>
+      <p:sp>
+        <p:nvSpPr>
+          <p:cNvPr id="73" name="Rectangle 72"/>
+          <p:cNvSpPr/>
+          <p:nvPr/>
+        </p:nvSpPr>
+        <p:spPr>
+          <a:xfrm>
+            <a:off x="5583382" y="597805"/>
+            <a:ext cx="3311236" cy="942109"/>
+          </a:xfrm>
+          <a:prstGeom prst="rect">
+            <a:avLst/>
+          </a:prstGeom>
+        </p:spPr>
+        <p:style>
+          <a:lnRef idx="2">
+            <a:schemeClr val="accent1">
+              <a:shade val="50000"/>
+            </a:schemeClr>
+          </a:lnRef>
+          <a:fillRef idx="1">
+            <a:schemeClr val="accent1"/>
+          </a:fillRef>
+          <a:effectRef idx="0">
+            <a:schemeClr val="accent1"/>
+          </a:effectRef>
+          <a:fontRef idx="minor">
+            <a:schemeClr val="lt1"/>
+          </a:fontRef>
+        </p:style>
+        <p:txBody>
+          <a:bodyPr rtlCol="0" anchor="ctr"/>
+          <a:lstStyle/>
+          <a:p>
+            <a:pPr marL="342900" indent="-342900">
+              <a:buAutoNum type="arabicPeriod"/>
+            </a:pPr>
+            <a:r>
+              <a:rPr lang="zh-CN" altLang="en-US" dirty="0" smtClean="0"/>
+              <a:t>获取某场次已</a:t>
+            </a:r>
+            <a:r>
+              <a:rPr lang="zh-CN" altLang="en-US" dirty="0"/>
+              <a:t>售影票信息</a:t>
+            </a:r>
+            <a:endParaRPr lang="en-US" altLang="zh-CN" dirty="0" smtClean="0"/>
+          </a:p>
+          <a:p>
+            <a:pPr marL="342900" indent="-342900">
+              <a:buAutoNum type="arabicPeriod"/>
+            </a:pPr>
+            <a:r>
+              <a:rPr lang="zh-CN" altLang="en-US" dirty="0" smtClean="0"/>
+              <a:t>出售某场次影票</a:t>
+            </a:r>
+            <a:endParaRPr lang="zh-CN" altLang="zh-CN" dirty="0"/>
+          </a:p>
+        </p:txBody>
+      </p:sp>
+      <p:sp>
+        <p:nvSpPr>
+          <p:cNvPr id="74" name="Rectangle 73"/>
+          <p:cNvSpPr/>
+          <p:nvPr/>
+        </p:nvSpPr>
+        <p:spPr>
+          <a:xfrm>
+            <a:off x="6550102" y="513206"/>
+            <a:ext cx="3311236" cy="2407461"/>
+          </a:xfrm>
+          <a:prstGeom prst="rect">
+            <a:avLst/>
+          </a:prstGeom>
+        </p:spPr>
+        <p:style>
+          <a:lnRef idx="2">
+            <a:schemeClr val="accent1">
+              <a:shade val="50000"/>
+            </a:schemeClr>
+          </a:lnRef>
+          <a:fillRef idx="1">
+            <a:schemeClr val="accent1"/>
+          </a:fillRef>
+          <a:effectRef idx="0">
+            <a:schemeClr val="accent1"/>
+          </a:effectRef>
+          <a:fontRef idx="minor">
+            <a:schemeClr val="lt1"/>
+          </a:fontRef>
+        </p:style>
+        <p:txBody>
+          <a:bodyPr rtlCol="0" anchor="ctr"/>
+          <a:lstStyle/>
+          <a:p>
+            <a:pPr marL="342900" indent="-342900">
+              <a:buAutoNum type="arabicPeriod"/>
+            </a:pPr>
+            <a:r>
+              <a:rPr lang="zh-CN" altLang="en-US" dirty="0" smtClean="0"/>
+              <a:t>增加价格模板</a:t>
+            </a:r>
+            <a:endParaRPr lang="en-US" altLang="zh-CN" dirty="0" smtClean="0"/>
+          </a:p>
+          <a:p>
+            <a:pPr marL="342900" indent="-342900">
+              <a:buAutoNum type="arabicPeriod"/>
+            </a:pPr>
+            <a:r>
+              <a:rPr lang="zh-CN" altLang="en-US" dirty="0" smtClean="0"/>
+              <a:t>删除价格模板</a:t>
+            </a:r>
+            <a:endParaRPr lang="en-US" altLang="zh-CN" dirty="0" smtClean="0"/>
+          </a:p>
+          <a:p>
+            <a:pPr marL="342900" indent="-342900">
+              <a:buAutoNum type="arabicPeriod"/>
+            </a:pPr>
+            <a:r>
+              <a:rPr lang="zh-CN" altLang="en-US" dirty="0" smtClean="0"/>
+              <a:t>更改价格模板的价格</a:t>
+            </a:r>
+            <a:endParaRPr lang="en-US" altLang="zh-CN" dirty="0" smtClean="0"/>
+          </a:p>
+          <a:p>
+            <a:pPr marL="342900" indent="-342900">
+              <a:buAutoNum type="arabicPeriod"/>
+            </a:pPr>
+            <a:r>
+              <a:rPr lang="zh-CN" altLang="en-US" dirty="0" smtClean="0"/>
+              <a:t>获取价格模板</a:t>
+            </a:r>
+            <a:endParaRPr lang="en-US" altLang="zh-CN" dirty="0" smtClean="0"/>
+          </a:p>
+          <a:p>
+            <a:pPr marL="342900" indent="-342900">
+              <a:buAutoNum type="arabicPeriod"/>
+            </a:pPr>
+            <a:r>
+              <a:rPr lang="zh-CN" altLang="en-US" dirty="0"/>
+              <a:t>给某个场次座位设定价格</a:t>
+            </a:r>
+            <a:endParaRPr lang="en-US" altLang="zh-CN" dirty="0"/>
+          </a:p>
+          <a:p>
+            <a:pPr marL="342900" indent="-342900">
+              <a:buAutoNum type="arabicPeriod"/>
+            </a:pPr>
+            <a:r>
+              <a:rPr lang="zh-CN" altLang="en-US" dirty="0"/>
+              <a:t>更改某个场次座位价格</a:t>
+            </a:r>
+            <a:endParaRPr lang="en-US" altLang="zh-CN" dirty="0"/>
+          </a:p>
+          <a:p>
+            <a:pPr marL="342900" indent="-342900">
+              <a:buAutoNum type="arabicPeriod"/>
+            </a:pPr>
+            <a:r>
+              <a:rPr lang="zh-CN" altLang="en-US" dirty="0"/>
+              <a:t>获取某个场次座位价格</a:t>
+            </a:r>
+            <a:endParaRPr lang="zh-CN" altLang="zh-CN" dirty="0"/>
+          </a:p>
+          <a:p>
+            <a:pPr marL="342900" indent="-342900">
+              <a:buAutoNum type="arabicPeriod"/>
+            </a:pPr>
+            <a:endParaRPr lang="zh-CN" altLang="zh-CN" dirty="0"/>
+          </a:p>
+        </p:txBody>
+      </p:sp>
+      <p:sp>
+        <p:nvSpPr>
+          <p:cNvPr id="81" name="Rectangle 80"/>
+          <p:cNvSpPr/>
+          <p:nvPr/>
+        </p:nvSpPr>
+        <p:spPr>
+          <a:xfrm>
+            <a:off x="6550102" y="3329482"/>
+            <a:ext cx="3533004" cy="2505051"/>
+          </a:xfrm>
+          <a:prstGeom prst="rect">
+            <a:avLst/>
+          </a:prstGeom>
+        </p:spPr>
+        <p:style>
+          <a:lnRef idx="2">
+            <a:schemeClr val="accent1">
+              <a:shade val="50000"/>
+            </a:schemeClr>
+          </a:lnRef>
+          <a:fillRef idx="1">
+            <a:schemeClr val="accent1"/>
+          </a:fillRef>
+          <a:effectRef idx="0">
+            <a:schemeClr val="accent1"/>
+          </a:effectRef>
+          <a:fontRef idx="minor">
+            <a:schemeClr val="lt1"/>
+          </a:fontRef>
+        </p:style>
+        <p:txBody>
+          <a:bodyPr rtlCol="0" anchor="ctr"/>
+          <a:lstStyle/>
+          <a:p>
+            <a:pPr marL="342900" indent="-342900">
+              <a:buAutoNum type="arabicPeriod"/>
+            </a:pPr>
+            <a:r>
+              <a:rPr lang="zh-CN" altLang="en-US" dirty="0" smtClean="0"/>
+              <a:t>添加顾客类型</a:t>
+            </a:r>
+            <a:endParaRPr lang="en-US" altLang="zh-CN" dirty="0" smtClean="0"/>
+          </a:p>
+          <a:p>
+            <a:pPr marL="342900" indent="-342900">
+              <a:buAutoNum type="arabicPeriod"/>
+            </a:pPr>
+            <a:r>
+              <a:rPr lang="zh-CN" altLang="en-US" dirty="0" smtClean="0"/>
+              <a:t>移除顾客类型</a:t>
+            </a:r>
+            <a:endParaRPr lang="en-US" altLang="zh-CN" dirty="0" smtClean="0"/>
+          </a:p>
+          <a:p>
+            <a:pPr marL="342900" indent="-342900">
+              <a:buAutoNum type="arabicPeriod"/>
+            </a:pPr>
+            <a:r>
+              <a:rPr lang="zh-CN" altLang="en-US" dirty="0" smtClean="0"/>
+              <a:t>获取顾客类型</a:t>
+            </a:r>
+            <a:endParaRPr lang="en-US" altLang="zh-CN" dirty="0" smtClean="0"/>
+          </a:p>
+          <a:p>
+            <a:pPr marL="342900" indent="-342900">
+              <a:buAutoNum type="arabicPeriod"/>
+            </a:pPr>
+            <a:r>
+              <a:rPr lang="zh-CN" altLang="en-US" dirty="0" smtClean="0"/>
+              <a:t>添加新的优惠方式</a:t>
+            </a:r>
+            <a:endParaRPr lang="en-US" altLang="zh-CN" dirty="0" smtClean="0"/>
+          </a:p>
+          <a:p>
+            <a:pPr marL="342900" indent="-342900">
+              <a:buAutoNum type="arabicPeriod"/>
+            </a:pPr>
+            <a:r>
+              <a:rPr lang="zh-CN" altLang="en-US" dirty="0" smtClean="0"/>
+              <a:t>获取优惠方式</a:t>
+            </a:r>
+            <a:endParaRPr lang="en-US" altLang="zh-CN" dirty="0" smtClean="0"/>
+          </a:p>
+          <a:p>
+            <a:pPr marL="342900" indent="-342900">
+              <a:buAutoNum type="arabicPeriod"/>
+            </a:pPr>
+            <a:r>
+              <a:rPr lang="zh-CN" altLang="en-US" dirty="0" smtClean="0"/>
+              <a:t>给某个顾客类型添加优惠</a:t>
+            </a:r>
+            <a:endParaRPr lang="en-US" altLang="zh-CN" dirty="0" smtClean="0"/>
+          </a:p>
+          <a:p>
+            <a:pPr marL="342900" indent="-342900">
+              <a:buAutoNum type="arabicPeriod"/>
+            </a:pPr>
+            <a:r>
+              <a:rPr lang="zh-CN" altLang="en-US" dirty="0" smtClean="0"/>
+              <a:t>更改某类顾客类型的优惠额度</a:t>
+            </a:r>
+            <a:endParaRPr lang="en-US" altLang="zh-CN" dirty="0" smtClean="0"/>
+          </a:p>
+          <a:p>
+            <a:pPr marL="342900" indent="-342900">
+              <a:buAutoNum type="arabicPeriod"/>
+            </a:pPr>
+            <a:r>
+              <a:rPr lang="zh-CN" altLang="en-US" dirty="0" smtClean="0"/>
+              <a:t>查询某类顾客优惠</a:t>
+            </a:r>
+            <a:endParaRPr lang="zh-CN" altLang="zh-CN" dirty="0"/>
+          </a:p>
+        </p:txBody>
+      </p:sp>
+      <p:sp>
+        <p:nvSpPr>
+          <p:cNvPr id="82" name="Rectangle 81"/>
+          <p:cNvSpPr/>
+          <p:nvPr/>
+        </p:nvSpPr>
+        <p:spPr>
+          <a:xfrm>
+            <a:off x="6550102" y="4743496"/>
+            <a:ext cx="3533004" cy="1372666"/>
+          </a:xfrm>
+          <a:prstGeom prst="rect">
+            <a:avLst/>
+          </a:prstGeom>
+        </p:spPr>
+        <p:style>
+          <a:lnRef idx="2">
+            <a:schemeClr val="accent1">
+              <a:shade val="50000"/>
+            </a:schemeClr>
+          </a:lnRef>
+          <a:fillRef idx="1">
+            <a:schemeClr val="accent1"/>
+          </a:fillRef>
+          <a:effectRef idx="0">
+            <a:schemeClr val="accent1"/>
+          </a:effectRef>
+          <a:fontRef idx="minor">
+            <a:schemeClr val="lt1"/>
+          </a:fontRef>
+        </p:style>
+        <p:txBody>
+          <a:bodyPr rtlCol="0" anchor="ctr"/>
+          <a:lstStyle/>
+          <a:p>
+            <a:pPr marL="342900" indent="-342900">
+              <a:buAutoNum type="arabicPeriod"/>
+            </a:pPr>
+            <a:r>
+              <a:rPr lang="zh-CN" altLang="en-US" dirty="0" smtClean="0"/>
+              <a:t>增加一个场次</a:t>
+            </a:r>
+            <a:endParaRPr lang="en-US" altLang="zh-CN" dirty="0" smtClean="0"/>
+          </a:p>
+          <a:p>
+            <a:pPr marL="342900" indent="-342900">
+              <a:buAutoNum type="arabicPeriod"/>
+            </a:pPr>
+            <a:r>
+              <a:rPr lang="zh-CN" altLang="en-US" dirty="0" smtClean="0"/>
+              <a:t>移除一个场次</a:t>
+            </a:r>
+            <a:endParaRPr lang="en-US" altLang="zh-CN" dirty="0" smtClean="0"/>
+          </a:p>
+          <a:p>
+            <a:pPr marL="342900" indent="-342900">
+              <a:buAutoNum type="arabicPeriod"/>
+            </a:pPr>
+            <a:r>
+              <a:rPr lang="zh-CN" altLang="en-US" dirty="0" smtClean="0"/>
+              <a:t>更新一个场次</a:t>
+            </a:r>
+            <a:endParaRPr lang="en-US" altLang="zh-CN" dirty="0" smtClean="0"/>
+          </a:p>
+          <a:p>
+            <a:pPr marL="342900" indent="-342900">
+              <a:buAutoNum type="arabicPeriod"/>
+            </a:pPr>
+            <a:r>
+              <a:rPr lang="zh-CN" altLang="en-US" dirty="0" smtClean="0"/>
+              <a:t>获取某个场次</a:t>
+            </a:r>
+            <a:endParaRPr lang="zh-CN" altLang="zh-CN" dirty="0"/>
+          </a:p>
+        </p:txBody>
+      </p:sp>
+      <p:sp>
+        <p:nvSpPr>
+          <p:cNvPr id="83" name="Rectangle 82"/>
+          <p:cNvSpPr/>
+          <p:nvPr/>
+        </p:nvSpPr>
+        <p:spPr>
+          <a:xfrm>
+            <a:off x="5731141" y="3970904"/>
+            <a:ext cx="3311236" cy="1285131"/>
+          </a:xfrm>
+          <a:prstGeom prst="rect">
+            <a:avLst/>
+          </a:prstGeom>
+        </p:spPr>
+        <p:style>
+          <a:lnRef idx="2">
+            <a:schemeClr val="accent1">
+              <a:shade val="50000"/>
+            </a:schemeClr>
+          </a:lnRef>
+          <a:fillRef idx="1">
+            <a:schemeClr val="accent1"/>
+          </a:fillRef>
+          <a:effectRef idx="0">
+            <a:schemeClr val="accent1"/>
+          </a:effectRef>
+          <a:fontRef idx="minor">
+            <a:schemeClr val="lt1"/>
+          </a:fontRef>
+        </p:style>
+        <p:txBody>
+          <a:bodyPr rtlCol="0" anchor="ctr"/>
+          <a:lstStyle/>
+          <a:p>
+            <a:pPr marL="342900" indent="-342900">
+              <a:buAutoNum type="arabicPeriod"/>
+            </a:pPr>
+            <a:r>
+              <a:rPr lang="zh-CN" altLang="en-US" dirty="0" smtClean="0"/>
+              <a:t>增加电影</a:t>
+            </a:r>
+            <a:endParaRPr lang="en-US" altLang="zh-CN" dirty="0" smtClean="0"/>
+          </a:p>
+          <a:p>
+            <a:pPr marL="342900" indent="-342900">
+              <a:buAutoNum type="arabicPeriod"/>
+            </a:pPr>
+            <a:r>
+              <a:rPr lang="zh-CN" altLang="en-US" dirty="0" smtClean="0"/>
+              <a:t>删除</a:t>
+            </a:r>
+            <a:r>
+              <a:rPr lang="zh-CN" altLang="en-US" dirty="0"/>
+              <a:t>电</a:t>
+            </a:r>
+            <a:r>
+              <a:rPr lang="zh-CN" altLang="en-US" dirty="0" smtClean="0"/>
+              <a:t>影</a:t>
+            </a:r>
+            <a:endParaRPr lang="en-US" altLang="zh-CN" dirty="0" smtClean="0"/>
+          </a:p>
+          <a:p>
+            <a:pPr marL="342900" indent="-342900">
+              <a:buAutoNum type="arabicPeriod"/>
+            </a:pPr>
+            <a:r>
+              <a:rPr lang="zh-CN" altLang="en-US" dirty="0" smtClean="0"/>
+              <a:t>更新电影</a:t>
+            </a:r>
+            <a:endParaRPr lang="en-US" altLang="zh-CN" dirty="0" smtClean="0"/>
+          </a:p>
+          <a:p>
+            <a:pPr marL="342900" indent="-342900">
+              <a:buAutoNum type="arabicPeriod"/>
+            </a:pPr>
+            <a:r>
+              <a:rPr lang="zh-CN" altLang="en-US" dirty="0" smtClean="0"/>
+              <a:t>获取电影</a:t>
+            </a:r>
+            <a:endParaRPr lang="zh-CN" altLang="zh-CN" dirty="0"/>
+          </a:p>
+        </p:txBody>
+      </p:sp>
+      <p:sp>
+        <p:nvSpPr>
+          <p:cNvPr id="84" name="Rectangle 83"/>
+          <p:cNvSpPr/>
+          <p:nvPr/>
+        </p:nvSpPr>
+        <p:spPr>
+          <a:xfrm>
+            <a:off x="5781553" y="2519698"/>
+            <a:ext cx="3311236" cy="2123577"/>
+          </a:xfrm>
+          <a:prstGeom prst="rect">
+            <a:avLst/>
+          </a:prstGeom>
+        </p:spPr>
+        <p:style>
+          <a:lnRef idx="2">
+            <a:schemeClr val="accent1">
+              <a:shade val="50000"/>
+            </a:schemeClr>
+          </a:lnRef>
+          <a:fillRef idx="1">
+            <a:schemeClr val="accent1"/>
+          </a:fillRef>
+          <a:effectRef idx="0">
+            <a:schemeClr val="accent1"/>
+          </a:effectRef>
+          <a:fontRef idx="minor">
+            <a:schemeClr val="lt1"/>
+          </a:fontRef>
+        </p:style>
+        <p:txBody>
+          <a:bodyPr rtlCol="0" anchor="ctr"/>
+          <a:lstStyle/>
+          <a:p>
+            <a:pPr marL="342900" indent="-342900">
+              <a:buAutoNum type="arabicPeriod"/>
+            </a:pPr>
+            <a:r>
+              <a:rPr lang="zh-CN" altLang="en-US" dirty="0" smtClean="0"/>
+              <a:t>增加布局</a:t>
+            </a:r>
+            <a:endParaRPr lang="en-US" altLang="zh-CN" dirty="0" smtClean="0"/>
+          </a:p>
+          <a:p>
+            <a:pPr marL="342900" indent="-342900">
+              <a:buAutoNum type="arabicPeriod"/>
+            </a:pPr>
+            <a:r>
+              <a:rPr lang="zh-CN" altLang="en-US" dirty="0" smtClean="0"/>
+              <a:t>删除布局</a:t>
+            </a:r>
+            <a:endParaRPr lang="en-US" altLang="zh-CN" dirty="0"/>
+          </a:p>
+          <a:p>
+            <a:pPr marL="342900" indent="-342900">
+              <a:buAutoNum type="arabicPeriod"/>
+            </a:pPr>
+            <a:r>
+              <a:rPr lang="zh-CN" altLang="en-US" dirty="0" smtClean="0"/>
+              <a:t>获取布局</a:t>
+            </a:r>
+            <a:endParaRPr lang="en-US" altLang="zh-CN" dirty="0"/>
+          </a:p>
+          <a:p>
+            <a:pPr marL="342900" indent="-342900">
+              <a:buAutoNum type="arabicPeriod"/>
+            </a:pPr>
+            <a:r>
+              <a:rPr lang="zh-CN" altLang="en-US" dirty="0" smtClean="0"/>
+              <a:t>更改布局</a:t>
+            </a:r>
+            <a:endParaRPr lang="en-US" altLang="zh-CN" dirty="0" smtClean="0"/>
+          </a:p>
+          <a:p>
+            <a:pPr marL="342900" indent="-342900">
+              <a:buAutoNum type="arabicPeriod"/>
+            </a:pPr>
+            <a:r>
+              <a:rPr lang="zh-CN" altLang="en-US" dirty="0" smtClean="0"/>
+              <a:t>增加座位</a:t>
+            </a:r>
+            <a:endParaRPr lang="en-US" altLang="zh-CN" dirty="0" smtClean="0"/>
+          </a:p>
+          <a:p>
+            <a:pPr marL="342900" indent="-342900">
+              <a:buAutoNum type="arabicPeriod"/>
+            </a:pPr>
+            <a:r>
+              <a:rPr lang="zh-CN" altLang="en-US" dirty="0" smtClean="0"/>
+              <a:t>删除座位</a:t>
+            </a:r>
+            <a:endParaRPr lang="en-US" altLang="zh-CN" dirty="0" smtClean="0"/>
+          </a:p>
+          <a:p>
+            <a:pPr marL="342900" indent="-342900">
+              <a:buAutoNum type="arabicPeriod"/>
+            </a:pPr>
+            <a:r>
+              <a:rPr lang="zh-CN" altLang="en-US" dirty="0" smtClean="0"/>
+              <a:t>移除座位</a:t>
+            </a:r>
+            <a:endParaRPr lang="en-US" altLang="zh-CN" dirty="0" smtClean="0"/>
+          </a:p>
+        </p:txBody>
+      </p:sp>
+      <p:sp>
+        <p:nvSpPr>
+          <p:cNvPr id="85" name="Rectangle 84"/>
+          <p:cNvSpPr/>
+          <p:nvPr/>
+        </p:nvSpPr>
+        <p:spPr>
+          <a:xfrm>
+            <a:off x="400445" y="252174"/>
+            <a:ext cx="1566454" cy="369332"/>
+          </a:xfrm>
+          <a:prstGeom prst="rect">
+            <a:avLst/>
+          </a:prstGeom>
+        </p:spPr>
+        <p:txBody>
+          <a:bodyPr wrap="none">
+            <a:spAutoFit/>
+          </a:bodyPr>
+          <a:lstStyle/>
+          <a:p>
+            <a:r>
+              <a:rPr lang="en-US" altLang="zh-CN" dirty="0" smtClean="0"/>
+              <a:t>2. </a:t>
+            </a:r>
+            <a:r>
+              <a:rPr lang="zh-CN" altLang="en-US" dirty="0" smtClean="0"/>
+              <a:t>软</a:t>
+            </a:r>
+            <a:r>
+              <a:rPr lang="zh-CN" altLang="en-US" dirty="0"/>
+              <a:t>件功能及</a:t>
+            </a:r>
+          </a:p>
+        </p:txBody>
+      </p:sp>
+      <p:cxnSp>
+        <p:nvCxnSpPr>
+          <p:cNvPr id="89" name="Straight Arrow Connector 88"/>
+          <p:cNvCxnSpPr>
+            <a:stCxn id="5" idx="3"/>
+            <a:endCxn id="73" idx="1"/>
+          </p:cNvCxnSpPr>
+          <p:nvPr/>
+        </p:nvCxnSpPr>
+        <p:spPr>
+          <a:xfrm>
+            <a:off x="4589237" y="1068860"/>
+            <a:ext cx="994145" cy="0"/>
+          </a:xfrm>
+          <a:prstGeom prst="straightConnector1">
+            <a:avLst/>
+          </a:prstGeom>
+          <a:ln>
+            <a:tailEnd type="triangle"/>
+          </a:ln>
+        </p:spPr>
+        <p:style>
+          <a:lnRef idx="1">
+            <a:schemeClr val="accent1"/>
+          </a:lnRef>
+          <a:fillRef idx="0">
+            <a:schemeClr val="accent1"/>
+          </a:fillRef>
+          <a:effectRef idx="0">
+            <a:schemeClr val="accent1"/>
+          </a:effectRef>
+          <a:fontRef idx="minor">
+            <a:schemeClr val="tx1"/>
+          </a:fontRef>
+        </p:style>
+      </p:cxnSp>
+      <p:cxnSp>
+        <p:nvCxnSpPr>
+          <p:cNvPr id="91" name="Straight Arrow Connector 90"/>
+          <p:cNvCxnSpPr>
+            <a:stCxn id="9" idx="3"/>
+            <a:endCxn id="74" idx="1"/>
+          </p:cNvCxnSpPr>
+          <p:nvPr/>
+        </p:nvCxnSpPr>
+        <p:spPr>
+          <a:xfrm flipV="1">
+            <a:off x="4454278" y="1716937"/>
+            <a:ext cx="2095824" cy="618480"/>
+          </a:xfrm>
+          <a:prstGeom prst="straightConnector1">
+            <a:avLst/>
+          </a:prstGeom>
+          <a:ln>
+            <a:tailEnd type="triangle"/>
+          </a:ln>
+        </p:spPr>
+        <p:style>
+          <a:lnRef idx="1">
+            <a:schemeClr val="accent1"/>
+          </a:lnRef>
+          <a:fillRef idx="0">
+            <a:schemeClr val="accent1"/>
+          </a:fillRef>
+          <a:effectRef idx="0">
+            <a:schemeClr val="accent1"/>
+          </a:effectRef>
+          <a:fontRef idx="minor">
+            <a:schemeClr val="tx1"/>
+          </a:fontRef>
+        </p:style>
+      </p:cxnSp>
+      <p:cxnSp>
+        <p:nvCxnSpPr>
+          <p:cNvPr id="108" name="Straight Arrow Connector 107"/>
+          <p:cNvCxnSpPr>
+            <a:stCxn id="9" idx="3"/>
+            <a:endCxn id="81" idx="1"/>
+          </p:cNvCxnSpPr>
+          <p:nvPr/>
+        </p:nvCxnSpPr>
+        <p:spPr>
+          <a:xfrm>
+            <a:off x="4454278" y="2335417"/>
+            <a:ext cx="2095824" cy="2246591"/>
+          </a:xfrm>
+          <a:prstGeom prst="straightConnector1">
+            <a:avLst/>
+          </a:prstGeom>
+          <a:ln>
+            <a:tailEnd type="triangle"/>
+          </a:ln>
+        </p:spPr>
+        <p:style>
+          <a:lnRef idx="1">
+            <a:schemeClr val="accent1"/>
+          </a:lnRef>
+          <a:fillRef idx="0">
+            <a:schemeClr val="accent1"/>
+          </a:fillRef>
+          <a:effectRef idx="0">
+            <a:schemeClr val="accent1"/>
+          </a:effectRef>
+          <a:fontRef idx="minor">
+            <a:schemeClr val="tx1"/>
+          </a:fontRef>
+        </p:style>
+      </p:cxnSp>
+      <p:cxnSp>
+        <p:nvCxnSpPr>
+          <p:cNvPr id="126" name="Straight Arrow Connector 125"/>
+          <p:cNvCxnSpPr>
+            <a:stCxn id="7" idx="3"/>
+            <a:endCxn id="83" idx="1"/>
+          </p:cNvCxnSpPr>
+          <p:nvPr/>
+        </p:nvCxnSpPr>
+        <p:spPr>
+          <a:xfrm flipV="1">
+            <a:off x="4552381" y="4613470"/>
+            <a:ext cx="1178760" cy="255061"/>
+          </a:xfrm>
+          <a:prstGeom prst="straightConnector1">
+            <a:avLst/>
+          </a:prstGeom>
+          <a:ln>
+            <a:tailEnd type="triangle"/>
+          </a:ln>
+        </p:spPr>
+        <p:style>
+          <a:lnRef idx="1">
+            <a:schemeClr val="accent1"/>
+          </a:lnRef>
+          <a:fillRef idx="0">
+            <a:schemeClr val="accent1"/>
+          </a:fillRef>
+          <a:effectRef idx="0">
+            <a:schemeClr val="accent1"/>
+          </a:effectRef>
+          <a:fontRef idx="minor">
+            <a:schemeClr val="tx1"/>
+          </a:fontRef>
+        </p:style>
+      </p:cxnSp>
+      <p:sp>
+        <p:nvSpPr>
+          <p:cNvPr id="129" name="Rectangle 128"/>
+          <p:cNvSpPr/>
+          <p:nvPr/>
+        </p:nvSpPr>
+        <p:spPr>
+          <a:xfrm>
+            <a:off x="6491213" y="2335417"/>
+            <a:ext cx="3533004" cy="1712664"/>
+          </a:xfrm>
+          <a:prstGeom prst="rect">
+            <a:avLst/>
+          </a:prstGeom>
+        </p:spPr>
+        <p:style>
+          <a:lnRef idx="2">
+            <a:schemeClr val="accent1">
+              <a:shade val="50000"/>
+            </a:schemeClr>
+          </a:lnRef>
+          <a:fillRef idx="1">
+            <a:schemeClr val="accent1"/>
+          </a:fillRef>
+          <a:effectRef idx="0">
+            <a:schemeClr val="accent1"/>
+          </a:effectRef>
+          <a:fontRef idx="minor">
+            <a:schemeClr val="lt1"/>
+          </a:fontRef>
+        </p:style>
+        <p:txBody>
+          <a:bodyPr rtlCol="0" anchor="ctr"/>
+          <a:lstStyle/>
+          <a:p>
+            <a:pPr marL="342900" indent="-342900">
+              <a:buAutoNum type="arabicPeriod"/>
+            </a:pPr>
+            <a:r>
+              <a:rPr lang="zh-CN" altLang="en-US" dirty="0" smtClean="0"/>
+              <a:t>增加一个档期</a:t>
+            </a:r>
+            <a:endParaRPr lang="en-US" altLang="zh-CN" dirty="0" smtClean="0"/>
+          </a:p>
+          <a:p>
+            <a:pPr marL="342900" indent="-342900">
+              <a:buAutoNum type="arabicPeriod"/>
+            </a:pPr>
+            <a:r>
+              <a:rPr lang="zh-CN" altLang="en-US" dirty="0" smtClean="0"/>
+              <a:t>更新一个档期日期</a:t>
+            </a:r>
+            <a:endParaRPr lang="en-US" altLang="zh-CN" dirty="0" smtClean="0"/>
+          </a:p>
+          <a:p>
+            <a:pPr marL="342900" indent="-342900">
+              <a:buAutoNum type="arabicPeriod"/>
+            </a:pPr>
+            <a:r>
+              <a:rPr lang="zh-CN" altLang="en-US" dirty="0" smtClean="0"/>
+              <a:t>增加一个档期的电影</a:t>
+            </a:r>
+            <a:endParaRPr lang="en-US" altLang="zh-CN" dirty="0" smtClean="0"/>
+          </a:p>
+          <a:p>
+            <a:pPr marL="342900" indent="-342900">
+              <a:buAutoNum type="arabicPeriod"/>
+            </a:pPr>
+            <a:r>
+              <a:rPr lang="zh-CN" altLang="en-US" dirty="0" smtClean="0"/>
+              <a:t>移除一个档期的某个电影</a:t>
+            </a:r>
+            <a:endParaRPr lang="en-US" altLang="zh-CN" dirty="0" smtClean="0"/>
+          </a:p>
+          <a:p>
+            <a:pPr marL="342900" indent="-342900">
+              <a:buAutoNum type="arabicPeriod"/>
+            </a:pPr>
+            <a:r>
+              <a:rPr lang="zh-CN" altLang="en-US" dirty="0" smtClean="0"/>
+              <a:t>获取某个档期的电影</a:t>
+            </a:r>
+            <a:endParaRPr lang="en-US" altLang="zh-CN" dirty="0" smtClean="0"/>
+          </a:p>
+        </p:txBody>
+      </p:sp>
+      <p:cxnSp>
+        <p:nvCxnSpPr>
+          <p:cNvPr id="131" name="Straight Arrow Connector 130"/>
+          <p:cNvCxnSpPr>
+            <a:stCxn id="6" idx="3"/>
+            <a:endCxn id="129" idx="1"/>
+          </p:cNvCxnSpPr>
+          <p:nvPr/>
+        </p:nvCxnSpPr>
+        <p:spPr>
+          <a:xfrm flipV="1">
+            <a:off x="4931041" y="3191749"/>
+            <a:ext cx="1560172" cy="410225"/>
+          </a:xfrm>
+          <a:prstGeom prst="straightConnector1">
+            <a:avLst/>
+          </a:prstGeom>
+          <a:ln>
+            <a:tailEnd type="triangle"/>
+          </a:ln>
+        </p:spPr>
+        <p:style>
+          <a:lnRef idx="1">
+            <a:schemeClr val="accent1"/>
+          </a:lnRef>
+          <a:fillRef idx="0">
+            <a:schemeClr val="accent1"/>
+          </a:fillRef>
+          <a:effectRef idx="0">
+            <a:schemeClr val="accent1"/>
+          </a:effectRef>
+          <a:fontRef idx="minor">
+            <a:schemeClr val="tx1"/>
+          </a:fontRef>
+        </p:style>
+      </p:cxnSp>
+      <p:cxnSp>
+        <p:nvCxnSpPr>
+          <p:cNvPr id="133" name="Straight Arrow Connector 132"/>
+          <p:cNvCxnSpPr>
+            <a:stCxn id="6" idx="3"/>
+            <a:endCxn id="82" idx="1"/>
+          </p:cNvCxnSpPr>
+          <p:nvPr/>
+        </p:nvCxnSpPr>
+        <p:spPr>
+          <a:xfrm>
+            <a:off x="4931041" y="3601974"/>
+            <a:ext cx="1619061" cy="1827855"/>
+          </a:xfrm>
+          <a:prstGeom prst="straightConnector1">
+            <a:avLst/>
+          </a:prstGeom>
+          <a:ln>
+            <a:tailEnd type="triangle"/>
+          </a:ln>
+        </p:spPr>
+        <p:style>
+          <a:lnRef idx="1">
+            <a:schemeClr val="accent1"/>
+          </a:lnRef>
+          <a:fillRef idx="0">
+            <a:schemeClr val="accent1"/>
+          </a:fillRef>
+          <a:effectRef idx="0">
+            <a:schemeClr val="accent1"/>
+          </a:effectRef>
+          <a:fontRef idx="minor">
+            <a:schemeClr val="tx1"/>
+          </a:fontRef>
+        </p:style>
+      </p:cxnSp>
+      <p:sp>
+        <p:nvSpPr>
+          <p:cNvPr id="138" name="Rectangle 137"/>
+          <p:cNvSpPr/>
+          <p:nvPr/>
+        </p:nvSpPr>
+        <p:spPr>
+          <a:xfrm>
+            <a:off x="6140622" y="5338690"/>
+            <a:ext cx="3311236" cy="1380720"/>
+          </a:xfrm>
+          <a:prstGeom prst="rect">
+            <a:avLst/>
+          </a:prstGeom>
+        </p:spPr>
+        <p:style>
+          <a:lnRef idx="2">
+            <a:schemeClr val="accent1">
+              <a:shade val="50000"/>
+            </a:schemeClr>
+          </a:lnRef>
+          <a:fillRef idx="1">
+            <a:schemeClr val="accent1"/>
+          </a:fillRef>
+          <a:effectRef idx="0">
+            <a:schemeClr val="accent1"/>
+          </a:effectRef>
+          <a:fontRef idx="minor">
+            <a:schemeClr val="lt1"/>
+          </a:fontRef>
+        </p:style>
+        <p:txBody>
+          <a:bodyPr rtlCol="0" anchor="ctr"/>
+          <a:lstStyle/>
+          <a:p>
+            <a:pPr marL="342900" indent="-342900">
+              <a:buAutoNum type="arabicPeriod"/>
+            </a:pPr>
+            <a:r>
+              <a:rPr lang="zh-CN" altLang="en-US" dirty="0" smtClean="0"/>
+              <a:t>增加影院</a:t>
+            </a:r>
+            <a:endParaRPr lang="en-US" altLang="zh-CN" dirty="0" smtClean="0"/>
+          </a:p>
+          <a:p>
+            <a:pPr marL="342900" indent="-342900">
+              <a:buAutoNum type="arabicPeriod"/>
+            </a:pPr>
+            <a:r>
+              <a:rPr lang="zh-CN" altLang="en-US" dirty="0" smtClean="0"/>
+              <a:t>更新影院</a:t>
+            </a:r>
+            <a:endParaRPr lang="en-US" altLang="zh-CN" dirty="0" smtClean="0"/>
+          </a:p>
+          <a:p>
+            <a:pPr marL="342900" indent="-342900">
+              <a:buAutoNum type="arabicPeriod"/>
+            </a:pPr>
+            <a:r>
+              <a:rPr lang="zh-CN" altLang="en-US" dirty="0" smtClean="0"/>
+              <a:t>删除影院</a:t>
+            </a:r>
+            <a:endParaRPr lang="en-US" altLang="zh-CN" dirty="0" smtClean="0"/>
+          </a:p>
+          <a:p>
+            <a:pPr marL="342900" indent="-342900">
+              <a:buAutoNum type="arabicPeriod"/>
+            </a:pPr>
+            <a:r>
+              <a:rPr lang="zh-CN" altLang="en-US" dirty="0" smtClean="0"/>
+              <a:t>获取影院</a:t>
+            </a:r>
+            <a:endParaRPr lang="en-US" altLang="zh-CN" dirty="0" smtClean="0"/>
+          </a:p>
+        </p:txBody>
+      </p:sp>
+      <p:cxnSp>
+        <p:nvCxnSpPr>
+          <p:cNvPr id="140" name="Straight Arrow Connector 139"/>
+          <p:cNvCxnSpPr>
+            <a:stCxn id="8" idx="3"/>
+            <a:endCxn id="138" idx="1"/>
+          </p:cNvCxnSpPr>
+          <p:nvPr/>
+        </p:nvCxnSpPr>
+        <p:spPr>
+          <a:xfrm flipV="1">
+            <a:off x="4871715" y="6029050"/>
+            <a:ext cx="1268907" cy="106038"/>
+          </a:xfrm>
+          <a:prstGeom prst="straightConnector1">
+            <a:avLst/>
+          </a:prstGeom>
+          <a:ln>
+            <a:tailEnd type="triangle"/>
+          </a:ln>
+        </p:spPr>
+        <p:style>
+          <a:lnRef idx="1">
+            <a:schemeClr val="accent1"/>
+          </a:lnRef>
+          <a:fillRef idx="0">
+            <a:schemeClr val="accent1"/>
+          </a:fillRef>
+          <a:effectRef idx="0">
+            <a:schemeClr val="accent1"/>
+          </a:effectRef>
+          <a:fontRef idx="minor">
+            <a:schemeClr val="tx1"/>
+          </a:fontRef>
+        </p:style>
+      </p:cxnSp>
+      <p:cxnSp>
+        <p:nvCxnSpPr>
+          <p:cNvPr id="142" name="Straight Arrow Connector 141"/>
+          <p:cNvCxnSpPr>
+            <a:stCxn id="8" idx="3"/>
+            <a:endCxn id="84" idx="1"/>
+          </p:cNvCxnSpPr>
+          <p:nvPr/>
+        </p:nvCxnSpPr>
+        <p:spPr>
+          <a:xfrm flipV="1">
+            <a:off x="4871715" y="3581487"/>
+            <a:ext cx="909838" cy="2553601"/>
+          </a:xfrm>
+          <a:prstGeom prst="straightConnector1">
+            <a:avLst/>
+          </a:prstGeom>
+          <a:ln>
+            <a:tailEnd type="triangle"/>
+          </a:ln>
+        </p:spPr>
+        <p:style>
+          <a:lnRef idx="1">
+            <a:schemeClr val="accent1"/>
+          </a:lnRef>
+          <a:fillRef idx="0">
+            <a:schemeClr val="accent1"/>
+          </a:fillRef>
+          <a:effectRef idx="0">
+            <a:schemeClr val="accent1"/>
+          </a:effectRef>
+          <a:fontRef idx="minor">
+            <a:schemeClr val="tx1"/>
+          </a:fontRef>
+        </p:style>
+      </p:cxnSp>
+    </p:spTree>
+    <p:extLst>
+      <p:ext uri="{BB962C8B-B14F-4D97-AF65-F5344CB8AC3E}">
+        <p14:creationId xmlns:p14="http://schemas.microsoft.com/office/powerpoint/2010/main" val="2790589065"/>
+      </p:ext>
+    </p:extLst>
+  </p:cSld>
+  <p:clrMapOvr>
+    <a:masterClrMapping/>
+  </p:clrMapOvr>
+  <p:timing>
+    <p:tnLst>
+      <p:par>
+        <p:cTn id="1" dur="indefinite" restart="never" nodeType="tmRoot">
+          <p:childTnLst>
+            <p:seq concurrent="1" nextAc="seek">
+              <p:cTn id="2" dur="indefinite" nodeType="mainSeq">
+                <p:childTnLst>
+                  <p:par>
+                    <p:cTn id="3" fill="hold">
+                      <p:stCondLst>
+                        <p:cond delay="indefinite"/>
+                      </p:stCondLst>
+                      <p:childTnLst>
+                        <p:par>
+                          <p:cTn id="4" fill="hold">
+                            <p:stCondLst>
+                              <p:cond delay="0"/>
+                            </p:stCondLst>
+                            <p:childTnLst>
+                              <p:par>
+                                <p:cTn id="5" presetID="22" presetClass="entr" presetSubtype="8" fill="hold" grpId="0" nodeType="clickEffect">
+                                  <p:stCondLst>
+                                    <p:cond delay="0"/>
+                                  </p:stCondLst>
+                                  <p:childTnLst>
+                                    <p:set>
+                                      <p:cBhvr>
+                                        <p:cTn id="6" dur="1" fill="hold">
+                                          <p:stCondLst>
+                                            <p:cond delay="0"/>
+                                          </p:stCondLst>
+                                        </p:cTn>
+                                        <p:tgtEl>
+                                          <p:spTgt spid="73"/>
+                                        </p:tgtEl>
+                                        <p:attrNameLst>
+                                          <p:attrName>style.visibility</p:attrName>
+                                        </p:attrNameLst>
+                                      </p:cBhvr>
+                                      <p:to>
+                                        <p:strVal val="visible"/>
+                                      </p:to>
+                                    </p:set>
+                                    <p:animEffect transition="in" filter="wipe(left)">
+                                      <p:cBhvr>
+                                        <p:cTn id="7" dur="500"/>
+                                        <p:tgtEl>
+                                          <p:spTgt spid="73"/>
+                                        </p:tgtEl>
+                                      </p:cBhvr>
+                                    </p:animEffect>
+                                  </p:childTnLst>
+                                </p:cTn>
+                              </p:par>
+                              <p:par>
+                                <p:cTn id="8" presetID="22" presetClass="entr" presetSubtype="8" fill="hold" nodeType="withEffect">
+                                  <p:stCondLst>
+                                    <p:cond delay="0"/>
+                                  </p:stCondLst>
+                                  <p:childTnLst>
+                                    <p:set>
+                                      <p:cBhvr>
+                                        <p:cTn id="9" dur="1" fill="hold">
+                                          <p:stCondLst>
+                                            <p:cond delay="0"/>
+                                          </p:stCondLst>
+                                        </p:cTn>
+                                        <p:tgtEl>
+                                          <p:spTgt spid="89"/>
+                                        </p:tgtEl>
+                                        <p:attrNameLst>
+                                          <p:attrName>style.visibility</p:attrName>
+                                        </p:attrNameLst>
+                                      </p:cBhvr>
+                                      <p:to>
+                                        <p:strVal val="visible"/>
+                                      </p:to>
+                                    </p:set>
+                                    <p:animEffect transition="in" filter="wipe(left)">
+                                      <p:cBhvr>
+                                        <p:cTn id="10" dur="500"/>
+                                        <p:tgtEl>
+                                          <p:spTgt spid="89"/>
+                                        </p:tgtEl>
+                                      </p:cBhvr>
+                                    </p:animEffect>
+                                  </p:childTnLst>
+                                </p:cTn>
+                              </p:par>
+                            </p:childTnLst>
+                          </p:cTn>
+                        </p:par>
+                      </p:childTnLst>
+                    </p:cTn>
+                  </p:par>
+                  <p:par>
+                    <p:cTn id="11" fill="hold">
+                      <p:stCondLst>
+                        <p:cond delay="indefinite"/>
+                      </p:stCondLst>
+                      <p:childTnLst>
+                        <p:par>
+                          <p:cTn id="12" fill="hold">
+                            <p:stCondLst>
+                              <p:cond delay="0"/>
+                            </p:stCondLst>
+                            <p:childTnLst>
+                              <p:par>
+                                <p:cTn id="13" presetID="1" presetClass="exit" presetSubtype="0" fill="hold" grpId="1" nodeType="clickEffect">
+                                  <p:stCondLst>
+                                    <p:cond delay="0"/>
+                                  </p:stCondLst>
+                                  <p:childTnLst>
+                                    <p:set>
+                                      <p:cBhvr>
+                                        <p:cTn id="14" dur="1" fill="hold">
+                                          <p:stCondLst>
+                                            <p:cond delay="0"/>
+                                          </p:stCondLst>
+                                        </p:cTn>
+                                        <p:tgtEl>
+                                          <p:spTgt spid="73"/>
+                                        </p:tgtEl>
+                                        <p:attrNameLst>
+                                          <p:attrName>style.visibility</p:attrName>
+                                        </p:attrNameLst>
+                                      </p:cBhvr>
+                                      <p:to>
+                                        <p:strVal val="hidden"/>
+                                      </p:to>
+                                    </p:set>
+                                  </p:childTnLst>
+                                </p:cTn>
+                              </p:par>
+                              <p:par>
+                                <p:cTn id="15" presetID="1" presetClass="exit" presetSubtype="0" fill="hold" nodeType="withEffect">
+                                  <p:stCondLst>
+                                    <p:cond delay="0"/>
+                                  </p:stCondLst>
+                                  <p:childTnLst>
+                                    <p:set>
+                                      <p:cBhvr>
+                                        <p:cTn id="16" dur="1" fill="hold">
+                                          <p:stCondLst>
+                                            <p:cond delay="0"/>
+                                          </p:stCondLst>
+                                        </p:cTn>
+                                        <p:tgtEl>
+                                          <p:spTgt spid="89"/>
+                                        </p:tgtEl>
+                                        <p:attrNameLst>
+                                          <p:attrName>style.visibility</p:attrName>
+                                        </p:attrNameLst>
+                                      </p:cBhvr>
+                                      <p:to>
+                                        <p:strVal val="hidden"/>
+                                      </p:to>
+                                    </p:set>
+                                  </p:childTnLst>
+                                </p:cTn>
+                              </p:par>
+                            </p:childTnLst>
+                          </p:cTn>
+                        </p:par>
+                      </p:childTnLst>
+                    </p:cTn>
+                  </p:par>
+                  <p:par>
+                    <p:cTn id="17" fill="hold">
+                      <p:stCondLst>
+                        <p:cond delay="indefinite"/>
+                      </p:stCondLst>
+                      <p:childTnLst>
+                        <p:par>
+                          <p:cTn id="18" fill="hold">
+                            <p:stCondLst>
+                              <p:cond delay="0"/>
+                            </p:stCondLst>
+                            <p:childTnLst>
+                              <p:par>
+                                <p:cTn id="19" presetID="22" presetClass="entr" presetSubtype="8" fill="hold" nodeType="clickEffect">
+                                  <p:stCondLst>
+                                    <p:cond delay="0"/>
+                                  </p:stCondLst>
+                                  <p:childTnLst>
+                                    <p:set>
+                                      <p:cBhvr>
+                                        <p:cTn id="20" dur="1" fill="hold">
+                                          <p:stCondLst>
+                                            <p:cond delay="0"/>
+                                          </p:stCondLst>
+                                        </p:cTn>
+                                        <p:tgtEl>
+                                          <p:spTgt spid="91"/>
+                                        </p:tgtEl>
+                                        <p:attrNameLst>
+                                          <p:attrName>style.visibility</p:attrName>
+                                        </p:attrNameLst>
+                                      </p:cBhvr>
+                                      <p:to>
+                                        <p:strVal val="visible"/>
+                                      </p:to>
+                                    </p:set>
+                                    <p:animEffect transition="in" filter="wipe(left)">
+                                      <p:cBhvr>
+                                        <p:cTn id="21" dur="500"/>
+                                        <p:tgtEl>
+                                          <p:spTgt spid="91"/>
+                                        </p:tgtEl>
+                                      </p:cBhvr>
+                                    </p:animEffect>
+                                  </p:childTnLst>
+                                </p:cTn>
+                              </p:par>
+                              <p:par>
+                                <p:cTn id="22" presetID="22" presetClass="entr" presetSubtype="8" fill="hold" grpId="0" nodeType="withEffect">
+                                  <p:stCondLst>
+                                    <p:cond delay="0"/>
+                                  </p:stCondLst>
+                                  <p:childTnLst>
+                                    <p:set>
+                                      <p:cBhvr>
+                                        <p:cTn id="23" dur="1" fill="hold">
+                                          <p:stCondLst>
+                                            <p:cond delay="0"/>
+                                          </p:stCondLst>
+                                        </p:cTn>
+                                        <p:tgtEl>
+                                          <p:spTgt spid="74"/>
+                                        </p:tgtEl>
+                                        <p:attrNameLst>
+                                          <p:attrName>style.visibility</p:attrName>
+                                        </p:attrNameLst>
+                                      </p:cBhvr>
+                                      <p:to>
+                                        <p:strVal val="visible"/>
+                                      </p:to>
+                                    </p:set>
+                                    <p:animEffect transition="in" filter="wipe(left)">
+                                      <p:cBhvr>
+                                        <p:cTn id="24" dur="500"/>
+                                        <p:tgtEl>
+                                          <p:spTgt spid="74"/>
+                                        </p:tgtEl>
+                                      </p:cBhvr>
+                                    </p:animEffect>
+                                  </p:childTnLst>
+                                </p:cTn>
+                              </p:par>
+                            </p:childTnLst>
+                          </p:cTn>
+                        </p:par>
+                      </p:childTnLst>
+                    </p:cTn>
+                  </p:par>
+                  <p:par>
+                    <p:cTn id="25" fill="hold">
+                      <p:stCondLst>
+                        <p:cond delay="indefinite"/>
+                      </p:stCondLst>
+                      <p:childTnLst>
+                        <p:par>
+                          <p:cTn id="26" fill="hold">
+                            <p:stCondLst>
+                              <p:cond delay="0"/>
+                            </p:stCondLst>
+                            <p:childTnLst>
+                              <p:par>
+                                <p:cTn id="27" presetID="22" presetClass="entr" presetSubtype="8" fill="hold" grpId="0" nodeType="clickEffect">
+                                  <p:stCondLst>
+                                    <p:cond delay="0"/>
+                                  </p:stCondLst>
+                                  <p:childTnLst>
+                                    <p:set>
+                                      <p:cBhvr>
+                                        <p:cTn id="28" dur="1" fill="hold">
+                                          <p:stCondLst>
+                                            <p:cond delay="0"/>
+                                          </p:stCondLst>
+                                        </p:cTn>
+                                        <p:tgtEl>
+                                          <p:spTgt spid="81"/>
+                                        </p:tgtEl>
+                                        <p:attrNameLst>
+                                          <p:attrName>style.visibility</p:attrName>
+                                        </p:attrNameLst>
+                                      </p:cBhvr>
+                                      <p:to>
+                                        <p:strVal val="visible"/>
+                                      </p:to>
+                                    </p:set>
+                                    <p:animEffect transition="in" filter="wipe(left)">
+                                      <p:cBhvr>
+                                        <p:cTn id="29" dur="500"/>
+                                        <p:tgtEl>
+                                          <p:spTgt spid="81"/>
+                                        </p:tgtEl>
+                                      </p:cBhvr>
+                                    </p:animEffect>
+                                  </p:childTnLst>
+                                </p:cTn>
+                              </p:par>
+                              <p:par>
+                                <p:cTn id="30" presetID="22" presetClass="entr" presetSubtype="8" fill="hold" nodeType="withEffect">
+                                  <p:stCondLst>
+                                    <p:cond delay="0"/>
+                                  </p:stCondLst>
+                                  <p:childTnLst>
+                                    <p:set>
+                                      <p:cBhvr>
+                                        <p:cTn id="31" dur="1" fill="hold">
+                                          <p:stCondLst>
+                                            <p:cond delay="0"/>
+                                          </p:stCondLst>
+                                        </p:cTn>
+                                        <p:tgtEl>
+                                          <p:spTgt spid="108"/>
+                                        </p:tgtEl>
+                                        <p:attrNameLst>
+                                          <p:attrName>style.visibility</p:attrName>
+                                        </p:attrNameLst>
+                                      </p:cBhvr>
+                                      <p:to>
+                                        <p:strVal val="visible"/>
+                                      </p:to>
+                                    </p:set>
+                                    <p:animEffect transition="in" filter="wipe(left)">
+                                      <p:cBhvr>
+                                        <p:cTn id="32" dur="500"/>
+                                        <p:tgtEl>
+                                          <p:spTgt spid="108"/>
+                                        </p:tgtEl>
+                                      </p:cBhvr>
+                                    </p:animEffect>
+                                  </p:childTnLst>
+                                </p:cTn>
+                              </p:par>
+                            </p:childTnLst>
+                          </p:cTn>
+                        </p:par>
+                      </p:childTnLst>
+                    </p:cTn>
+                  </p:par>
+                  <p:par>
+                    <p:cTn id="33" fill="hold">
+                      <p:stCondLst>
+                        <p:cond delay="indefinite"/>
+                      </p:stCondLst>
+                      <p:childTnLst>
+                        <p:par>
+                          <p:cTn id="34" fill="hold">
+                            <p:stCondLst>
+                              <p:cond delay="0"/>
+                            </p:stCondLst>
+                            <p:childTnLst>
+                              <p:par>
+                                <p:cTn id="35" presetID="1" presetClass="exit" presetSubtype="0" fill="hold" nodeType="clickEffect">
+                                  <p:stCondLst>
+                                    <p:cond delay="0"/>
+                                  </p:stCondLst>
+                                  <p:childTnLst>
+                                    <p:set>
+                                      <p:cBhvr>
+                                        <p:cTn id="36" dur="1" fill="hold">
+                                          <p:stCondLst>
+                                            <p:cond delay="0"/>
+                                          </p:stCondLst>
+                                        </p:cTn>
+                                        <p:tgtEl>
+                                          <p:spTgt spid="91"/>
+                                        </p:tgtEl>
+                                        <p:attrNameLst>
+                                          <p:attrName>style.visibility</p:attrName>
+                                        </p:attrNameLst>
+                                      </p:cBhvr>
+                                      <p:to>
+                                        <p:strVal val="hidden"/>
+                                      </p:to>
+                                    </p:set>
+                                  </p:childTnLst>
+                                </p:cTn>
+                              </p:par>
+                              <p:par>
+                                <p:cTn id="37" presetID="1" presetClass="exit" presetSubtype="0" fill="hold" grpId="1" nodeType="withEffect">
+                                  <p:stCondLst>
+                                    <p:cond delay="0"/>
+                                  </p:stCondLst>
+                                  <p:childTnLst>
+                                    <p:set>
+                                      <p:cBhvr>
+                                        <p:cTn id="38" dur="1" fill="hold">
+                                          <p:stCondLst>
+                                            <p:cond delay="0"/>
+                                          </p:stCondLst>
+                                        </p:cTn>
+                                        <p:tgtEl>
+                                          <p:spTgt spid="74"/>
+                                        </p:tgtEl>
+                                        <p:attrNameLst>
+                                          <p:attrName>style.visibility</p:attrName>
+                                        </p:attrNameLst>
+                                      </p:cBhvr>
+                                      <p:to>
+                                        <p:strVal val="hidden"/>
+                                      </p:to>
+                                    </p:set>
+                                  </p:childTnLst>
+                                </p:cTn>
+                              </p:par>
+                              <p:par>
+                                <p:cTn id="39" presetID="1" presetClass="exit" presetSubtype="0" fill="hold" grpId="1" nodeType="withEffect">
+                                  <p:stCondLst>
+                                    <p:cond delay="0"/>
+                                  </p:stCondLst>
+                                  <p:childTnLst>
+                                    <p:set>
+                                      <p:cBhvr>
+                                        <p:cTn id="40" dur="1" fill="hold">
+                                          <p:stCondLst>
+                                            <p:cond delay="0"/>
+                                          </p:stCondLst>
+                                        </p:cTn>
+                                        <p:tgtEl>
+                                          <p:spTgt spid="81"/>
+                                        </p:tgtEl>
+                                        <p:attrNameLst>
+                                          <p:attrName>style.visibility</p:attrName>
+                                        </p:attrNameLst>
+                                      </p:cBhvr>
+                                      <p:to>
+                                        <p:strVal val="hidden"/>
+                                      </p:to>
+                                    </p:set>
+                                  </p:childTnLst>
+                                </p:cTn>
+                              </p:par>
+                              <p:par>
+                                <p:cTn id="41" presetID="1" presetClass="exit" presetSubtype="0" fill="hold" nodeType="withEffect">
+                                  <p:stCondLst>
+                                    <p:cond delay="0"/>
+                                  </p:stCondLst>
+                                  <p:childTnLst>
+                                    <p:set>
+                                      <p:cBhvr>
+                                        <p:cTn id="42" dur="1" fill="hold">
+                                          <p:stCondLst>
+                                            <p:cond delay="0"/>
+                                          </p:stCondLst>
+                                        </p:cTn>
+                                        <p:tgtEl>
+                                          <p:spTgt spid="108"/>
+                                        </p:tgtEl>
+                                        <p:attrNameLst>
+                                          <p:attrName>style.visibility</p:attrName>
+                                        </p:attrNameLst>
+                                      </p:cBhvr>
+                                      <p:to>
+                                        <p:strVal val="hidden"/>
+                                      </p:to>
+                                    </p:set>
+                                  </p:childTnLst>
+                                </p:cTn>
+                              </p:par>
+                            </p:childTnLst>
+                          </p:cTn>
+                        </p:par>
+                      </p:childTnLst>
+                    </p:cTn>
+                  </p:par>
+                  <p:par>
+                    <p:cTn id="43" fill="hold">
+                      <p:stCondLst>
+                        <p:cond delay="indefinite"/>
+                      </p:stCondLst>
+                      <p:childTnLst>
+                        <p:par>
+                          <p:cTn id="44" fill="hold">
+                            <p:stCondLst>
+                              <p:cond delay="0"/>
+                            </p:stCondLst>
+                            <p:childTnLst>
+                              <p:par>
+                                <p:cTn id="45" presetID="22" presetClass="entr" presetSubtype="8" fill="hold" grpId="0" nodeType="clickEffect">
+                                  <p:stCondLst>
+                                    <p:cond delay="0"/>
+                                  </p:stCondLst>
+                                  <p:childTnLst>
+                                    <p:set>
+                                      <p:cBhvr>
+                                        <p:cTn id="46" dur="1" fill="hold">
+                                          <p:stCondLst>
+                                            <p:cond delay="0"/>
+                                          </p:stCondLst>
+                                        </p:cTn>
+                                        <p:tgtEl>
+                                          <p:spTgt spid="129"/>
+                                        </p:tgtEl>
+                                        <p:attrNameLst>
+                                          <p:attrName>style.visibility</p:attrName>
+                                        </p:attrNameLst>
+                                      </p:cBhvr>
+                                      <p:to>
+                                        <p:strVal val="visible"/>
+                                      </p:to>
+                                    </p:set>
+                                    <p:animEffect transition="in" filter="wipe(left)">
+                                      <p:cBhvr>
+                                        <p:cTn id="47" dur="500"/>
+                                        <p:tgtEl>
+                                          <p:spTgt spid="129"/>
+                                        </p:tgtEl>
+                                      </p:cBhvr>
+                                    </p:animEffect>
+                                  </p:childTnLst>
+                                </p:cTn>
+                              </p:par>
+                              <p:par>
+                                <p:cTn id="48" presetID="22" presetClass="entr" presetSubtype="8" fill="hold" nodeType="withEffect">
+                                  <p:stCondLst>
+                                    <p:cond delay="0"/>
+                                  </p:stCondLst>
+                                  <p:childTnLst>
+                                    <p:set>
+                                      <p:cBhvr>
+                                        <p:cTn id="49" dur="1" fill="hold">
+                                          <p:stCondLst>
+                                            <p:cond delay="0"/>
+                                          </p:stCondLst>
+                                        </p:cTn>
+                                        <p:tgtEl>
+                                          <p:spTgt spid="131"/>
+                                        </p:tgtEl>
+                                        <p:attrNameLst>
+                                          <p:attrName>style.visibility</p:attrName>
+                                        </p:attrNameLst>
+                                      </p:cBhvr>
+                                      <p:to>
+                                        <p:strVal val="visible"/>
+                                      </p:to>
+                                    </p:set>
+                                    <p:animEffect transition="in" filter="wipe(left)">
+                                      <p:cBhvr>
+                                        <p:cTn id="50" dur="500"/>
+                                        <p:tgtEl>
+                                          <p:spTgt spid="131"/>
+                                        </p:tgtEl>
+                                      </p:cBhvr>
+                                    </p:animEffect>
+                                  </p:childTnLst>
+                                </p:cTn>
+                              </p:par>
+                            </p:childTnLst>
+                          </p:cTn>
+                        </p:par>
+                      </p:childTnLst>
+                    </p:cTn>
+                  </p:par>
+                  <p:par>
+                    <p:cTn id="51" fill="hold">
+                      <p:stCondLst>
+                        <p:cond delay="indefinite"/>
+                      </p:stCondLst>
+                      <p:childTnLst>
+                        <p:par>
+                          <p:cTn id="52" fill="hold">
+                            <p:stCondLst>
+                              <p:cond delay="0"/>
+                            </p:stCondLst>
+                            <p:childTnLst>
+                              <p:par>
+                                <p:cTn id="53" presetID="22" presetClass="entr" presetSubtype="8" fill="hold" grpId="0" nodeType="clickEffect">
+                                  <p:stCondLst>
+                                    <p:cond delay="0"/>
+                                  </p:stCondLst>
+                                  <p:childTnLst>
+                                    <p:set>
+                                      <p:cBhvr>
+                                        <p:cTn id="54" dur="1" fill="hold">
+                                          <p:stCondLst>
+                                            <p:cond delay="0"/>
+                                          </p:stCondLst>
+                                        </p:cTn>
+                                        <p:tgtEl>
+                                          <p:spTgt spid="82"/>
+                                        </p:tgtEl>
+                                        <p:attrNameLst>
+                                          <p:attrName>style.visibility</p:attrName>
+                                        </p:attrNameLst>
+                                      </p:cBhvr>
+                                      <p:to>
+                                        <p:strVal val="visible"/>
+                                      </p:to>
+                                    </p:set>
+                                    <p:animEffect transition="in" filter="wipe(left)">
+                                      <p:cBhvr>
+                                        <p:cTn id="55" dur="500"/>
+                                        <p:tgtEl>
+                                          <p:spTgt spid="82"/>
+                                        </p:tgtEl>
+                                      </p:cBhvr>
+                                    </p:animEffect>
+                                  </p:childTnLst>
+                                </p:cTn>
+                              </p:par>
+                              <p:par>
+                                <p:cTn id="56" presetID="22" presetClass="entr" presetSubtype="8" fill="hold" nodeType="withEffect">
+                                  <p:stCondLst>
+                                    <p:cond delay="0"/>
+                                  </p:stCondLst>
+                                  <p:childTnLst>
+                                    <p:set>
+                                      <p:cBhvr>
+                                        <p:cTn id="57" dur="1" fill="hold">
+                                          <p:stCondLst>
+                                            <p:cond delay="0"/>
+                                          </p:stCondLst>
+                                        </p:cTn>
+                                        <p:tgtEl>
+                                          <p:spTgt spid="133"/>
+                                        </p:tgtEl>
+                                        <p:attrNameLst>
+                                          <p:attrName>style.visibility</p:attrName>
+                                        </p:attrNameLst>
+                                      </p:cBhvr>
+                                      <p:to>
+                                        <p:strVal val="visible"/>
+                                      </p:to>
+                                    </p:set>
+                                    <p:animEffect transition="in" filter="wipe(left)">
+                                      <p:cBhvr>
+                                        <p:cTn id="58" dur="500"/>
+                                        <p:tgtEl>
+                                          <p:spTgt spid="133"/>
+                                        </p:tgtEl>
+                                      </p:cBhvr>
+                                    </p:animEffect>
+                                  </p:childTnLst>
+                                </p:cTn>
+                              </p:par>
+                            </p:childTnLst>
+                          </p:cTn>
+                        </p:par>
+                      </p:childTnLst>
+                    </p:cTn>
+                  </p:par>
+                  <p:par>
+                    <p:cTn id="59" fill="hold">
+                      <p:stCondLst>
+                        <p:cond delay="indefinite"/>
+                      </p:stCondLst>
+                      <p:childTnLst>
+                        <p:par>
+                          <p:cTn id="60" fill="hold">
+                            <p:stCondLst>
+                              <p:cond delay="0"/>
+                            </p:stCondLst>
+                            <p:childTnLst>
+                              <p:par>
+                                <p:cTn id="61" presetID="1" presetClass="exit" presetSubtype="0" fill="hold" grpId="1" nodeType="clickEffect">
+                                  <p:stCondLst>
+                                    <p:cond delay="0"/>
+                                  </p:stCondLst>
+                                  <p:childTnLst>
+                                    <p:set>
+                                      <p:cBhvr>
+                                        <p:cTn id="62" dur="1" fill="hold">
+                                          <p:stCondLst>
+                                            <p:cond delay="0"/>
+                                          </p:stCondLst>
+                                        </p:cTn>
+                                        <p:tgtEl>
+                                          <p:spTgt spid="129"/>
+                                        </p:tgtEl>
+                                        <p:attrNameLst>
+                                          <p:attrName>style.visibility</p:attrName>
+                                        </p:attrNameLst>
+                                      </p:cBhvr>
+                                      <p:to>
+                                        <p:strVal val="hidden"/>
+                                      </p:to>
+                                    </p:set>
+                                  </p:childTnLst>
+                                </p:cTn>
+                              </p:par>
+                              <p:par>
+                                <p:cTn id="63" presetID="1" presetClass="exit" presetSubtype="0" fill="hold" nodeType="withEffect">
+                                  <p:stCondLst>
+                                    <p:cond delay="0"/>
+                                  </p:stCondLst>
+                                  <p:childTnLst>
+                                    <p:set>
+                                      <p:cBhvr>
+                                        <p:cTn id="64" dur="1" fill="hold">
+                                          <p:stCondLst>
+                                            <p:cond delay="0"/>
+                                          </p:stCondLst>
+                                        </p:cTn>
+                                        <p:tgtEl>
+                                          <p:spTgt spid="131"/>
+                                        </p:tgtEl>
+                                        <p:attrNameLst>
+                                          <p:attrName>style.visibility</p:attrName>
+                                        </p:attrNameLst>
+                                      </p:cBhvr>
+                                      <p:to>
+                                        <p:strVal val="hidden"/>
+                                      </p:to>
+                                    </p:set>
+                                  </p:childTnLst>
+                                </p:cTn>
+                              </p:par>
+                              <p:par>
+                                <p:cTn id="65" presetID="1" presetClass="exit" presetSubtype="0" fill="hold" grpId="1" nodeType="withEffect">
+                                  <p:stCondLst>
+                                    <p:cond delay="0"/>
+                                  </p:stCondLst>
+                                  <p:childTnLst>
+                                    <p:set>
+                                      <p:cBhvr>
+                                        <p:cTn id="66" dur="1" fill="hold">
+                                          <p:stCondLst>
+                                            <p:cond delay="0"/>
+                                          </p:stCondLst>
+                                        </p:cTn>
+                                        <p:tgtEl>
+                                          <p:spTgt spid="82"/>
+                                        </p:tgtEl>
+                                        <p:attrNameLst>
+                                          <p:attrName>style.visibility</p:attrName>
+                                        </p:attrNameLst>
+                                      </p:cBhvr>
+                                      <p:to>
+                                        <p:strVal val="hidden"/>
+                                      </p:to>
+                                    </p:set>
+                                  </p:childTnLst>
+                                </p:cTn>
+                              </p:par>
+                              <p:par>
+                                <p:cTn id="67" presetID="1" presetClass="exit" presetSubtype="0" fill="hold" nodeType="withEffect">
+                                  <p:stCondLst>
+                                    <p:cond delay="0"/>
+                                  </p:stCondLst>
+                                  <p:childTnLst>
+                                    <p:set>
+                                      <p:cBhvr>
+                                        <p:cTn id="68" dur="1" fill="hold">
+                                          <p:stCondLst>
+                                            <p:cond delay="0"/>
+                                          </p:stCondLst>
+                                        </p:cTn>
+                                        <p:tgtEl>
+                                          <p:spTgt spid="133"/>
+                                        </p:tgtEl>
+                                        <p:attrNameLst>
+                                          <p:attrName>style.visibility</p:attrName>
+                                        </p:attrNameLst>
+                                      </p:cBhvr>
+                                      <p:to>
+                                        <p:strVal val="hidden"/>
+                                      </p:to>
+                                    </p:set>
+                                  </p:childTnLst>
+                                </p:cTn>
+                              </p:par>
+                            </p:childTnLst>
+                          </p:cTn>
+                        </p:par>
+                      </p:childTnLst>
+                    </p:cTn>
+                  </p:par>
+                  <p:par>
+                    <p:cTn id="69" fill="hold">
+                      <p:stCondLst>
+                        <p:cond delay="indefinite"/>
+                      </p:stCondLst>
+                      <p:childTnLst>
+                        <p:par>
+                          <p:cTn id="70" fill="hold">
+                            <p:stCondLst>
+                              <p:cond delay="0"/>
+                            </p:stCondLst>
+                            <p:childTnLst>
+                              <p:par>
+                                <p:cTn id="71" presetID="22" presetClass="entr" presetSubtype="8" fill="hold" nodeType="clickEffect">
+                                  <p:stCondLst>
+                                    <p:cond delay="0"/>
+                                  </p:stCondLst>
+                                  <p:childTnLst>
+                                    <p:set>
+                                      <p:cBhvr>
+                                        <p:cTn id="72" dur="1" fill="hold">
+                                          <p:stCondLst>
+                                            <p:cond delay="0"/>
+                                          </p:stCondLst>
+                                        </p:cTn>
+                                        <p:tgtEl>
+                                          <p:spTgt spid="126"/>
+                                        </p:tgtEl>
+                                        <p:attrNameLst>
+                                          <p:attrName>style.visibility</p:attrName>
+                                        </p:attrNameLst>
+                                      </p:cBhvr>
+                                      <p:to>
+                                        <p:strVal val="visible"/>
+                                      </p:to>
+                                    </p:set>
+                                    <p:animEffect transition="in" filter="wipe(left)">
+                                      <p:cBhvr>
+                                        <p:cTn id="73" dur="500"/>
+                                        <p:tgtEl>
+                                          <p:spTgt spid="126"/>
+                                        </p:tgtEl>
+                                      </p:cBhvr>
+                                    </p:animEffect>
+                                  </p:childTnLst>
+                                </p:cTn>
+                              </p:par>
+                              <p:par>
+                                <p:cTn id="74" presetID="22" presetClass="entr" presetSubtype="8" fill="hold" grpId="0" nodeType="withEffect">
+                                  <p:stCondLst>
+                                    <p:cond delay="0"/>
+                                  </p:stCondLst>
+                                  <p:childTnLst>
+                                    <p:set>
+                                      <p:cBhvr>
+                                        <p:cTn id="75" dur="1" fill="hold">
+                                          <p:stCondLst>
+                                            <p:cond delay="0"/>
+                                          </p:stCondLst>
+                                        </p:cTn>
+                                        <p:tgtEl>
+                                          <p:spTgt spid="83"/>
+                                        </p:tgtEl>
+                                        <p:attrNameLst>
+                                          <p:attrName>style.visibility</p:attrName>
+                                        </p:attrNameLst>
+                                      </p:cBhvr>
+                                      <p:to>
+                                        <p:strVal val="visible"/>
+                                      </p:to>
+                                    </p:set>
+                                    <p:animEffect transition="in" filter="wipe(left)">
+                                      <p:cBhvr>
+                                        <p:cTn id="76" dur="500"/>
+                                        <p:tgtEl>
+                                          <p:spTgt spid="83"/>
+                                        </p:tgtEl>
+                                      </p:cBhvr>
+                                    </p:animEffect>
+                                  </p:childTnLst>
+                                </p:cTn>
+                              </p:par>
+                            </p:childTnLst>
+                          </p:cTn>
+                        </p:par>
+                      </p:childTnLst>
+                    </p:cTn>
+                  </p:par>
+                  <p:par>
+                    <p:cTn id="77" fill="hold">
+                      <p:stCondLst>
+                        <p:cond delay="indefinite"/>
+                      </p:stCondLst>
+                      <p:childTnLst>
+                        <p:par>
+                          <p:cTn id="78" fill="hold">
+                            <p:stCondLst>
+                              <p:cond delay="0"/>
+                            </p:stCondLst>
+                            <p:childTnLst>
+                              <p:par>
+                                <p:cTn id="79" presetID="1" presetClass="exit" presetSubtype="0" fill="hold" nodeType="clickEffect">
+                                  <p:stCondLst>
+                                    <p:cond delay="0"/>
+                                  </p:stCondLst>
+                                  <p:childTnLst>
+                                    <p:set>
+                                      <p:cBhvr>
+                                        <p:cTn id="80" dur="1" fill="hold">
+                                          <p:stCondLst>
+                                            <p:cond delay="0"/>
+                                          </p:stCondLst>
+                                        </p:cTn>
+                                        <p:tgtEl>
+                                          <p:spTgt spid="126"/>
+                                        </p:tgtEl>
+                                        <p:attrNameLst>
+                                          <p:attrName>style.visibility</p:attrName>
+                                        </p:attrNameLst>
+                                      </p:cBhvr>
+                                      <p:to>
+                                        <p:strVal val="hidden"/>
+                                      </p:to>
+                                    </p:set>
+                                  </p:childTnLst>
+                                </p:cTn>
+                              </p:par>
+                              <p:par>
+                                <p:cTn id="81" presetID="1" presetClass="exit" presetSubtype="0" fill="hold" grpId="1" nodeType="withEffect">
+                                  <p:stCondLst>
+                                    <p:cond delay="0"/>
+                                  </p:stCondLst>
+                                  <p:childTnLst>
+                                    <p:set>
+                                      <p:cBhvr>
+                                        <p:cTn id="82" dur="1" fill="hold">
+                                          <p:stCondLst>
+                                            <p:cond delay="0"/>
+                                          </p:stCondLst>
+                                        </p:cTn>
+                                        <p:tgtEl>
+                                          <p:spTgt spid="83"/>
+                                        </p:tgtEl>
+                                        <p:attrNameLst>
+                                          <p:attrName>style.visibility</p:attrName>
+                                        </p:attrNameLst>
+                                      </p:cBhvr>
+                                      <p:to>
+                                        <p:strVal val="hidden"/>
+                                      </p:to>
+                                    </p:set>
+                                  </p:childTnLst>
+                                </p:cTn>
+                              </p:par>
+                            </p:childTnLst>
+                          </p:cTn>
+                        </p:par>
+                      </p:childTnLst>
+                    </p:cTn>
+                  </p:par>
+                  <p:par>
+                    <p:cTn id="83" fill="hold">
+                      <p:stCondLst>
+                        <p:cond delay="indefinite"/>
+                      </p:stCondLst>
+                      <p:childTnLst>
+                        <p:par>
+                          <p:cTn id="84" fill="hold">
+                            <p:stCondLst>
+                              <p:cond delay="0"/>
+                            </p:stCondLst>
+                            <p:childTnLst>
+                              <p:par>
+                                <p:cTn id="85" presetID="22" presetClass="entr" presetSubtype="8" fill="hold" nodeType="clickEffect">
+                                  <p:stCondLst>
+                                    <p:cond delay="0"/>
+                                  </p:stCondLst>
+                                  <p:childTnLst>
+                                    <p:set>
+                                      <p:cBhvr>
+                                        <p:cTn id="86" dur="1" fill="hold">
+                                          <p:stCondLst>
+                                            <p:cond delay="0"/>
+                                          </p:stCondLst>
+                                        </p:cTn>
+                                        <p:tgtEl>
+                                          <p:spTgt spid="142"/>
+                                        </p:tgtEl>
+                                        <p:attrNameLst>
+                                          <p:attrName>style.visibility</p:attrName>
+                                        </p:attrNameLst>
+                                      </p:cBhvr>
+                                      <p:to>
+                                        <p:strVal val="visible"/>
+                                      </p:to>
+                                    </p:set>
+                                    <p:animEffect transition="in" filter="wipe(left)">
+                                      <p:cBhvr>
+                                        <p:cTn id="87" dur="500"/>
+                                        <p:tgtEl>
+                                          <p:spTgt spid="142"/>
+                                        </p:tgtEl>
+                                      </p:cBhvr>
+                                    </p:animEffect>
+                                  </p:childTnLst>
+                                </p:cTn>
+                              </p:par>
+                              <p:par>
+                                <p:cTn id="88" presetID="22" presetClass="entr" presetSubtype="8" fill="hold" grpId="0" nodeType="withEffect">
+                                  <p:stCondLst>
+                                    <p:cond delay="0"/>
+                                  </p:stCondLst>
+                                  <p:childTnLst>
+                                    <p:set>
+                                      <p:cBhvr>
+                                        <p:cTn id="89" dur="1" fill="hold">
+                                          <p:stCondLst>
+                                            <p:cond delay="0"/>
+                                          </p:stCondLst>
+                                        </p:cTn>
+                                        <p:tgtEl>
+                                          <p:spTgt spid="84"/>
+                                        </p:tgtEl>
+                                        <p:attrNameLst>
+                                          <p:attrName>style.visibility</p:attrName>
+                                        </p:attrNameLst>
+                                      </p:cBhvr>
+                                      <p:to>
+                                        <p:strVal val="visible"/>
+                                      </p:to>
+                                    </p:set>
+                                    <p:animEffect transition="in" filter="wipe(left)">
+                                      <p:cBhvr>
+                                        <p:cTn id="90" dur="500"/>
+                                        <p:tgtEl>
+                                          <p:spTgt spid="84"/>
+                                        </p:tgtEl>
+                                      </p:cBhvr>
+                                    </p:animEffect>
+                                  </p:childTnLst>
+                                </p:cTn>
+                              </p:par>
+                            </p:childTnLst>
+                          </p:cTn>
+                        </p:par>
+                      </p:childTnLst>
+                    </p:cTn>
+                  </p:par>
+                  <p:par>
+                    <p:cTn id="91" fill="hold">
+                      <p:stCondLst>
+                        <p:cond delay="indefinite"/>
+                      </p:stCondLst>
+                      <p:childTnLst>
+                        <p:par>
+                          <p:cTn id="92" fill="hold">
+                            <p:stCondLst>
+                              <p:cond delay="0"/>
+                            </p:stCondLst>
+                            <p:childTnLst>
+                              <p:par>
+                                <p:cTn id="93" presetID="22" presetClass="entr" presetSubtype="8" fill="hold" grpId="0" nodeType="clickEffect">
+                                  <p:stCondLst>
+                                    <p:cond delay="0"/>
+                                  </p:stCondLst>
+                                  <p:childTnLst>
+                                    <p:set>
+                                      <p:cBhvr>
+                                        <p:cTn id="94" dur="1" fill="hold">
+                                          <p:stCondLst>
+                                            <p:cond delay="0"/>
+                                          </p:stCondLst>
+                                        </p:cTn>
+                                        <p:tgtEl>
+                                          <p:spTgt spid="138"/>
+                                        </p:tgtEl>
+                                        <p:attrNameLst>
+                                          <p:attrName>style.visibility</p:attrName>
+                                        </p:attrNameLst>
+                                      </p:cBhvr>
+                                      <p:to>
+                                        <p:strVal val="visible"/>
+                                      </p:to>
+                                    </p:set>
+                                    <p:animEffect transition="in" filter="wipe(left)">
+                                      <p:cBhvr>
+                                        <p:cTn id="95" dur="500"/>
+                                        <p:tgtEl>
+                                          <p:spTgt spid="138"/>
+                                        </p:tgtEl>
+                                      </p:cBhvr>
+                                    </p:animEffect>
+                                  </p:childTnLst>
+                                </p:cTn>
+                              </p:par>
+                              <p:par>
+                                <p:cTn id="96" presetID="22" presetClass="entr" presetSubtype="8" fill="hold" nodeType="withEffect">
+                                  <p:stCondLst>
+                                    <p:cond delay="0"/>
+                                  </p:stCondLst>
+                                  <p:childTnLst>
+                                    <p:set>
+                                      <p:cBhvr>
+                                        <p:cTn id="97" dur="1" fill="hold">
+                                          <p:stCondLst>
+                                            <p:cond delay="0"/>
+                                          </p:stCondLst>
+                                        </p:cTn>
+                                        <p:tgtEl>
+                                          <p:spTgt spid="140"/>
+                                        </p:tgtEl>
+                                        <p:attrNameLst>
+                                          <p:attrName>style.visibility</p:attrName>
+                                        </p:attrNameLst>
+                                      </p:cBhvr>
+                                      <p:to>
+                                        <p:strVal val="visible"/>
+                                      </p:to>
+                                    </p:set>
+                                    <p:animEffect transition="in" filter="wipe(left)">
+                                      <p:cBhvr>
+                                        <p:cTn id="98" dur="500"/>
+                                        <p:tgtEl>
+                                          <p:spTgt spid="140"/>
+                                        </p:tgtEl>
+                                      </p:cBhvr>
+                                    </p:animEffect>
+                                  </p:childTnLst>
+                                </p:cTn>
+                              </p:par>
+                            </p:childTnLst>
+                          </p:cTn>
+                        </p:par>
+                      </p:childTnLst>
+                    </p:cTn>
+                  </p:par>
+                  <p:par>
+                    <p:cTn id="99" fill="hold">
+                      <p:stCondLst>
+                        <p:cond delay="indefinite"/>
+                      </p:stCondLst>
+                      <p:childTnLst>
+                        <p:par>
+                          <p:cTn id="100" fill="hold">
+                            <p:stCondLst>
+                              <p:cond delay="0"/>
+                            </p:stCondLst>
+                            <p:childTnLst>
+                              <p:par>
+                                <p:cTn id="101" presetID="1" presetClass="exit" presetSubtype="0" fill="hold" nodeType="clickEffect">
+                                  <p:stCondLst>
+                                    <p:cond delay="0"/>
+                                  </p:stCondLst>
+                                  <p:childTnLst>
+                                    <p:set>
+                                      <p:cBhvr>
+                                        <p:cTn id="102" dur="1" fill="hold">
+                                          <p:stCondLst>
+                                            <p:cond delay="0"/>
+                                          </p:stCondLst>
+                                        </p:cTn>
+                                        <p:tgtEl>
+                                          <p:spTgt spid="142"/>
+                                        </p:tgtEl>
+                                        <p:attrNameLst>
+                                          <p:attrName>style.visibility</p:attrName>
+                                        </p:attrNameLst>
+                                      </p:cBhvr>
+                                      <p:to>
+                                        <p:strVal val="hidden"/>
+                                      </p:to>
+                                    </p:set>
+                                  </p:childTnLst>
+                                </p:cTn>
+                              </p:par>
+                              <p:par>
+                                <p:cTn id="103" presetID="1" presetClass="exit" presetSubtype="0" fill="hold" grpId="1" nodeType="withEffect">
+                                  <p:stCondLst>
+                                    <p:cond delay="0"/>
+                                  </p:stCondLst>
+                                  <p:childTnLst>
+                                    <p:set>
+                                      <p:cBhvr>
+                                        <p:cTn id="104" dur="1" fill="hold">
+                                          <p:stCondLst>
+                                            <p:cond delay="0"/>
+                                          </p:stCondLst>
+                                        </p:cTn>
+                                        <p:tgtEl>
+                                          <p:spTgt spid="84"/>
+                                        </p:tgtEl>
+                                        <p:attrNameLst>
+                                          <p:attrName>style.visibility</p:attrName>
+                                        </p:attrNameLst>
+                                      </p:cBhvr>
+                                      <p:to>
+                                        <p:strVal val="hidden"/>
+                                      </p:to>
+                                    </p:set>
+                                  </p:childTnLst>
+                                </p:cTn>
+                              </p:par>
+                              <p:par>
+                                <p:cTn id="105" presetID="1" presetClass="exit" presetSubtype="0" fill="hold" grpId="1" nodeType="withEffect">
+                                  <p:stCondLst>
+                                    <p:cond delay="0"/>
+                                  </p:stCondLst>
+                                  <p:childTnLst>
+                                    <p:set>
+                                      <p:cBhvr>
+                                        <p:cTn id="106" dur="1" fill="hold">
+                                          <p:stCondLst>
+                                            <p:cond delay="0"/>
+                                          </p:stCondLst>
+                                        </p:cTn>
+                                        <p:tgtEl>
+                                          <p:spTgt spid="138"/>
+                                        </p:tgtEl>
+                                        <p:attrNameLst>
+                                          <p:attrName>style.visibility</p:attrName>
+                                        </p:attrNameLst>
+                                      </p:cBhvr>
+                                      <p:to>
+                                        <p:strVal val="hidden"/>
+                                      </p:to>
+                                    </p:set>
+                                  </p:childTnLst>
+                                </p:cTn>
+                              </p:par>
+                              <p:par>
+                                <p:cTn id="107" presetID="1" presetClass="exit" presetSubtype="0" fill="hold" nodeType="withEffect">
+                                  <p:stCondLst>
+                                    <p:cond delay="0"/>
+                                  </p:stCondLst>
+                                  <p:childTnLst>
+                                    <p:set>
+                                      <p:cBhvr>
+                                        <p:cTn id="108" dur="1" fill="hold">
+                                          <p:stCondLst>
+                                            <p:cond delay="0"/>
+                                          </p:stCondLst>
+                                        </p:cTn>
+                                        <p:tgtEl>
+                                          <p:spTgt spid="140"/>
+                                        </p:tgtEl>
+                                        <p:attrNameLst>
+                                          <p:attrName>style.visibility</p:attrName>
+                                        </p:attrNameLst>
+                                      </p:cBhvr>
+                                      <p:to>
+                                        <p:strVal val="hidden"/>
+                                      </p:to>
+                                    </p:set>
+                                  </p:childTnLst>
+                                </p:cTn>
+                              </p:par>
+                            </p:childTnLst>
+                          </p:cTn>
+                        </p:par>
+                      </p:childTnLst>
+                    </p:cTn>
+                  </p:par>
+                </p:childTnLst>
+              </p:cTn>
+              <p:prevCondLst>
+                <p:cond evt="onPrev" delay="0">
+                  <p:tgtEl>
+                    <p:sldTgt/>
+                  </p:tgtEl>
+                </p:cond>
+              </p:prevCondLst>
+              <p:nextCondLst>
+                <p:cond evt="onNext" delay="0">
+                  <p:tgtEl>
+                    <p:sldTgt/>
+                  </p:tgtEl>
+                </p:cond>
+              </p:nextCondLst>
+            </p:seq>
+          </p:childTnLst>
+        </p:cTn>
+      </p:par>
+    </p:tnLst>
+    <p:bldLst>
+      <p:bldP spid="73" grpId="0" animBg="1"/>
+      <p:bldP spid="73" grpId="1" animBg="1"/>
+      <p:bldP spid="74" grpId="0" animBg="1"/>
+      <p:bldP spid="74" grpId="1" animBg="1"/>
+      <p:bldP spid="81" grpId="0" animBg="1"/>
+      <p:bldP spid="81" grpId="1" animBg="1"/>
+      <p:bldP spid="82" grpId="0" animBg="1"/>
+      <p:bldP spid="82" grpId="1" animBg="1"/>
+      <p:bldP spid="83" grpId="0" animBg="1"/>
+      <p:bldP spid="83" grpId="1" animBg="1"/>
+      <p:bldP spid="84" grpId="0" animBg="1"/>
+      <p:bldP spid="84" grpId="1" animBg="1"/>
+      <p:bldP spid="129" grpId="0" animBg="1"/>
+      <p:bldP spid="129" grpId="1" animBg="1"/>
+      <p:bldP spid="138" grpId="0" animBg="1"/>
+      <p:bldP spid="138" grpId="1" animBg="1"/>
+    </p:bldLst>
+  </p:timing>
+</p:sld>
+</file>
+
+<file path=ppt/slides/slide3.xml><?xml version="1.0" encoding="utf-8"?>
+<p:sld xmlns:a="http://schemas.openxmlformats.org/drawingml/2006/main" xmlns:r="http://schemas.openxmlformats.org/officeDocument/2006/relationships" xmlns:p="http://schemas.openxmlformats.org/presentationml/2006/main">
+  <p:cSld>
+    <p:spTree>
+      <p:nvGrpSpPr>
+        <p:cNvPr id="1" name=""/>
+        <p:cNvGrpSpPr/>
+        <p:nvPr/>
+      </p:nvGrpSpPr>
+      <p:grpSpPr>
+        <a:xfrm>
+          <a:off x="0" y="0"/>
+          <a:ext cx="0" cy="0"/>
+          <a:chOff x="0" y="0"/>
+          <a:chExt cx="0" cy="0"/>
+        </a:xfrm>
+      </p:grpSpPr>
+      <p:sp>
+        <p:nvSpPr>
           <p:cNvPr id="2" name="Title 1"/>
           <p:cNvSpPr>
             <a:spLocks noGrp="1"/>
@@ -5505,17 +8265,21 @@
         </p:spPr>
         <p:txBody>
           <a:bodyPr>
-            <a:normAutofit fontScale="90000"/>
+            <a:normAutofit/>
           </a:bodyPr>
           <a:lstStyle/>
           <a:p>
             <a:r>
               <a:rPr lang="en-US" altLang="zh-CN" sz="2800" dirty="0" smtClean="0"/>
-              <a:t>2. </a:t>
+              <a:t>3. </a:t>
             </a:r>
             <a:r>
               <a:rPr lang="zh-CN" altLang="en-US" sz="2800" dirty="0" smtClean="0"/>
-              <a:t>软件功能及任务分配</a:t>
+              <a:t>任</a:t>
+            </a:r>
+            <a:r>
+              <a:rPr lang="zh-CN" altLang="en-US" sz="2800" dirty="0" smtClean="0"/>
+              <a:t>务分配</a:t>
             </a:r>
             <a:r>
               <a:rPr lang="en-US" altLang="zh-CN" sz="2800" dirty="0" smtClean="0"/>
@@ -5798,8 +8562,8 @@
         </p:nvSpPr>
         <p:spPr>
           <a:xfrm>
-            <a:off x="2002490" y="3485675"/>
-            <a:ext cx="1045113" cy="369332"/>
+            <a:off x="1733884" y="3485675"/>
+            <a:ext cx="1313719" cy="369332"/>
           </a:xfrm>
           <a:prstGeom prst="rect">
             <a:avLst/>
@@ -5828,7 +8592,11 @@
             <a:pPr algn="ctr"/>
             <a:r>
               <a:rPr lang="zh-CN" altLang="en-US" dirty="0" smtClean="0"/>
-              <a:t>售票</a:t>
+              <a:t>售</a:t>
+            </a:r>
+            <a:r>
+              <a:rPr lang="zh-CN" altLang="en-US" dirty="0" smtClean="0"/>
+              <a:t>票管理</a:t>
             </a:r>
             <a:endParaRPr lang="en-US" dirty="0"/>
           </a:p>
@@ -5843,7 +8611,7 @@
         <p:spPr>
           <a:xfrm>
             <a:off x="4841475" y="3485675"/>
-            <a:ext cx="1045113" cy="369332"/>
+            <a:ext cx="1655523" cy="369332"/>
           </a:xfrm>
           <a:prstGeom prst="rect">
             <a:avLst/>
@@ -5872,7 +8640,7 @@
             <a:pPr algn="ctr"/>
             <a:r>
               <a:rPr lang="zh-CN" altLang="en-US" dirty="0" smtClean="0"/>
-              <a:t>排档</a:t>
+              <a:t>档期场次管理</a:t>
             </a:r>
             <a:endParaRPr lang="en-US" dirty="0"/>
           </a:p>
@@ -5886,7 +8654,7 @@
         </p:nvSpPr>
         <p:spPr>
           <a:xfrm>
-            <a:off x="6194144" y="3485675"/>
+            <a:off x="6875074" y="3485675"/>
             <a:ext cx="1240008" cy="369332"/>
           </a:xfrm>
           <a:prstGeom prst="rect">
@@ -5916,7 +8684,7 @@
             <a:pPr algn="ctr"/>
             <a:r>
               <a:rPr lang="zh-CN" altLang="en-US" dirty="0" smtClean="0"/>
-              <a:t>引进电影</a:t>
+              <a:t>电影管理</a:t>
             </a:r>
             <a:endParaRPr lang="en-US" dirty="0"/>
           </a:p>
@@ -5930,8 +8698,8 @@
         </p:nvSpPr>
         <p:spPr>
           <a:xfrm>
-            <a:off x="7741708" y="3485675"/>
-            <a:ext cx="1045113" cy="369332"/>
+            <a:off x="8318254" y="3493859"/>
+            <a:ext cx="1596197" cy="369332"/>
           </a:xfrm>
           <a:prstGeom prst="rect">
             <a:avLst/>
@@ -5960,7 +8728,7 @@
             <a:pPr algn="ctr"/>
             <a:r>
               <a:rPr lang="zh-CN" altLang="en-US" dirty="0" smtClean="0"/>
-              <a:t>排座</a:t>
+              <a:t>影院布局管理</a:t>
             </a:r>
             <a:endParaRPr lang="en-US" dirty="0"/>
           </a:p>
@@ -6004,7 +8772,7 @@
             <a:pPr algn="ctr"/>
             <a:r>
               <a:rPr lang="zh-CN" altLang="en-US" dirty="0" smtClean="0"/>
-              <a:t>优惠活动</a:t>
+              <a:t>价格管理</a:t>
             </a:r>
             <a:endParaRPr lang="en-US" dirty="0"/>
           </a:p>
@@ -6021,8 +8789,8 @@
         </p:nvCxnSpPr>
         <p:spPr>
           <a:xfrm flipH="1">
-            <a:off x="2525047" y="2812704"/>
-            <a:ext cx="278413" cy="672971"/>
+            <a:off x="2390744" y="2812704"/>
+            <a:ext cx="412716" cy="672971"/>
           </a:xfrm>
           <a:prstGeom prst="straightConnector1">
             <a:avLst/>
@@ -6063,8 +8831,8 @@
         </p:nvCxnSpPr>
         <p:spPr>
           <a:xfrm flipH="1">
-            <a:off x="5364032" y="2812704"/>
-            <a:ext cx="380088" cy="672971"/>
+            <a:off x="5669237" y="2812704"/>
+            <a:ext cx="74883" cy="672971"/>
           </a:xfrm>
           <a:prstGeom prst="straightConnector1">
             <a:avLst/>
@@ -6104,9 +8872,9 @@
           <p:nvPr/>
         </p:nvCxnSpPr>
         <p:spPr>
-          <a:xfrm flipH="1">
-            <a:off x="6814148" y="2812704"/>
-            <a:ext cx="400302" cy="672971"/>
+          <a:xfrm>
+            <a:off x="7214450" y="2812704"/>
+            <a:ext cx="280628" cy="672971"/>
           </a:xfrm>
           <a:prstGeom prst="straightConnector1">
             <a:avLst/>
@@ -6146,9 +8914,9 @@
           <p:nvPr/>
         </p:nvCxnSpPr>
         <p:spPr>
-          <a:xfrm flipH="1">
-            <a:off x="8264265" y="2812704"/>
-            <a:ext cx="420515" cy="672971"/>
+          <a:xfrm>
+            <a:off x="8684780" y="2812704"/>
+            <a:ext cx="431573" cy="681155"/>
           </a:xfrm>
           <a:prstGeom prst="straightConnector1">
             <a:avLst/>
@@ -6416,7 +9184,7 @@
         </p:nvSpPr>
         <p:spPr>
           <a:xfrm>
-            <a:off x="7107964" y="4576614"/>
+            <a:off x="5417037" y="4504883"/>
             <a:ext cx="777107" cy="369332"/>
           </a:xfrm>
           <a:prstGeom prst="rect">
@@ -6461,9 +9229,9 @@
           <p:nvPr/>
         </p:nvCxnSpPr>
         <p:spPr>
-          <a:xfrm rot="16200000" flipV="1">
-            <a:off x="6794530" y="3874626"/>
-            <a:ext cx="721607" cy="682370"/>
+          <a:xfrm rot="5400000" flipH="1" flipV="1">
+            <a:off x="6325396" y="3335202"/>
+            <a:ext cx="649876" cy="1689487"/>
           </a:xfrm>
           <a:prstGeom prst="bentConnector3">
             <a:avLst/>
@@ -6498,8 +9266,8 @@
         </p:nvCxnSpPr>
         <p:spPr>
           <a:xfrm rot="5400000" flipH="1" flipV="1">
-            <a:off x="7519588" y="3831938"/>
-            <a:ext cx="721607" cy="767747"/>
+            <a:off x="7140126" y="2528656"/>
+            <a:ext cx="641692" cy="3310762"/>
           </a:xfrm>
           <a:prstGeom prst="bentConnector3">
             <a:avLst/>
@@ -6527,15 +9295,15 @@
         <p:nvCxnSpPr>
           <p:cNvPr id="75" name="Elbow Connector 74"/>
           <p:cNvCxnSpPr>
-            <a:stCxn id="145" idx="0"/>
+            <a:stCxn id="68" idx="0"/>
             <a:endCxn id="31" idx="2"/>
           </p:cNvCxnSpPr>
           <p:nvPr/>
         </p:nvCxnSpPr>
         <p:spPr>
           <a:xfrm rot="16200000" flipV="1">
-            <a:off x="3932103" y="3867444"/>
-            <a:ext cx="721607" cy="696734"/>
+            <a:off x="4550127" y="3249419"/>
+            <a:ext cx="649876" cy="1861052"/>
           </a:xfrm>
           <a:prstGeom prst="bentConnector3">
             <a:avLst>
@@ -6572,8 +9340,8 @@
         </p:nvCxnSpPr>
         <p:spPr>
           <a:xfrm rot="16200000" flipV="1">
-            <a:off x="6069472" y="3149568"/>
-            <a:ext cx="721607" cy="2132486"/>
+            <a:off x="5412476" y="4111768"/>
+            <a:ext cx="649876" cy="136354"/>
           </a:xfrm>
           <a:prstGeom prst="bentConnector3">
             <a:avLst>
@@ -6610,8 +9378,8 @@
         </p:nvCxnSpPr>
         <p:spPr>
           <a:xfrm rot="16200000" flipV="1">
-            <a:off x="2518881" y="3861174"/>
-            <a:ext cx="721607" cy="709274"/>
+            <a:off x="2143645" y="4102107"/>
+            <a:ext cx="709447" cy="215247"/>
           </a:xfrm>
           <a:prstGeom prst="bentConnector3">
             <a:avLst>
@@ -6639,56 +9407,13 @@
       </p:cxnSp>
       <p:sp>
         <p:nvSpPr>
-          <p:cNvPr id="145" name="TextBox 144"/>
-          <p:cNvSpPr txBox="1"/>
-          <p:nvPr/>
-        </p:nvSpPr>
-        <p:spPr>
-          <a:xfrm>
-            <a:off x="4252719" y="4576614"/>
-            <a:ext cx="777107" cy="369332"/>
-          </a:xfrm>
-          <a:prstGeom prst="rect">
-            <a:avLst/>
-          </a:prstGeom>
-        </p:spPr>
-        <p:style>
-          <a:lnRef idx="1">
-            <a:schemeClr val="accent2"/>
-          </a:lnRef>
-          <a:fillRef idx="2">
-            <a:schemeClr val="accent2"/>
-          </a:fillRef>
-          <a:effectRef idx="1">
-            <a:schemeClr val="accent2"/>
-          </a:effectRef>
-          <a:fontRef idx="minor">
-            <a:schemeClr val="dk1"/>
-          </a:fontRef>
-        </p:style>
-        <p:txBody>
-          <a:bodyPr wrap="square" rtlCol="0">
-            <a:spAutoFit/>
-          </a:bodyPr>
-          <a:lstStyle/>
-          <a:p>
-            <a:r>
-              <a:rPr lang="zh-CN" altLang="en-US" dirty="0" smtClean="0"/>
-              <a:t>中间</a:t>
-            </a:r>
-            <a:endParaRPr lang="en-US" dirty="0"/>
-          </a:p>
-        </p:txBody>
-      </p:sp>
-      <p:sp>
-        <p:nvSpPr>
           <p:cNvPr id="146" name="TextBox 145"/>
           <p:cNvSpPr txBox="1"/>
           <p:nvPr/>
         </p:nvSpPr>
         <p:spPr>
           <a:xfrm>
-            <a:off x="2845767" y="4576614"/>
+            <a:off x="2217437" y="4564454"/>
             <a:ext cx="777107" cy="369332"/>
           </a:xfrm>
           <a:prstGeom prst="rect">
@@ -6777,46 +9502,8 @@
         </p:nvCxnSpPr>
         <p:spPr>
           <a:xfrm rot="16200000" flipV="1">
-            <a:off x="4147068" y="4033199"/>
-            <a:ext cx="512622" cy="2338115"/>
-          </a:xfrm>
-          <a:prstGeom prst="bentConnector3">
-            <a:avLst>
-              <a:gd name="adj1" fmla="val 50000"/>
-            </a:avLst>
-          </a:prstGeom>
-          <a:ln>
-            <a:tailEnd type="triangle"/>
-          </a:ln>
-        </p:spPr>
-        <p:style>
-          <a:lnRef idx="3">
-            <a:schemeClr val="accent2"/>
-          </a:lnRef>
-          <a:fillRef idx="0">
-            <a:schemeClr val="accent2"/>
-          </a:fillRef>
-          <a:effectRef idx="2">
-            <a:schemeClr val="accent2"/>
-          </a:effectRef>
-          <a:fontRef idx="minor">
-            <a:schemeClr val="tx1"/>
-          </a:fontRef>
-        </p:style>
-      </p:cxnSp>
-      <p:cxnSp>
-        <p:nvCxnSpPr>
-          <p:cNvPr id="162" name="Elbow Connector 161"/>
-          <p:cNvCxnSpPr>
-            <a:stCxn id="158" idx="0"/>
-            <a:endCxn id="145" idx="2"/>
-          </p:cNvCxnSpPr>
-          <p:nvPr/>
-        </p:nvCxnSpPr>
-        <p:spPr>
-          <a:xfrm rot="16200000" flipV="1">
-            <a:off x="4850544" y="4736675"/>
-            <a:ext cx="512622" cy="931163"/>
+            <a:off x="3826823" y="3712954"/>
+            <a:ext cx="524782" cy="2966445"/>
           </a:xfrm>
           <a:prstGeom prst="bentConnector3">
             <a:avLst>
@@ -6853,12 +9540,12 @@
         </p:nvCxnSpPr>
         <p:spPr>
           <a:xfrm rot="5400000" flipH="1" flipV="1">
-            <a:off x="6278166" y="4240216"/>
-            <a:ext cx="512622" cy="1924082"/>
+            <a:off x="5396837" y="5049815"/>
+            <a:ext cx="584353" cy="233155"/>
           </a:xfrm>
           <a:prstGeom prst="bentConnector3">
             <a:avLst>
-              <a:gd name="adj1" fmla="val 50000"/>
+              <a:gd name="adj1" fmla="val 47629"/>
             </a:avLst>
           </a:prstGeom>
           <a:ln>
@@ -6888,7 +9575,7 @@
         </p:nvSpPr>
         <p:spPr>
           <a:xfrm>
-            <a:off x="9094377" y="3485675"/>
+            <a:off x="10188886" y="3485675"/>
             <a:ext cx="1349980" cy="369332"/>
           </a:xfrm>
           <a:prstGeom prst="rect">
@@ -6936,7 +9623,7 @@
         <p:spPr>
           <a:xfrm>
             <a:off x="8684780" y="2812704"/>
-            <a:ext cx="1084587" cy="672971"/>
+            <a:ext cx="2179096" cy="672971"/>
           </a:xfrm>
           <a:prstGeom prst="straightConnector1">
             <a:avLst/>
@@ -6978,7 +9665,7 @@
         <p:spPr>
           <a:xfrm flipV="1">
             <a:off x="6743013" y="3855007"/>
-            <a:ext cx="3026354" cy="1788227"/>
+            <a:ext cx="4120863" cy="1788227"/>
           </a:xfrm>
           <a:prstGeom prst="bentConnector2">
             <a:avLst/>
@@ -7028,7 +9715,7 @@
 </p:sld>
 </file>
 
-<file path=ppt/slides/slide3.xml><?xml version="1.0" encoding="utf-8"?>
+<file path=ppt/slides/slide4.xml><?xml version="1.0" encoding="utf-8"?>
 <p:sld xmlns:a="http://schemas.openxmlformats.org/drawingml/2006/main" xmlns:r="http://schemas.openxmlformats.org/officeDocument/2006/relationships" xmlns:p="http://schemas.openxmlformats.org/presentationml/2006/main">
   <p:cSld>
     <p:spTree>
@@ -8914,7 +11601,7 @@
         </p:nvGraphicFramePr>
         <p:xfrm>
           <a:off x="9019309" y="3746796"/>
-          <a:ext cx="1985818" cy="2434177"/>
+          <a:ext cx="1985818" cy="2510440"/>
         </p:xfrm>
         <a:graphic>
           <a:graphicData uri="http://schemas.openxmlformats.org/drawingml/2006/table">
@@ -9484,7 +12171,7 @@
 </p:sld>
 </file>
 
-<file path=ppt/slides/slide4.xml><?xml version="1.0" encoding="utf-8"?>
+<file path=ppt/slides/slide5.xml><?xml version="1.0" encoding="utf-8"?>
 <p:sld xmlns:a="http://schemas.openxmlformats.org/drawingml/2006/main" xmlns:r="http://schemas.openxmlformats.org/officeDocument/2006/relationships" xmlns:p="http://schemas.openxmlformats.org/presentationml/2006/main">
   <p:cSld>
     <p:spTree>
@@ -9644,11 +12331,7 @@
           <a:p>
             <a:r>
               <a:rPr lang="zh-CN" altLang="en-US" dirty="0" smtClean="0"/>
-              <a:t>顾客类</a:t>
-            </a:r>
-            <a:r>
-              <a:rPr lang="zh-CN" altLang="en-US" dirty="0" smtClean="0"/>
-              <a:t>型</a:t>
+              <a:t>顾客类型</a:t>
             </a:r>
             <a:endParaRPr lang="en-US" dirty="0"/>
           </a:p>
@@ -9868,11 +12551,7 @@
           <a:p>
             <a:r>
               <a:rPr lang="zh-CN" altLang="en-US" dirty="0" smtClean="0"/>
-              <a:t>顾客类</a:t>
-            </a:r>
-            <a:r>
-              <a:rPr lang="zh-CN" altLang="en-US" dirty="0" smtClean="0"/>
-              <a:t>型</a:t>
+              <a:t>顾客类型</a:t>
             </a:r>
             <a:endParaRPr lang="en-US" dirty="0"/>
           </a:p>
@@ -10300,15 +12979,7 @@
                   <a:srgbClr val="FF0000"/>
                 </a:solidFill>
               </a:rPr>
-              <a:t>顾客选</a:t>
-            </a:r>
-            <a:r>
-              <a:rPr lang="zh-CN" altLang="en-US" sz="1400" dirty="0" smtClean="0">
-                <a:solidFill>
-                  <a:srgbClr val="FF0000"/>
-                </a:solidFill>
-              </a:rPr>
-              <a:t>定场次</a:t>
+              <a:t>顾客选定场次</a:t>
             </a:r>
             <a:endParaRPr lang="en-US" sz="1400" dirty="0">
               <a:solidFill>
@@ -10378,15 +13049,7 @@
                   <a:srgbClr val="FF0000"/>
                 </a:solidFill>
               </a:rPr>
-              <a:t>顾客找售票员买</a:t>
-            </a:r>
-            <a:r>
-              <a:rPr lang="zh-CN" altLang="en-US" sz="1400" dirty="0" smtClean="0">
-                <a:solidFill>
-                  <a:srgbClr val="FF0000"/>
-                </a:solidFill>
-              </a:rPr>
-              <a:t>票</a:t>
+              <a:t>顾客找售票员买票</a:t>
             </a:r>
             <a:endParaRPr lang="en-US" sz="1400" dirty="0">
               <a:solidFill>
@@ -10456,15 +13119,7 @@
                   <a:srgbClr val="FF0000"/>
                 </a:solidFill>
               </a:rPr>
-              <a:t>售票员根据顾客要求查找符合要求</a:t>
-            </a:r>
-            <a:r>
-              <a:rPr lang="zh-CN" altLang="en-US" sz="1400" dirty="0" smtClean="0">
-                <a:solidFill>
-                  <a:srgbClr val="FF0000"/>
-                </a:solidFill>
-              </a:rPr>
-              <a:t>的座位</a:t>
+              <a:t>售票员根据顾客要求查找符合要求的座位</a:t>
             </a:r>
             <a:endParaRPr lang="en-US" sz="1400" dirty="0">
               <a:solidFill>
@@ -10574,15 +13229,7 @@
                   <a:srgbClr val="FF0000"/>
                 </a:solidFill>
               </a:rPr>
-              <a:t>顾</a:t>
-            </a:r>
-            <a:r>
-              <a:rPr lang="zh-CN" altLang="en-US" sz="1400" dirty="0" smtClean="0">
-                <a:solidFill>
-                  <a:srgbClr val="FF0000"/>
-                </a:solidFill>
-              </a:rPr>
-              <a:t>客付钱</a:t>
+              <a:t>顾客付钱</a:t>
             </a:r>
             <a:r>
               <a:rPr lang="en-US" altLang="zh-CN" sz="1400" dirty="0" smtClean="0">
@@ -10672,11 +13319,7 @@
           <a:p>
             <a:r>
               <a:rPr lang="zh-CN" altLang="en-US" dirty="0" smtClean="0"/>
-              <a:t>顾客类</a:t>
-            </a:r>
-            <a:r>
-              <a:rPr lang="zh-CN" altLang="en-US" dirty="0" smtClean="0"/>
-              <a:t>型</a:t>
+              <a:t>顾客类型</a:t>
             </a:r>
             <a:endParaRPr lang="en-US" dirty="0"/>
           </a:p>
@@ -11273,15 +13916,7 @@
                   <a:srgbClr val="FF0000"/>
                 </a:solidFill>
               </a:rPr>
-              <a:t>顾</a:t>
-            </a:r>
-            <a:r>
-              <a:rPr lang="zh-CN" altLang="en-US" sz="1400" dirty="0" smtClean="0">
-                <a:solidFill>
-                  <a:srgbClr val="FF0000"/>
-                </a:solidFill>
-              </a:rPr>
-              <a:t>客确认买票</a:t>
+              <a:t>顾客确认买票</a:t>
             </a:r>
             <a:endParaRPr lang="en-US" sz="1400" dirty="0">
               <a:solidFill>
@@ -13115,6 +15750,4442 @@
       <p:bldP spid="95" grpId="0" animBg="1"/>
       <p:bldP spid="116" grpId="0" animBg="1"/>
       <p:bldP spid="124" grpId="0"/>
+    </p:bldLst>
+  </p:timing>
+</p:sld>
+</file>
+
+<file path=ppt/slides/slide6.xml><?xml version="1.0" encoding="utf-8"?>
+<p:sld xmlns:a="http://schemas.openxmlformats.org/drawingml/2006/main" xmlns:r="http://schemas.openxmlformats.org/officeDocument/2006/relationships" xmlns:p="http://schemas.openxmlformats.org/presentationml/2006/main">
+  <p:cSld>
+    <p:spTree>
+      <p:nvGrpSpPr>
+        <p:cNvPr id="1" name=""/>
+        <p:cNvGrpSpPr/>
+        <p:nvPr/>
+      </p:nvGrpSpPr>
+      <p:grpSpPr>
+        <a:xfrm>
+          <a:off x="0" y="0"/>
+          <a:ext cx="0" cy="0"/>
+          <a:chOff x="0" y="0"/>
+          <a:chExt cx="0" cy="0"/>
+        </a:xfrm>
+      </p:grpSpPr>
+      <p:sp>
+        <p:nvSpPr>
+          <p:cNvPr id="2" name="Title 1"/>
+          <p:cNvSpPr>
+            <a:spLocks noGrp="1"/>
+          </p:cNvSpPr>
+          <p:nvPr>
+            <p:ph type="title"/>
+          </p:nvPr>
+        </p:nvSpPr>
+        <p:spPr>
+          <a:xfrm>
+            <a:off x="838200" y="365126"/>
+            <a:ext cx="2214489" cy="844696"/>
+          </a:xfrm>
+        </p:spPr>
+        <p:txBody>
+          <a:bodyPr>
+            <a:normAutofit/>
+          </a:bodyPr>
+          <a:lstStyle/>
+          <a:p>
+            <a:r>
+              <a:rPr lang="zh-CN" altLang="en-US" sz="3600" dirty="0" smtClean="0"/>
+              <a:t>电影管理</a:t>
+            </a:r>
+            <a:endParaRPr lang="zh-CN" altLang="en-US" sz="3600" dirty="0"/>
+          </a:p>
+        </p:txBody>
+      </p:sp>
+      <p:sp>
+        <p:nvSpPr>
+          <p:cNvPr id="5" name="Flowchart: Multidocument 4"/>
+          <p:cNvSpPr/>
+          <p:nvPr/>
+        </p:nvSpPr>
+        <p:spPr>
+          <a:xfrm>
+            <a:off x="6879099" y="3995223"/>
+            <a:ext cx="3446585" cy="2082019"/>
+          </a:xfrm>
+          <a:prstGeom prst="flowChartMultidocument">
+            <a:avLst/>
+          </a:prstGeom>
+        </p:spPr>
+        <p:style>
+          <a:lnRef idx="2">
+            <a:schemeClr val="accent1">
+              <a:shade val="50000"/>
+            </a:schemeClr>
+          </a:lnRef>
+          <a:fillRef idx="1">
+            <a:schemeClr val="accent1"/>
+          </a:fillRef>
+          <a:effectRef idx="0">
+            <a:schemeClr val="accent1"/>
+          </a:effectRef>
+          <a:fontRef idx="minor">
+            <a:schemeClr val="lt1"/>
+          </a:fontRef>
+        </p:style>
+        <p:txBody>
+          <a:bodyPr rtlCol="0" anchor="ctr"/>
+          <a:lstStyle/>
+          <a:p>
+            <a:pPr algn="ctr"/>
+            <a:r>
+              <a:rPr lang="zh-CN" altLang="en-US" sz="4000" dirty="0" smtClean="0"/>
+              <a:t>电影库</a:t>
+            </a:r>
+            <a:endParaRPr lang="zh-CN" altLang="en-US" sz="4000" dirty="0"/>
+          </a:p>
+        </p:txBody>
+      </p:sp>
+      <p:sp>
+        <p:nvSpPr>
+          <p:cNvPr id="6" name="Flowchart: Document 5"/>
+          <p:cNvSpPr/>
+          <p:nvPr/>
+        </p:nvSpPr>
+        <p:spPr>
+          <a:xfrm>
+            <a:off x="7188589" y="530087"/>
+            <a:ext cx="2602523" cy="1326849"/>
+          </a:xfrm>
+          <a:prstGeom prst="flowChartDocument">
+            <a:avLst/>
+          </a:prstGeom>
+        </p:spPr>
+        <p:style>
+          <a:lnRef idx="2">
+            <a:schemeClr val="accent1">
+              <a:shade val="50000"/>
+            </a:schemeClr>
+          </a:lnRef>
+          <a:fillRef idx="1">
+            <a:schemeClr val="accent1"/>
+          </a:fillRef>
+          <a:effectRef idx="0">
+            <a:schemeClr val="accent1"/>
+          </a:effectRef>
+          <a:fontRef idx="minor">
+            <a:schemeClr val="lt1"/>
+          </a:fontRef>
+        </p:style>
+        <p:txBody>
+          <a:bodyPr rtlCol="0" anchor="ctr"/>
+          <a:lstStyle/>
+          <a:p>
+            <a:pPr algn="ctr"/>
+            <a:r>
+              <a:rPr lang="zh-CN" altLang="en-US" sz="3600" dirty="0" smtClean="0"/>
+              <a:t>电影</a:t>
+            </a:r>
+            <a:endParaRPr lang="zh-CN" altLang="en-US" sz="3600" dirty="0"/>
+          </a:p>
+        </p:txBody>
+      </p:sp>
+      <p:sp>
+        <p:nvSpPr>
+          <p:cNvPr id="7" name="Curved Left Arrow 6"/>
+          <p:cNvSpPr/>
+          <p:nvPr/>
+        </p:nvSpPr>
+        <p:spPr>
+          <a:xfrm>
+            <a:off x="10615025" y="1193511"/>
+            <a:ext cx="1322364" cy="3910817"/>
+          </a:xfrm>
+          <a:prstGeom prst="curvedLeftArrow">
+            <a:avLst>
+              <a:gd name="adj1" fmla="val 22899"/>
+              <a:gd name="adj2" fmla="val 50000"/>
+              <a:gd name="adj3" fmla="val 25000"/>
+            </a:avLst>
+          </a:prstGeom>
+          <a:solidFill>
+            <a:srgbClr val="00B050"/>
+          </a:solidFill>
+        </p:spPr>
+        <p:style>
+          <a:lnRef idx="2">
+            <a:schemeClr val="accent1">
+              <a:shade val="50000"/>
+            </a:schemeClr>
+          </a:lnRef>
+          <a:fillRef idx="1">
+            <a:schemeClr val="accent1"/>
+          </a:fillRef>
+          <a:effectRef idx="0">
+            <a:schemeClr val="accent1"/>
+          </a:effectRef>
+          <a:fontRef idx="minor">
+            <a:schemeClr val="lt1"/>
+          </a:fontRef>
+        </p:style>
+        <p:txBody>
+          <a:bodyPr rtlCol="0" anchor="ctr"/>
+          <a:lstStyle/>
+          <a:p>
+            <a:pPr algn="ctr"/>
+            <a:r>
+              <a:rPr lang="zh-CN" altLang="en-US" dirty="0" smtClean="0">
+                <a:solidFill>
+                  <a:schemeClr val="tx1"/>
+                </a:solidFill>
+              </a:rPr>
+              <a:t>引进电影</a:t>
+            </a:r>
+            <a:endParaRPr lang="zh-CN" altLang="en-US" dirty="0">
+              <a:solidFill>
+                <a:schemeClr val="tx1"/>
+              </a:solidFill>
+            </a:endParaRPr>
+          </a:p>
+        </p:txBody>
+      </p:sp>
+      <p:cxnSp>
+        <p:nvCxnSpPr>
+          <p:cNvPr id="8" name="Curved Connector 7"/>
+          <p:cNvCxnSpPr>
+            <a:stCxn id="5" idx="1"/>
+          </p:cNvCxnSpPr>
+          <p:nvPr/>
+        </p:nvCxnSpPr>
+        <p:spPr>
+          <a:xfrm rot="10800000">
+            <a:off x="4853355" y="4276579"/>
+            <a:ext cx="2025745" cy="759655"/>
+          </a:xfrm>
+          <a:prstGeom prst="curvedConnector3">
+            <a:avLst/>
+          </a:prstGeom>
+          <a:ln>
+            <a:headEnd type="triangle"/>
+            <a:tailEnd type="triangle"/>
+          </a:ln>
+        </p:spPr>
+        <p:style>
+          <a:lnRef idx="1">
+            <a:schemeClr val="accent1"/>
+          </a:lnRef>
+          <a:fillRef idx="0">
+            <a:schemeClr val="accent1"/>
+          </a:fillRef>
+          <a:effectRef idx="0">
+            <a:schemeClr val="accent1"/>
+          </a:effectRef>
+          <a:fontRef idx="minor">
+            <a:schemeClr val="tx1"/>
+          </a:fontRef>
+        </p:style>
+      </p:cxnSp>
+      <p:sp>
+        <p:nvSpPr>
+          <p:cNvPr id="9" name="Flowchart: Document 8"/>
+          <p:cNvSpPr/>
+          <p:nvPr/>
+        </p:nvSpPr>
+        <p:spPr>
+          <a:xfrm>
+            <a:off x="2250830" y="3777479"/>
+            <a:ext cx="2602523" cy="1326849"/>
+          </a:xfrm>
+          <a:prstGeom prst="flowChartDocument">
+            <a:avLst/>
+          </a:prstGeom>
+          <a:solidFill>
+            <a:schemeClr val="bg1"/>
+          </a:solidFill>
+          <a:ln>
+            <a:solidFill>
+              <a:srgbClr val="FF0000"/>
+            </a:solidFill>
+          </a:ln>
+        </p:spPr>
+        <p:style>
+          <a:lnRef idx="2">
+            <a:schemeClr val="accent1">
+              <a:shade val="50000"/>
+            </a:schemeClr>
+          </a:lnRef>
+          <a:fillRef idx="1">
+            <a:schemeClr val="accent1"/>
+          </a:fillRef>
+          <a:effectRef idx="0">
+            <a:schemeClr val="accent1"/>
+          </a:effectRef>
+          <a:fontRef idx="minor">
+            <a:schemeClr val="lt1"/>
+          </a:fontRef>
+        </p:style>
+        <p:txBody>
+          <a:bodyPr rtlCol="0" anchor="ctr"/>
+          <a:lstStyle/>
+          <a:p>
+            <a:pPr algn="ctr"/>
+            <a:r>
+              <a:rPr lang="zh-CN" altLang="en-US" sz="3600" dirty="0" smtClean="0">
+                <a:solidFill>
+                  <a:schemeClr val="accent6">
+                    <a:lumMod val="50000"/>
+                  </a:schemeClr>
+                </a:solidFill>
+              </a:rPr>
+              <a:t>获取电影</a:t>
+            </a:r>
+            <a:endParaRPr lang="zh-CN" altLang="en-US" sz="3600" dirty="0">
+              <a:solidFill>
+                <a:schemeClr val="accent6">
+                  <a:lumMod val="50000"/>
+                </a:schemeClr>
+              </a:solidFill>
+            </a:endParaRPr>
+          </a:p>
+        </p:txBody>
+      </p:sp>
+    </p:spTree>
+    <p:extLst>
+      <p:ext uri="{BB962C8B-B14F-4D97-AF65-F5344CB8AC3E}">
+        <p14:creationId xmlns:p14="http://schemas.microsoft.com/office/powerpoint/2010/main" val="177691480"/>
+      </p:ext>
+    </p:extLst>
+  </p:cSld>
+  <p:clrMapOvr>
+    <a:masterClrMapping/>
+  </p:clrMapOvr>
+  <p:timing>
+    <p:tnLst>
+      <p:par>
+        <p:cTn id="1" dur="indefinite" restart="never" nodeType="tmRoot"/>
+      </p:par>
+    </p:tnLst>
+  </p:timing>
+</p:sld>
+</file>
+
+<file path=ppt/slides/slide7.xml><?xml version="1.0" encoding="utf-8"?>
+<p:sld xmlns:a="http://schemas.openxmlformats.org/drawingml/2006/main" xmlns:r="http://schemas.openxmlformats.org/officeDocument/2006/relationships" xmlns:p="http://schemas.openxmlformats.org/presentationml/2006/main">
+  <p:cSld>
+    <p:spTree>
+      <p:nvGrpSpPr>
+        <p:cNvPr id="1" name=""/>
+        <p:cNvGrpSpPr/>
+        <p:nvPr/>
+      </p:nvGrpSpPr>
+      <p:grpSpPr>
+        <a:xfrm>
+          <a:off x="0" y="0"/>
+          <a:ext cx="0" cy="0"/>
+          <a:chOff x="0" y="0"/>
+          <a:chExt cx="0" cy="0"/>
+        </a:xfrm>
+      </p:grpSpPr>
+      <p:sp>
+        <p:nvSpPr>
+          <p:cNvPr id="2" name="Title 1"/>
+          <p:cNvSpPr>
+            <a:spLocks noGrp="1"/>
+          </p:cNvSpPr>
+          <p:nvPr>
+            <p:ph type="title"/>
+          </p:nvPr>
+        </p:nvSpPr>
+        <p:spPr>
+          <a:xfrm>
+            <a:off x="838200" y="365125"/>
+            <a:ext cx="2116015" cy="929103"/>
+          </a:xfrm>
+        </p:spPr>
+        <p:txBody>
+          <a:bodyPr>
+            <a:normAutofit/>
+          </a:bodyPr>
+          <a:lstStyle/>
+          <a:p>
+            <a:r>
+              <a:rPr lang="zh-CN" altLang="en-US" sz="3600" dirty="0" smtClean="0"/>
+              <a:t>价格管理</a:t>
+            </a:r>
+            <a:endParaRPr lang="zh-CN" altLang="en-US" sz="3600" dirty="0"/>
+          </a:p>
+        </p:txBody>
+      </p:sp>
+      <p:sp>
+        <p:nvSpPr>
+          <p:cNvPr id="4" name="Flowchart: Multidocument 3"/>
+          <p:cNvSpPr/>
+          <p:nvPr/>
+        </p:nvSpPr>
+        <p:spPr>
+          <a:xfrm>
+            <a:off x="9509760" y="2025747"/>
+            <a:ext cx="2307101" cy="1350499"/>
+          </a:xfrm>
+          <a:prstGeom prst="flowChartMultidocument">
+            <a:avLst/>
+          </a:prstGeom>
+        </p:spPr>
+        <p:style>
+          <a:lnRef idx="2">
+            <a:schemeClr val="accent1">
+              <a:shade val="50000"/>
+            </a:schemeClr>
+          </a:lnRef>
+          <a:fillRef idx="1">
+            <a:schemeClr val="accent1"/>
+          </a:fillRef>
+          <a:effectRef idx="0">
+            <a:schemeClr val="accent1"/>
+          </a:effectRef>
+          <a:fontRef idx="minor">
+            <a:schemeClr val="lt1"/>
+          </a:fontRef>
+        </p:style>
+        <p:txBody>
+          <a:bodyPr rtlCol="0" anchor="ctr"/>
+          <a:lstStyle/>
+          <a:p>
+            <a:pPr algn="ctr"/>
+            <a:r>
+              <a:rPr lang="zh-CN" altLang="en-US" sz="2800" dirty="0" smtClean="0"/>
+              <a:t>价格模板</a:t>
+            </a:r>
+            <a:endParaRPr lang="zh-CN" altLang="en-US" sz="2800" dirty="0"/>
+          </a:p>
+        </p:txBody>
+      </p:sp>
+      <p:sp>
+        <p:nvSpPr>
+          <p:cNvPr id="5" name="Rectangle 4"/>
+          <p:cNvSpPr/>
+          <p:nvPr/>
+        </p:nvSpPr>
+        <p:spPr>
+          <a:xfrm>
+            <a:off x="5985803" y="4494627"/>
+            <a:ext cx="2644726" cy="1280160"/>
+          </a:xfrm>
+          <a:prstGeom prst="rect">
+            <a:avLst/>
+          </a:prstGeom>
+        </p:spPr>
+        <p:style>
+          <a:lnRef idx="2">
+            <a:schemeClr val="accent1">
+              <a:shade val="50000"/>
+            </a:schemeClr>
+          </a:lnRef>
+          <a:fillRef idx="1">
+            <a:schemeClr val="accent1"/>
+          </a:fillRef>
+          <a:effectRef idx="0">
+            <a:schemeClr val="accent1"/>
+          </a:effectRef>
+          <a:fontRef idx="minor">
+            <a:schemeClr val="lt1"/>
+          </a:fontRef>
+        </p:style>
+        <p:txBody>
+          <a:bodyPr rtlCol="0" anchor="ctr"/>
+          <a:lstStyle/>
+          <a:p>
+            <a:pPr algn="ctr"/>
+            <a:r>
+              <a:rPr lang="zh-CN" altLang="en-US" sz="3600" dirty="0" smtClean="0"/>
+              <a:t>原价</a:t>
+            </a:r>
+            <a:endParaRPr lang="zh-CN" altLang="en-US" sz="3600" dirty="0"/>
+          </a:p>
+        </p:txBody>
+      </p:sp>
+      <p:cxnSp>
+        <p:nvCxnSpPr>
+          <p:cNvPr id="7" name="Curved Connector 6"/>
+          <p:cNvCxnSpPr>
+            <a:stCxn id="4" idx="1"/>
+            <a:endCxn id="5" idx="3"/>
+          </p:cNvCxnSpPr>
+          <p:nvPr/>
+        </p:nvCxnSpPr>
+        <p:spPr>
+          <a:xfrm rot="10800000" flipV="1">
+            <a:off x="8630530" y="2700997"/>
+            <a:ext cx="879231" cy="2433710"/>
+          </a:xfrm>
+          <a:prstGeom prst="curvedConnector3">
+            <a:avLst/>
+          </a:prstGeom>
+          <a:ln>
+            <a:tailEnd type="triangle"/>
+          </a:ln>
+        </p:spPr>
+        <p:style>
+          <a:lnRef idx="1">
+            <a:schemeClr val="accent1"/>
+          </a:lnRef>
+          <a:fillRef idx="0">
+            <a:schemeClr val="accent1"/>
+          </a:fillRef>
+          <a:effectRef idx="0">
+            <a:schemeClr val="accent1"/>
+          </a:effectRef>
+          <a:fontRef idx="minor">
+            <a:schemeClr val="tx1"/>
+          </a:fontRef>
+        </p:style>
+      </p:cxnSp>
+      <p:sp>
+        <p:nvSpPr>
+          <p:cNvPr id="13" name="Rectangle 12"/>
+          <p:cNvSpPr/>
+          <p:nvPr/>
+        </p:nvSpPr>
+        <p:spPr>
+          <a:xfrm>
+            <a:off x="2813539" y="4494627"/>
+            <a:ext cx="2644726" cy="1280160"/>
+          </a:xfrm>
+          <a:prstGeom prst="rect">
+            <a:avLst/>
+          </a:prstGeom>
+        </p:spPr>
+        <p:style>
+          <a:lnRef idx="2">
+            <a:schemeClr val="accent1">
+              <a:shade val="50000"/>
+            </a:schemeClr>
+          </a:lnRef>
+          <a:fillRef idx="1">
+            <a:schemeClr val="accent1"/>
+          </a:fillRef>
+          <a:effectRef idx="0">
+            <a:schemeClr val="accent1"/>
+          </a:effectRef>
+          <a:fontRef idx="minor">
+            <a:schemeClr val="lt1"/>
+          </a:fontRef>
+        </p:style>
+        <p:txBody>
+          <a:bodyPr rtlCol="0" anchor="ctr"/>
+          <a:lstStyle/>
+          <a:p>
+            <a:pPr algn="ctr"/>
+            <a:r>
+              <a:rPr lang="zh-CN" altLang="en-US" sz="3600" dirty="0" smtClean="0"/>
+              <a:t>优惠</a:t>
+            </a:r>
+            <a:endParaRPr lang="zh-CN" altLang="en-US" sz="3600" dirty="0"/>
+          </a:p>
+        </p:txBody>
+      </p:sp>
+      <p:sp>
+        <p:nvSpPr>
+          <p:cNvPr id="16" name="Smiley Face 15"/>
+          <p:cNvSpPr/>
+          <p:nvPr/>
+        </p:nvSpPr>
+        <p:spPr>
+          <a:xfrm>
+            <a:off x="1505243" y="1491175"/>
+            <a:ext cx="1026942" cy="886265"/>
+          </a:xfrm>
+          <a:prstGeom prst="smileyFace">
+            <a:avLst/>
+          </a:prstGeom>
+        </p:spPr>
+        <p:style>
+          <a:lnRef idx="2">
+            <a:schemeClr val="accent1">
+              <a:shade val="50000"/>
+            </a:schemeClr>
+          </a:lnRef>
+          <a:fillRef idx="1">
+            <a:schemeClr val="accent1"/>
+          </a:fillRef>
+          <a:effectRef idx="0">
+            <a:schemeClr val="accent1"/>
+          </a:effectRef>
+          <a:fontRef idx="minor">
+            <a:schemeClr val="lt1"/>
+          </a:fontRef>
+        </p:style>
+        <p:txBody>
+          <a:bodyPr rtlCol="0" anchor="ctr"/>
+          <a:lstStyle/>
+          <a:p>
+            <a:pPr algn="ctr"/>
+            <a:r>
+              <a:rPr lang="zh-CN" altLang="en-US" dirty="0" smtClean="0"/>
+              <a:t>学生</a:t>
+            </a:r>
+            <a:endParaRPr lang="zh-CN" altLang="en-US" dirty="0"/>
+          </a:p>
+        </p:txBody>
+      </p:sp>
+      <p:sp>
+        <p:nvSpPr>
+          <p:cNvPr id="17" name="Smiley Face 16"/>
+          <p:cNvSpPr/>
+          <p:nvPr/>
+        </p:nvSpPr>
+        <p:spPr>
+          <a:xfrm>
+            <a:off x="2813539" y="1480623"/>
+            <a:ext cx="1026942" cy="886265"/>
+          </a:xfrm>
+          <a:prstGeom prst="smileyFace">
+            <a:avLst/>
+          </a:prstGeom>
+        </p:spPr>
+        <p:style>
+          <a:lnRef idx="2">
+            <a:schemeClr val="accent1">
+              <a:shade val="50000"/>
+            </a:schemeClr>
+          </a:lnRef>
+          <a:fillRef idx="1">
+            <a:schemeClr val="accent1"/>
+          </a:fillRef>
+          <a:effectRef idx="0">
+            <a:schemeClr val="accent1"/>
+          </a:effectRef>
+          <a:fontRef idx="minor">
+            <a:schemeClr val="lt1"/>
+          </a:fontRef>
+        </p:style>
+        <p:txBody>
+          <a:bodyPr rtlCol="0" anchor="ctr"/>
+          <a:lstStyle/>
+          <a:p>
+            <a:pPr algn="ctr"/>
+            <a:r>
+              <a:rPr lang="zh-CN" altLang="en-US" dirty="0" smtClean="0"/>
+              <a:t>军人</a:t>
+            </a:r>
+            <a:endParaRPr lang="zh-CN" altLang="en-US" dirty="0"/>
+          </a:p>
+        </p:txBody>
+      </p:sp>
+      <p:sp>
+        <p:nvSpPr>
+          <p:cNvPr id="18" name="Smiley Face 17"/>
+          <p:cNvSpPr/>
+          <p:nvPr/>
+        </p:nvSpPr>
+        <p:spPr>
+          <a:xfrm>
+            <a:off x="3108960" y="2366888"/>
+            <a:ext cx="1026942" cy="886265"/>
+          </a:xfrm>
+          <a:prstGeom prst="smileyFace">
+            <a:avLst/>
+          </a:prstGeom>
+        </p:spPr>
+        <p:style>
+          <a:lnRef idx="2">
+            <a:schemeClr val="accent1">
+              <a:shade val="50000"/>
+            </a:schemeClr>
+          </a:lnRef>
+          <a:fillRef idx="1">
+            <a:schemeClr val="accent1"/>
+          </a:fillRef>
+          <a:effectRef idx="0">
+            <a:schemeClr val="accent1"/>
+          </a:effectRef>
+          <a:fontRef idx="minor">
+            <a:schemeClr val="lt1"/>
+          </a:fontRef>
+        </p:style>
+        <p:txBody>
+          <a:bodyPr rtlCol="0" anchor="ctr"/>
+          <a:lstStyle/>
+          <a:p>
+            <a:pPr algn="ctr"/>
+            <a:r>
+              <a:rPr lang="zh-CN" altLang="en-US" dirty="0" smtClean="0"/>
+              <a:t>特殊</a:t>
+            </a:r>
+            <a:endParaRPr lang="zh-CN" altLang="en-US" dirty="0"/>
+          </a:p>
+        </p:txBody>
+      </p:sp>
+      <p:sp>
+        <p:nvSpPr>
+          <p:cNvPr id="20" name="Smiley Face 19"/>
+          <p:cNvSpPr/>
+          <p:nvPr/>
+        </p:nvSpPr>
+        <p:spPr>
+          <a:xfrm>
+            <a:off x="2018714" y="2257864"/>
+            <a:ext cx="1026942" cy="886265"/>
+          </a:xfrm>
+          <a:prstGeom prst="smileyFace">
+            <a:avLst/>
+          </a:prstGeom>
+        </p:spPr>
+        <p:style>
+          <a:lnRef idx="2">
+            <a:schemeClr val="accent1">
+              <a:shade val="50000"/>
+            </a:schemeClr>
+          </a:lnRef>
+          <a:fillRef idx="1">
+            <a:schemeClr val="accent1"/>
+          </a:fillRef>
+          <a:effectRef idx="0">
+            <a:schemeClr val="accent1"/>
+          </a:effectRef>
+          <a:fontRef idx="minor">
+            <a:schemeClr val="lt1"/>
+          </a:fontRef>
+        </p:style>
+        <p:txBody>
+          <a:bodyPr rtlCol="0" anchor="ctr"/>
+          <a:lstStyle/>
+          <a:p>
+            <a:pPr algn="ctr"/>
+            <a:r>
+              <a:rPr lang="zh-CN" altLang="en-US" dirty="0" smtClean="0"/>
+              <a:t>普通</a:t>
+            </a:r>
+            <a:endParaRPr lang="zh-CN" altLang="en-US" dirty="0"/>
+          </a:p>
+        </p:txBody>
+      </p:sp>
+      <p:cxnSp>
+        <p:nvCxnSpPr>
+          <p:cNvPr id="23" name="Straight Arrow Connector 22"/>
+          <p:cNvCxnSpPr>
+            <a:stCxn id="20" idx="4"/>
+            <a:endCxn id="13" idx="0"/>
+          </p:cNvCxnSpPr>
+          <p:nvPr/>
+        </p:nvCxnSpPr>
+        <p:spPr>
+          <a:xfrm>
+            <a:off x="2532185" y="3144129"/>
+            <a:ext cx="1603717" cy="1350498"/>
+          </a:xfrm>
+          <a:prstGeom prst="straightConnector1">
+            <a:avLst/>
+          </a:prstGeom>
+          <a:ln>
+            <a:tailEnd type="triangle"/>
+          </a:ln>
+        </p:spPr>
+        <p:style>
+          <a:lnRef idx="1">
+            <a:schemeClr val="accent1"/>
+          </a:lnRef>
+          <a:fillRef idx="0">
+            <a:schemeClr val="accent1"/>
+          </a:fillRef>
+          <a:effectRef idx="0">
+            <a:schemeClr val="accent1"/>
+          </a:effectRef>
+          <a:fontRef idx="minor">
+            <a:schemeClr val="tx1"/>
+          </a:fontRef>
+        </p:style>
+      </p:cxnSp>
+    </p:spTree>
+    <p:extLst>
+      <p:ext uri="{BB962C8B-B14F-4D97-AF65-F5344CB8AC3E}">
+        <p14:creationId xmlns:p14="http://schemas.microsoft.com/office/powerpoint/2010/main" val="987310487"/>
+      </p:ext>
+    </p:extLst>
+  </p:cSld>
+  <p:clrMapOvr>
+    <a:masterClrMapping/>
+  </p:clrMapOvr>
+  <p:timing>
+    <p:tnLst>
+      <p:par>
+        <p:cTn id="1" dur="indefinite" restart="never" nodeType="tmRoot"/>
+      </p:par>
+    </p:tnLst>
+  </p:timing>
+</p:sld>
+</file>
+
+<file path=ppt/slides/slide8.xml><?xml version="1.0" encoding="utf-8"?>
+<p:sld xmlns:a="http://schemas.openxmlformats.org/drawingml/2006/main" xmlns:r="http://schemas.openxmlformats.org/officeDocument/2006/relationships" xmlns:p="http://schemas.openxmlformats.org/presentationml/2006/main">
+  <p:cSld>
+    <p:spTree>
+      <p:nvGrpSpPr>
+        <p:cNvPr id="1" name=""/>
+        <p:cNvGrpSpPr/>
+        <p:nvPr/>
+      </p:nvGrpSpPr>
+      <p:grpSpPr>
+        <a:xfrm>
+          <a:off x="0" y="0"/>
+          <a:ext cx="0" cy="0"/>
+          <a:chOff x="0" y="0"/>
+          <a:chExt cx="0" cy="0"/>
+        </a:xfrm>
+      </p:grpSpPr>
+      <p:grpSp>
+        <p:nvGrpSpPr>
+          <p:cNvPr id="75" name="Group 74"/>
+          <p:cNvGrpSpPr/>
+          <p:nvPr/>
+        </p:nvGrpSpPr>
+        <p:grpSpPr>
+          <a:xfrm>
+            <a:off x="8911737" y="1088571"/>
+            <a:ext cx="3137095" cy="5083103"/>
+            <a:chOff x="8911737" y="1088571"/>
+            <a:chExt cx="3137095" cy="5083103"/>
+          </a:xfrm>
+        </p:grpSpPr>
+        <p:sp>
+          <p:nvSpPr>
+            <p:cNvPr id="13" name="Rectangle 12"/>
+            <p:cNvSpPr/>
+            <p:nvPr/>
+          </p:nvSpPr>
+          <p:spPr>
+            <a:xfrm>
+              <a:off x="8911737" y="1088571"/>
+              <a:ext cx="3137095" cy="5083103"/>
+            </a:xfrm>
+            <a:prstGeom prst="rect">
+              <a:avLst/>
+            </a:prstGeom>
+            <a:solidFill>
+              <a:schemeClr val="accent1">
+                <a:lumMod val="20000"/>
+                <a:lumOff val="80000"/>
+              </a:schemeClr>
+            </a:solidFill>
+          </p:spPr>
+          <p:style>
+            <a:lnRef idx="2">
+              <a:schemeClr val="accent1">
+                <a:shade val="50000"/>
+              </a:schemeClr>
+            </a:lnRef>
+            <a:fillRef idx="1">
+              <a:schemeClr val="accent1"/>
+            </a:fillRef>
+            <a:effectRef idx="0">
+              <a:schemeClr val="accent1"/>
+            </a:effectRef>
+            <a:fontRef idx="minor">
+              <a:schemeClr val="lt1"/>
+            </a:fontRef>
+          </p:style>
+          <p:txBody>
+            <a:bodyPr rtlCol="0" anchor="ctr"/>
+            <a:lstStyle/>
+            <a:p>
+              <a:pPr algn="ctr"/>
+              <a:endParaRPr lang="zh-CN" altLang="en-US" dirty="0"/>
+            </a:p>
+          </p:txBody>
+        </p:sp>
+        <p:sp>
+          <p:nvSpPr>
+            <p:cNvPr id="73" name="Snip Single Corner Rectangle 72"/>
+            <p:cNvSpPr/>
+            <p:nvPr/>
+          </p:nvSpPr>
+          <p:spPr>
+            <a:xfrm>
+              <a:off x="9491811" y="1399752"/>
+              <a:ext cx="1976945" cy="522515"/>
+            </a:xfrm>
+            <a:prstGeom prst="snip1Rect">
+              <a:avLst/>
+            </a:prstGeom>
+          </p:spPr>
+          <p:style>
+            <a:lnRef idx="2">
+              <a:schemeClr val="accent1">
+                <a:shade val="50000"/>
+              </a:schemeClr>
+            </a:lnRef>
+            <a:fillRef idx="1">
+              <a:schemeClr val="accent1"/>
+            </a:fillRef>
+            <a:effectRef idx="0">
+              <a:schemeClr val="accent1"/>
+            </a:effectRef>
+            <a:fontRef idx="minor">
+              <a:schemeClr val="lt1"/>
+            </a:fontRef>
+          </p:style>
+          <p:txBody>
+            <a:bodyPr rtlCol="0" anchor="ctr"/>
+            <a:lstStyle/>
+            <a:p>
+              <a:pPr algn="ctr"/>
+              <a:r>
+                <a:rPr lang="zh-CN" altLang="en-US" dirty="0" smtClean="0"/>
+                <a:t>某一天的场次</a:t>
+              </a:r>
+              <a:endParaRPr lang="zh-CN" altLang="en-US" dirty="0"/>
+            </a:p>
+          </p:txBody>
+        </p:sp>
+      </p:grpSp>
+      <p:sp>
+        <p:nvSpPr>
+          <p:cNvPr id="2" name="Title 1"/>
+          <p:cNvSpPr>
+            <a:spLocks noGrp="1"/>
+          </p:cNvSpPr>
+          <p:nvPr>
+            <p:ph type="title"/>
+          </p:nvPr>
+        </p:nvSpPr>
+        <p:spPr>
+          <a:xfrm>
+            <a:off x="154744" y="238517"/>
+            <a:ext cx="2130083" cy="507072"/>
+          </a:xfrm>
+        </p:spPr>
+        <p:txBody>
+          <a:bodyPr>
+            <a:noAutofit/>
+          </a:bodyPr>
+          <a:lstStyle/>
+          <a:p>
+            <a:r>
+              <a:rPr lang="zh-CN" altLang="en-US" sz="2800" dirty="0" smtClean="0"/>
+              <a:t>档期与场次</a:t>
+            </a:r>
+            <a:endParaRPr lang="zh-CN" altLang="en-US" sz="2800" dirty="0"/>
+          </a:p>
+        </p:txBody>
+      </p:sp>
+      <p:sp>
+        <p:nvSpPr>
+          <p:cNvPr id="4" name="Rectangle 3"/>
+          <p:cNvSpPr/>
+          <p:nvPr/>
+        </p:nvSpPr>
+        <p:spPr>
+          <a:xfrm>
+            <a:off x="2532181" y="2"/>
+            <a:ext cx="393896" cy="6857999"/>
+          </a:xfrm>
+          <a:prstGeom prst="rect">
+            <a:avLst/>
+          </a:prstGeom>
+          <a:solidFill>
+            <a:schemeClr val="tx2">
+              <a:lumMod val="75000"/>
+            </a:schemeClr>
+          </a:solidFill>
+        </p:spPr>
+        <p:style>
+          <a:lnRef idx="2">
+            <a:schemeClr val="accent1">
+              <a:shade val="50000"/>
+            </a:schemeClr>
+          </a:lnRef>
+          <a:fillRef idx="1">
+            <a:schemeClr val="accent1"/>
+          </a:fillRef>
+          <a:effectRef idx="0">
+            <a:schemeClr val="accent1"/>
+          </a:effectRef>
+          <a:fontRef idx="minor">
+            <a:schemeClr val="lt1"/>
+          </a:fontRef>
+        </p:style>
+        <p:txBody>
+          <a:bodyPr rtlCol="0" anchor="ctr"/>
+          <a:lstStyle/>
+          <a:p>
+            <a:pPr algn="ctr"/>
+            <a:r>
+              <a:rPr lang="zh-CN" altLang="en-US" dirty="0" smtClean="0"/>
+              <a:t>年</a:t>
+            </a:r>
+            <a:endParaRPr lang="zh-CN" altLang="en-US" dirty="0"/>
+          </a:p>
+        </p:txBody>
+      </p:sp>
+      <p:sp>
+        <p:nvSpPr>
+          <p:cNvPr id="5" name="Rectangle 4"/>
+          <p:cNvSpPr/>
+          <p:nvPr/>
+        </p:nvSpPr>
+        <p:spPr>
+          <a:xfrm>
+            <a:off x="2926081" y="1"/>
+            <a:ext cx="2954215" cy="745589"/>
+          </a:xfrm>
+          <a:prstGeom prst="rect">
+            <a:avLst/>
+          </a:prstGeom>
+          <a:solidFill>
+            <a:srgbClr val="00B050"/>
+          </a:solidFill>
+        </p:spPr>
+        <p:style>
+          <a:lnRef idx="2">
+            <a:schemeClr val="accent1">
+              <a:shade val="50000"/>
+            </a:schemeClr>
+          </a:lnRef>
+          <a:fillRef idx="1">
+            <a:schemeClr val="accent1"/>
+          </a:fillRef>
+          <a:effectRef idx="0">
+            <a:schemeClr val="accent1"/>
+          </a:effectRef>
+          <a:fontRef idx="minor">
+            <a:schemeClr val="lt1"/>
+          </a:fontRef>
+        </p:style>
+        <p:txBody>
+          <a:bodyPr rtlCol="0" anchor="ctr"/>
+          <a:lstStyle/>
+          <a:p>
+            <a:pPr algn="ctr"/>
+            <a:r>
+              <a:rPr lang="zh-CN" altLang="en-US" dirty="0" smtClean="0"/>
+              <a:t>节后档</a:t>
+            </a:r>
+            <a:endParaRPr lang="zh-CN" altLang="en-US" dirty="0"/>
+          </a:p>
+        </p:txBody>
+      </p:sp>
+      <p:sp>
+        <p:nvSpPr>
+          <p:cNvPr id="6" name="Rectangle 5"/>
+          <p:cNvSpPr/>
+          <p:nvPr/>
+        </p:nvSpPr>
+        <p:spPr>
+          <a:xfrm>
+            <a:off x="2926079" y="2144691"/>
+            <a:ext cx="2954215" cy="1244991"/>
+          </a:xfrm>
+          <a:prstGeom prst="rect">
+            <a:avLst/>
+          </a:prstGeom>
+          <a:solidFill>
+            <a:srgbClr val="FFC000"/>
+          </a:solidFill>
+        </p:spPr>
+        <p:style>
+          <a:lnRef idx="2">
+            <a:schemeClr val="accent1">
+              <a:shade val="50000"/>
+            </a:schemeClr>
+          </a:lnRef>
+          <a:fillRef idx="1">
+            <a:schemeClr val="accent1"/>
+          </a:fillRef>
+          <a:effectRef idx="0">
+            <a:schemeClr val="accent1"/>
+          </a:effectRef>
+          <a:fontRef idx="minor">
+            <a:schemeClr val="lt1"/>
+          </a:fontRef>
+        </p:style>
+        <p:txBody>
+          <a:bodyPr rtlCol="0" anchor="ctr"/>
+          <a:lstStyle/>
+          <a:p>
+            <a:pPr algn="ctr"/>
+            <a:r>
+              <a:rPr lang="zh-CN" altLang="en-US" dirty="0" smtClean="0"/>
+              <a:t>暑期档</a:t>
+            </a:r>
+            <a:endParaRPr lang="zh-CN" altLang="en-US" dirty="0"/>
+          </a:p>
+        </p:txBody>
+      </p:sp>
+      <p:sp>
+        <p:nvSpPr>
+          <p:cNvPr id="7" name="Rectangle 6"/>
+          <p:cNvSpPr/>
+          <p:nvPr/>
+        </p:nvSpPr>
+        <p:spPr>
+          <a:xfrm>
+            <a:off x="2926081" y="4494630"/>
+            <a:ext cx="2954215" cy="1399101"/>
+          </a:xfrm>
+          <a:prstGeom prst="rect">
+            <a:avLst/>
+          </a:prstGeom>
+          <a:solidFill>
+            <a:schemeClr val="accent2"/>
+          </a:solidFill>
+        </p:spPr>
+        <p:style>
+          <a:lnRef idx="2">
+            <a:schemeClr val="accent1">
+              <a:shade val="50000"/>
+            </a:schemeClr>
+          </a:lnRef>
+          <a:fillRef idx="1">
+            <a:schemeClr val="accent1"/>
+          </a:fillRef>
+          <a:effectRef idx="0">
+            <a:schemeClr val="accent1"/>
+          </a:effectRef>
+          <a:fontRef idx="minor">
+            <a:schemeClr val="lt1"/>
+          </a:fontRef>
+        </p:style>
+        <p:txBody>
+          <a:bodyPr rtlCol="0" anchor="ctr"/>
+          <a:lstStyle/>
+          <a:p>
+            <a:pPr algn="ctr"/>
+            <a:r>
+              <a:rPr lang="en-US" altLang="zh-CN" dirty="0" smtClean="0"/>
+              <a:t>XX</a:t>
+            </a:r>
+            <a:r>
+              <a:rPr lang="zh-CN" altLang="en-US" dirty="0" smtClean="0"/>
+              <a:t>档</a:t>
+            </a:r>
+            <a:endParaRPr lang="zh-CN" altLang="en-US" dirty="0"/>
+          </a:p>
+        </p:txBody>
+      </p:sp>
+      <p:sp>
+        <p:nvSpPr>
+          <p:cNvPr id="8" name="Rectangle 7"/>
+          <p:cNvSpPr/>
+          <p:nvPr/>
+        </p:nvSpPr>
+        <p:spPr>
+          <a:xfrm>
+            <a:off x="2926080" y="5893732"/>
+            <a:ext cx="2954215" cy="964269"/>
+          </a:xfrm>
+          <a:prstGeom prst="rect">
+            <a:avLst/>
+          </a:prstGeom>
+          <a:solidFill>
+            <a:srgbClr val="7030A0"/>
+          </a:solidFill>
+        </p:spPr>
+        <p:style>
+          <a:lnRef idx="2">
+            <a:schemeClr val="accent1">
+              <a:shade val="50000"/>
+            </a:schemeClr>
+          </a:lnRef>
+          <a:fillRef idx="1">
+            <a:schemeClr val="accent1"/>
+          </a:fillRef>
+          <a:effectRef idx="0">
+            <a:schemeClr val="accent1"/>
+          </a:effectRef>
+          <a:fontRef idx="minor">
+            <a:schemeClr val="lt1"/>
+          </a:fontRef>
+        </p:style>
+        <p:txBody>
+          <a:bodyPr rtlCol="0" anchor="ctr"/>
+          <a:lstStyle/>
+          <a:p>
+            <a:pPr algn="ctr"/>
+            <a:r>
+              <a:rPr lang="zh-CN" altLang="en-US" dirty="0" smtClean="0"/>
+              <a:t>假期档</a:t>
+            </a:r>
+            <a:endParaRPr lang="zh-CN" altLang="en-US" dirty="0"/>
+          </a:p>
+        </p:txBody>
+      </p:sp>
+      <p:sp>
+        <p:nvSpPr>
+          <p:cNvPr id="9" name="Rectangle 8"/>
+          <p:cNvSpPr/>
+          <p:nvPr/>
+        </p:nvSpPr>
+        <p:spPr>
+          <a:xfrm>
+            <a:off x="2926078" y="731524"/>
+            <a:ext cx="2954215" cy="1413167"/>
+          </a:xfrm>
+          <a:prstGeom prst="rect">
+            <a:avLst/>
+          </a:prstGeom>
+          <a:solidFill>
+            <a:schemeClr val="accent5"/>
+          </a:solidFill>
+        </p:spPr>
+        <p:style>
+          <a:lnRef idx="2">
+            <a:schemeClr val="accent1">
+              <a:shade val="50000"/>
+            </a:schemeClr>
+          </a:lnRef>
+          <a:fillRef idx="1">
+            <a:schemeClr val="accent1"/>
+          </a:fillRef>
+          <a:effectRef idx="0">
+            <a:schemeClr val="accent1"/>
+          </a:effectRef>
+          <a:fontRef idx="minor">
+            <a:schemeClr val="lt1"/>
+          </a:fontRef>
+        </p:style>
+        <p:txBody>
+          <a:bodyPr rtlCol="0" anchor="ctr"/>
+          <a:lstStyle/>
+          <a:p>
+            <a:pPr algn="ctr"/>
+            <a:r>
+              <a:rPr lang="en-US" altLang="zh-CN" dirty="0" smtClean="0"/>
+              <a:t>XX</a:t>
+            </a:r>
+            <a:r>
+              <a:rPr lang="zh-CN" altLang="en-US" dirty="0" smtClean="0"/>
+              <a:t>档</a:t>
+            </a:r>
+            <a:endParaRPr lang="zh-CN" altLang="en-US" dirty="0"/>
+          </a:p>
+        </p:txBody>
+      </p:sp>
+      <p:sp>
+        <p:nvSpPr>
+          <p:cNvPr id="10" name="Rectangle 9"/>
+          <p:cNvSpPr/>
+          <p:nvPr/>
+        </p:nvSpPr>
+        <p:spPr>
+          <a:xfrm>
+            <a:off x="2926078" y="3389682"/>
+            <a:ext cx="2954215" cy="1104947"/>
+          </a:xfrm>
+          <a:prstGeom prst="rect">
+            <a:avLst/>
+          </a:prstGeom>
+          <a:solidFill>
+            <a:schemeClr val="bg2">
+              <a:lumMod val="75000"/>
+            </a:schemeClr>
+          </a:solidFill>
+        </p:spPr>
+        <p:style>
+          <a:lnRef idx="2">
+            <a:schemeClr val="accent1">
+              <a:shade val="50000"/>
+            </a:schemeClr>
+          </a:lnRef>
+          <a:fillRef idx="1">
+            <a:schemeClr val="accent1"/>
+          </a:fillRef>
+          <a:effectRef idx="0">
+            <a:schemeClr val="accent1"/>
+          </a:effectRef>
+          <a:fontRef idx="minor">
+            <a:schemeClr val="lt1"/>
+          </a:fontRef>
+        </p:style>
+        <p:txBody>
+          <a:bodyPr rtlCol="0" anchor="ctr"/>
+          <a:lstStyle/>
+          <a:p>
+            <a:pPr algn="ctr"/>
+            <a:r>
+              <a:rPr lang="en-US" altLang="zh-CN" dirty="0" smtClean="0"/>
+              <a:t>.</a:t>
+            </a:r>
+          </a:p>
+          <a:p>
+            <a:pPr algn="ctr"/>
+            <a:r>
+              <a:rPr lang="en-US" altLang="zh-CN" dirty="0" smtClean="0"/>
+              <a:t>.</a:t>
+            </a:r>
+          </a:p>
+          <a:p>
+            <a:pPr algn="ctr"/>
+            <a:r>
+              <a:rPr lang="en-US" altLang="zh-CN" dirty="0" smtClean="0"/>
+              <a:t>.</a:t>
+            </a:r>
+            <a:endParaRPr lang="zh-CN" altLang="en-US" dirty="0"/>
+          </a:p>
+        </p:txBody>
+      </p:sp>
+      <p:cxnSp>
+        <p:nvCxnSpPr>
+          <p:cNvPr id="17" name="Straight Connector 16"/>
+          <p:cNvCxnSpPr/>
+          <p:nvPr/>
+        </p:nvCxnSpPr>
+        <p:spPr>
+          <a:xfrm flipV="1">
+            <a:off x="5880293" y="731523"/>
+            <a:ext cx="2651760" cy="1"/>
+          </a:xfrm>
+          <a:prstGeom prst="line">
+            <a:avLst/>
+          </a:prstGeom>
+        </p:spPr>
+        <p:style>
+          <a:lnRef idx="1">
+            <a:schemeClr val="accent1"/>
+          </a:lnRef>
+          <a:fillRef idx="0">
+            <a:schemeClr val="accent1"/>
+          </a:fillRef>
+          <a:effectRef idx="0">
+            <a:schemeClr val="accent1"/>
+          </a:effectRef>
+          <a:fontRef idx="minor">
+            <a:schemeClr val="tx1"/>
+          </a:fontRef>
+        </p:style>
+      </p:cxnSp>
+      <p:cxnSp>
+        <p:nvCxnSpPr>
+          <p:cNvPr id="19" name="Straight Connector 18"/>
+          <p:cNvCxnSpPr/>
+          <p:nvPr/>
+        </p:nvCxnSpPr>
+        <p:spPr>
+          <a:xfrm flipV="1">
+            <a:off x="5880292" y="2158756"/>
+            <a:ext cx="2651760" cy="1"/>
+          </a:xfrm>
+          <a:prstGeom prst="line">
+            <a:avLst/>
+          </a:prstGeom>
+        </p:spPr>
+        <p:style>
+          <a:lnRef idx="1">
+            <a:schemeClr val="accent1"/>
+          </a:lnRef>
+          <a:fillRef idx="0">
+            <a:schemeClr val="accent1"/>
+          </a:fillRef>
+          <a:effectRef idx="0">
+            <a:schemeClr val="accent1"/>
+          </a:effectRef>
+          <a:fontRef idx="minor">
+            <a:schemeClr val="tx1"/>
+          </a:fontRef>
+        </p:style>
+      </p:cxnSp>
+      <p:cxnSp>
+        <p:nvCxnSpPr>
+          <p:cNvPr id="20" name="Straight Connector 19"/>
+          <p:cNvCxnSpPr/>
+          <p:nvPr/>
+        </p:nvCxnSpPr>
+        <p:spPr>
+          <a:xfrm flipV="1">
+            <a:off x="5880291" y="3375615"/>
+            <a:ext cx="2651760" cy="1"/>
+          </a:xfrm>
+          <a:prstGeom prst="line">
+            <a:avLst/>
+          </a:prstGeom>
+        </p:spPr>
+        <p:style>
+          <a:lnRef idx="1">
+            <a:schemeClr val="accent1"/>
+          </a:lnRef>
+          <a:fillRef idx="0">
+            <a:schemeClr val="accent1"/>
+          </a:fillRef>
+          <a:effectRef idx="0">
+            <a:schemeClr val="accent1"/>
+          </a:effectRef>
+          <a:fontRef idx="minor">
+            <a:schemeClr val="tx1"/>
+          </a:fontRef>
+        </p:style>
+      </p:cxnSp>
+      <p:cxnSp>
+        <p:nvCxnSpPr>
+          <p:cNvPr id="21" name="Straight Connector 20"/>
+          <p:cNvCxnSpPr/>
+          <p:nvPr/>
+        </p:nvCxnSpPr>
+        <p:spPr>
+          <a:xfrm flipV="1">
+            <a:off x="5880290" y="4479928"/>
+            <a:ext cx="2651760" cy="1"/>
+          </a:xfrm>
+          <a:prstGeom prst="line">
+            <a:avLst/>
+          </a:prstGeom>
+        </p:spPr>
+        <p:style>
+          <a:lnRef idx="1">
+            <a:schemeClr val="accent1"/>
+          </a:lnRef>
+          <a:fillRef idx="0">
+            <a:schemeClr val="accent1"/>
+          </a:fillRef>
+          <a:effectRef idx="0">
+            <a:schemeClr val="accent1"/>
+          </a:effectRef>
+          <a:fontRef idx="minor">
+            <a:schemeClr val="tx1"/>
+          </a:fontRef>
+        </p:style>
+      </p:cxnSp>
+      <p:cxnSp>
+        <p:nvCxnSpPr>
+          <p:cNvPr id="22" name="Straight Connector 21"/>
+          <p:cNvCxnSpPr/>
+          <p:nvPr/>
+        </p:nvCxnSpPr>
+        <p:spPr>
+          <a:xfrm flipV="1">
+            <a:off x="5880290" y="5878715"/>
+            <a:ext cx="2651760" cy="1"/>
+          </a:xfrm>
+          <a:prstGeom prst="line">
+            <a:avLst/>
+          </a:prstGeom>
+        </p:spPr>
+        <p:style>
+          <a:lnRef idx="1">
+            <a:schemeClr val="accent1"/>
+          </a:lnRef>
+          <a:fillRef idx="0">
+            <a:schemeClr val="accent1"/>
+          </a:fillRef>
+          <a:effectRef idx="0">
+            <a:schemeClr val="accent1"/>
+          </a:effectRef>
+          <a:fontRef idx="minor">
+            <a:schemeClr val="tx1"/>
+          </a:fontRef>
+        </p:style>
+      </p:cxnSp>
+      <p:cxnSp>
+        <p:nvCxnSpPr>
+          <p:cNvPr id="23" name="Straight Connector 22"/>
+          <p:cNvCxnSpPr/>
+          <p:nvPr/>
+        </p:nvCxnSpPr>
+        <p:spPr>
+          <a:xfrm flipV="1">
+            <a:off x="5880290" y="6857999"/>
+            <a:ext cx="2651760" cy="1"/>
+          </a:xfrm>
+          <a:prstGeom prst="line">
+            <a:avLst/>
+          </a:prstGeom>
+        </p:spPr>
+        <p:style>
+          <a:lnRef idx="1">
+            <a:schemeClr val="accent1"/>
+          </a:lnRef>
+          <a:fillRef idx="0">
+            <a:schemeClr val="accent1"/>
+          </a:fillRef>
+          <a:effectRef idx="0">
+            <a:schemeClr val="accent1"/>
+          </a:effectRef>
+          <a:fontRef idx="minor">
+            <a:schemeClr val="tx1"/>
+          </a:fontRef>
+        </p:style>
+      </p:cxnSp>
+      <p:cxnSp>
+        <p:nvCxnSpPr>
+          <p:cNvPr id="24" name="Straight Connector 23"/>
+          <p:cNvCxnSpPr/>
+          <p:nvPr/>
+        </p:nvCxnSpPr>
+        <p:spPr>
+          <a:xfrm flipV="1">
+            <a:off x="5880290" y="17906"/>
+            <a:ext cx="2651760" cy="1"/>
+          </a:xfrm>
+          <a:prstGeom prst="line">
+            <a:avLst/>
+          </a:prstGeom>
+        </p:spPr>
+        <p:style>
+          <a:lnRef idx="1">
+            <a:schemeClr val="accent1"/>
+          </a:lnRef>
+          <a:fillRef idx="0">
+            <a:schemeClr val="accent1"/>
+          </a:fillRef>
+          <a:effectRef idx="0">
+            <a:schemeClr val="accent1"/>
+          </a:effectRef>
+          <a:fontRef idx="minor">
+            <a:schemeClr val="tx1"/>
+          </a:fontRef>
+        </p:style>
+      </p:cxnSp>
+      <p:cxnSp>
+        <p:nvCxnSpPr>
+          <p:cNvPr id="25" name="Straight Connector 24"/>
+          <p:cNvCxnSpPr/>
+          <p:nvPr/>
+        </p:nvCxnSpPr>
+        <p:spPr>
+          <a:xfrm>
+            <a:off x="8536443" y="17906"/>
+            <a:ext cx="0" cy="6857998"/>
+          </a:xfrm>
+          <a:prstGeom prst="line">
+            <a:avLst/>
+          </a:prstGeom>
+        </p:spPr>
+        <p:style>
+          <a:lnRef idx="1">
+            <a:schemeClr val="accent1"/>
+          </a:lnRef>
+          <a:fillRef idx="0">
+            <a:schemeClr val="accent1"/>
+          </a:fillRef>
+          <a:effectRef idx="0">
+            <a:schemeClr val="accent1"/>
+          </a:effectRef>
+          <a:fontRef idx="minor">
+            <a:schemeClr val="tx1"/>
+          </a:fontRef>
+        </p:style>
+      </p:cxnSp>
+      <p:sp>
+        <p:nvSpPr>
+          <p:cNvPr id="33" name="Flowchart: Multidocument 32"/>
+          <p:cNvSpPr/>
+          <p:nvPr/>
+        </p:nvSpPr>
+        <p:spPr>
+          <a:xfrm>
+            <a:off x="6293541" y="108794"/>
+            <a:ext cx="1601652" cy="513575"/>
+          </a:xfrm>
+          <a:prstGeom prst="flowChartMultidocument">
+            <a:avLst/>
+          </a:prstGeom>
+          <a:solidFill>
+            <a:srgbClr val="00B0F0"/>
+          </a:solidFill>
+        </p:spPr>
+        <p:style>
+          <a:lnRef idx="2">
+            <a:schemeClr val="accent1">
+              <a:shade val="50000"/>
+            </a:schemeClr>
+          </a:lnRef>
+          <a:fillRef idx="1">
+            <a:schemeClr val="accent1"/>
+          </a:fillRef>
+          <a:effectRef idx="0">
+            <a:schemeClr val="accent1"/>
+          </a:effectRef>
+          <a:fontRef idx="minor">
+            <a:schemeClr val="lt1"/>
+          </a:fontRef>
+        </p:style>
+        <p:txBody>
+          <a:bodyPr rtlCol="0" anchor="ctr"/>
+          <a:lstStyle/>
+          <a:p>
+            <a:pPr algn="ctr"/>
+            <a:r>
+              <a:rPr lang="zh-CN" altLang="en-US" dirty="0" smtClean="0"/>
+              <a:t>上档电影集</a:t>
+            </a:r>
+            <a:endParaRPr lang="zh-CN" altLang="en-US" dirty="0"/>
+          </a:p>
+        </p:txBody>
+      </p:sp>
+      <p:sp>
+        <p:nvSpPr>
+          <p:cNvPr id="34" name="Flowchart: Multidocument 33"/>
+          <p:cNvSpPr/>
+          <p:nvPr/>
+        </p:nvSpPr>
+        <p:spPr>
+          <a:xfrm>
+            <a:off x="6293541" y="1212711"/>
+            <a:ext cx="1601652" cy="513575"/>
+          </a:xfrm>
+          <a:prstGeom prst="flowChartMultidocument">
+            <a:avLst/>
+          </a:prstGeom>
+          <a:solidFill>
+            <a:srgbClr val="00B0F0"/>
+          </a:solidFill>
+        </p:spPr>
+        <p:style>
+          <a:lnRef idx="2">
+            <a:schemeClr val="accent1">
+              <a:shade val="50000"/>
+            </a:schemeClr>
+          </a:lnRef>
+          <a:fillRef idx="1">
+            <a:schemeClr val="accent1"/>
+          </a:fillRef>
+          <a:effectRef idx="0">
+            <a:schemeClr val="accent1"/>
+          </a:effectRef>
+          <a:fontRef idx="minor">
+            <a:schemeClr val="lt1"/>
+          </a:fontRef>
+        </p:style>
+        <p:txBody>
+          <a:bodyPr rtlCol="0" anchor="ctr"/>
+          <a:lstStyle/>
+          <a:p>
+            <a:pPr algn="ctr"/>
+            <a:r>
+              <a:rPr lang="zh-CN" altLang="en-US" dirty="0" smtClean="0"/>
+              <a:t>上档电影集</a:t>
+            </a:r>
+            <a:endParaRPr lang="zh-CN" altLang="en-US" dirty="0"/>
+          </a:p>
+        </p:txBody>
+      </p:sp>
+      <p:sp>
+        <p:nvSpPr>
+          <p:cNvPr id="35" name="Flowchart: Multidocument 34"/>
+          <p:cNvSpPr/>
+          <p:nvPr/>
+        </p:nvSpPr>
+        <p:spPr>
+          <a:xfrm>
+            <a:off x="6293541" y="2546657"/>
+            <a:ext cx="1601652" cy="513575"/>
+          </a:xfrm>
+          <a:prstGeom prst="flowChartMultidocument">
+            <a:avLst/>
+          </a:prstGeom>
+          <a:solidFill>
+            <a:srgbClr val="00B0F0"/>
+          </a:solidFill>
+        </p:spPr>
+        <p:style>
+          <a:lnRef idx="2">
+            <a:schemeClr val="accent1">
+              <a:shade val="50000"/>
+            </a:schemeClr>
+          </a:lnRef>
+          <a:fillRef idx="1">
+            <a:schemeClr val="accent1"/>
+          </a:fillRef>
+          <a:effectRef idx="0">
+            <a:schemeClr val="accent1"/>
+          </a:effectRef>
+          <a:fontRef idx="minor">
+            <a:schemeClr val="lt1"/>
+          </a:fontRef>
+        </p:style>
+        <p:txBody>
+          <a:bodyPr rtlCol="0" anchor="ctr"/>
+          <a:lstStyle/>
+          <a:p>
+            <a:pPr algn="ctr"/>
+            <a:r>
+              <a:rPr lang="zh-CN" altLang="en-US" dirty="0" smtClean="0"/>
+              <a:t>上档电影集</a:t>
+            </a:r>
+            <a:endParaRPr lang="zh-CN" altLang="en-US" dirty="0"/>
+          </a:p>
+        </p:txBody>
+      </p:sp>
+      <p:sp>
+        <p:nvSpPr>
+          <p:cNvPr id="36" name="Flowchart: Multidocument 35"/>
+          <p:cNvSpPr/>
+          <p:nvPr/>
+        </p:nvSpPr>
+        <p:spPr>
+          <a:xfrm>
+            <a:off x="6293541" y="3670984"/>
+            <a:ext cx="1601652" cy="513575"/>
+          </a:xfrm>
+          <a:prstGeom prst="flowChartMultidocument">
+            <a:avLst/>
+          </a:prstGeom>
+          <a:solidFill>
+            <a:srgbClr val="00B0F0"/>
+          </a:solidFill>
+        </p:spPr>
+        <p:style>
+          <a:lnRef idx="2">
+            <a:schemeClr val="accent1">
+              <a:shade val="50000"/>
+            </a:schemeClr>
+          </a:lnRef>
+          <a:fillRef idx="1">
+            <a:schemeClr val="accent1"/>
+          </a:fillRef>
+          <a:effectRef idx="0">
+            <a:schemeClr val="accent1"/>
+          </a:effectRef>
+          <a:fontRef idx="minor">
+            <a:schemeClr val="lt1"/>
+          </a:fontRef>
+        </p:style>
+        <p:txBody>
+          <a:bodyPr rtlCol="0" anchor="ctr"/>
+          <a:lstStyle/>
+          <a:p>
+            <a:pPr algn="ctr"/>
+            <a:r>
+              <a:rPr lang="zh-CN" altLang="en-US" dirty="0" smtClean="0"/>
+              <a:t>上档电影集</a:t>
+            </a:r>
+            <a:endParaRPr lang="zh-CN" altLang="en-US" dirty="0"/>
+          </a:p>
+        </p:txBody>
+      </p:sp>
+      <p:sp>
+        <p:nvSpPr>
+          <p:cNvPr id="37" name="Flowchart: Multidocument 36"/>
+          <p:cNvSpPr/>
+          <p:nvPr/>
+        </p:nvSpPr>
+        <p:spPr>
+          <a:xfrm>
+            <a:off x="6259983" y="4966676"/>
+            <a:ext cx="1601652" cy="513575"/>
+          </a:xfrm>
+          <a:prstGeom prst="flowChartMultidocument">
+            <a:avLst/>
+          </a:prstGeom>
+          <a:solidFill>
+            <a:srgbClr val="00B0F0"/>
+          </a:solidFill>
+        </p:spPr>
+        <p:style>
+          <a:lnRef idx="2">
+            <a:schemeClr val="accent1">
+              <a:shade val="50000"/>
+            </a:schemeClr>
+          </a:lnRef>
+          <a:fillRef idx="1">
+            <a:schemeClr val="accent1"/>
+          </a:fillRef>
+          <a:effectRef idx="0">
+            <a:schemeClr val="accent1"/>
+          </a:effectRef>
+          <a:fontRef idx="minor">
+            <a:schemeClr val="lt1"/>
+          </a:fontRef>
+        </p:style>
+        <p:txBody>
+          <a:bodyPr rtlCol="0" anchor="ctr"/>
+          <a:lstStyle/>
+          <a:p>
+            <a:pPr algn="ctr"/>
+            <a:r>
+              <a:rPr lang="zh-CN" altLang="en-US" dirty="0" smtClean="0"/>
+              <a:t>上档电影集</a:t>
+            </a:r>
+            <a:endParaRPr lang="zh-CN" altLang="en-US" dirty="0"/>
+          </a:p>
+        </p:txBody>
+      </p:sp>
+      <p:sp>
+        <p:nvSpPr>
+          <p:cNvPr id="38" name="Flowchart: Multidocument 37"/>
+          <p:cNvSpPr/>
+          <p:nvPr/>
+        </p:nvSpPr>
+        <p:spPr>
+          <a:xfrm>
+            <a:off x="6175129" y="6171674"/>
+            <a:ext cx="1601652" cy="513575"/>
+          </a:xfrm>
+          <a:prstGeom prst="flowChartMultidocument">
+            <a:avLst/>
+          </a:prstGeom>
+          <a:solidFill>
+            <a:srgbClr val="00B0F0"/>
+          </a:solidFill>
+        </p:spPr>
+        <p:style>
+          <a:lnRef idx="2">
+            <a:schemeClr val="accent1">
+              <a:shade val="50000"/>
+            </a:schemeClr>
+          </a:lnRef>
+          <a:fillRef idx="1">
+            <a:schemeClr val="accent1"/>
+          </a:fillRef>
+          <a:effectRef idx="0">
+            <a:schemeClr val="accent1"/>
+          </a:effectRef>
+          <a:fontRef idx="minor">
+            <a:schemeClr val="lt1"/>
+          </a:fontRef>
+        </p:style>
+        <p:txBody>
+          <a:bodyPr rtlCol="0" anchor="ctr"/>
+          <a:lstStyle/>
+          <a:p>
+            <a:pPr algn="ctr"/>
+            <a:r>
+              <a:rPr lang="zh-CN" altLang="en-US" dirty="0" smtClean="0"/>
+              <a:t>上档电影集</a:t>
+            </a:r>
+            <a:endParaRPr lang="zh-CN" altLang="en-US" dirty="0"/>
+          </a:p>
+        </p:txBody>
+      </p:sp>
+      <p:sp>
+        <p:nvSpPr>
+          <p:cNvPr id="39" name="Snip Single Corner Rectangle 38"/>
+          <p:cNvSpPr/>
+          <p:nvPr/>
+        </p:nvSpPr>
+        <p:spPr>
+          <a:xfrm>
+            <a:off x="9291713" y="2399666"/>
+            <a:ext cx="2182608" cy="401966"/>
+          </a:xfrm>
+          <a:prstGeom prst="snip1Rect">
+            <a:avLst/>
+          </a:prstGeom>
+          <a:solidFill>
+            <a:srgbClr val="002060"/>
+          </a:solidFill>
+        </p:spPr>
+        <p:style>
+          <a:lnRef idx="2">
+            <a:schemeClr val="accent1">
+              <a:shade val="50000"/>
+            </a:schemeClr>
+          </a:lnRef>
+          <a:fillRef idx="1">
+            <a:schemeClr val="accent1"/>
+          </a:fillRef>
+          <a:effectRef idx="0">
+            <a:schemeClr val="accent1"/>
+          </a:effectRef>
+          <a:fontRef idx="minor">
+            <a:schemeClr val="lt1"/>
+          </a:fontRef>
+        </p:style>
+        <p:txBody>
+          <a:bodyPr rtlCol="0" anchor="ctr"/>
+          <a:lstStyle/>
+          <a:p>
+            <a:pPr algn="ctr"/>
+            <a:r>
+              <a:rPr lang="zh-CN" altLang="en-US" dirty="0" smtClean="0"/>
+              <a:t>场</a:t>
+            </a:r>
+            <a:endParaRPr lang="zh-CN" altLang="en-US" dirty="0"/>
+          </a:p>
+        </p:txBody>
+      </p:sp>
+      <p:sp>
+        <p:nvSpPr>
+          <p:cNvPr id="42" name="Snip Single Corner Rectangle 41"/>
+          <p:cNvSpPr/>
+          <p:nvPr/>
+        </p:nvSpPr>
+        <p:spPr>
+          <a:xfrm>
+            <a:off x="9291713" y="3228018"/>
+            <a:ext cx="2182608" cy="401966"/>
+          </a:xfrm>
+          <a:prstGeom prst="snip1Rect">
+            <a:avLst/>
+          </a:prstGeom>
+          <a:solidFill>
+            <a:srgbClr val="002060"/>
+          </a:solidFill>
+        </p:spPr>
+        <p:style>
+          <a:lnRef idx="2">
+            <a:schemeClr val="accent1">
+              <a:shade val="50000"/>
+            </a:schemeClr>
+          </a:lnRef>
+          <a:fillRef idx="1">
+            <a:schemeClr val="accent1"/>
+          </a:fillRef>
+          <a:effectRef idx="0">
+            <a:schemeClr val="accent1"/>
+          </a:effectRef>
+          <a:fontRef idx="minor">
+            <a:schemeClr val="lt1"/>
+          </a:fontRef>
+        </p:style>
+        <p:txBody>
+          <a:bodyPr rtlCol="0" anchor="ctr"/>
+          <a:lstStyle/>
+          <a:p>
+            <a:pPr algn="ctr"/>
+            <a:r>
+              <a:rPr lang="zh-CN" altLang="en-US" dirty="0" smtClean="0"/>
+              <a:t>场</a:t>
+            </a:r>
+            <a:endParaRPr lang="zh-CN" altLang="en-US" dirty="0"/>
+          </a:p>
+        </p:txBody>
+      </p:sp>
+      <p:sp>
+        <p:nvSpPr>
+          <p:cNvPr id="44" name="Snip Single Corner Rectangle 43"/>
+          <p:cNvSpPr/>
+          <p:nvPr/>
+        </p:nvSpPr>
+        <p:spPr>
+          <a:xfrm>
+            <a:off x="9311748" y="4278945"/>
+            <a:ext cx="2182608" cy="401966"/>
+          </a:xfrm>
+          <a:prstGeom prst="snip1Rect">
+            <a:avLst/>
+          </a:prstGeom>
+          <a:solidFill>
+            <a:srgbClr val="002060"/>
+          </a:solidFill>
+        </p:spPr>
+        <p:style>
+          <a:lnRef idx="2">
+            <a:schemeClr val="accent1">
+              <a:shade val="50000"/>
+            </a:schemeClr>
+          </a:lnRef>
+          <a:fillRef idx="1">
+            <a:schemeClr val="accent1"/>
+          </a:fillRef>
+          <a:effectRef idx="0">
+            <a:schemeClr val="accent1"/>
+          </a:effectRef>
+          <a:fontRef idx="minor">
+            <a:schemeClr val="lt1"/>
+          </a:fontRef>
+        </p:style>
+        <p:txBody>
+          <a:bodyPr rtlCol="0" anchor="ctr"/>
+          <a:lstStyle/>
+          <a:p>
+            <a:pPr algn="ctr"/>
+            <a:r>
+              <a:rPr lang="zh-CN" altLang="en-US" dirty="0" smtClean="0"/>
+              <a:t>场</a:t>
+            </a:r>
+            <a:endParaRPr lang="zh-CN" altLang="en-US" dirty="0"/>
+          </a:p>
+        </p:txBody>
+      </p:sp>
+      <p:sp>
+        <p:nvSpPr>
+          <p:cNvPr id="45" name="Snip Single Corner Rectangle 44"/>
+          <p:cNvSpPr/>
+          <p:nvPr/>
+        </p:nvSpPr>
+        <p:spPr>
+          <a:xfrm>
+            <a:off x="9311748" y="5203568"/>
+            <a:ext cx="2182608" cy="401966"/>
+          </a:xfrm>
+          <a:prstGeom prst="snip1Rect">
+            <a:avLst/>
+          </a:prstGeom>
+          <a:solidFill>
+            <a:srgbClr val="002060"/>
+          </a:solidFill>
+        </p:spPr>
+        <p:style>
+          <a:lnRef idx="2">
+            <a:schemeClr val="accent1">
+              <a:shade val="50000"/>
+            </a:schemeClr>
+          </a:lnRef>
+          <a:fillRef idx="1">
+            <a:schemeClr val="accent1"/>
+          </a:fillRef>
+          <a:effectRef idx="0">
+            <a:schemeClr val="accent1"/>
+          </a:effectRef>
+          <a:fontRef idx="minor">
+            <a:schemeClr val="lt1"/>
+          </a:fontRef>
+        </p:style>
+        <p:txBody>
+          <a:bodyPr rtlCol="0" anchor="ctr"/>
+          <a:lstStyle/>
+          <a:p>
+            <a:pPr algn="ctr"/>
+            <a:r>
+              <a:rPr lang="zh-CN" altLang="en-US" dirty="0" smtClean="0"/>
+              <a:t>场</a:t>
+            </a:r>
+            <a:endParaRPr lang="zh-CN" altLang="en-US" dirty="0"/>
+          </a:p>
+        </p:txBody>
+      </p:sp>
+      <p:sp>
+        <p:nvSpPr>
+          <p:cNvPr id="46" name="Flowchart: Document 45"/>
+          <p:cNvSpPr/>
+          <p:nvPr/>
+        </p:nvSpPr>
+        <p:spPr>
+          <a:xfrm>
+            <a:off x="9419772" y="2457850"/>
+            <a:ext cx="740228" cy="288196"/>
+          </a:xfrm>
+          <a:prstGeom prst="flowChartDocument">
+            <a:avLst/>
+          </a:prstGeom>
+          <a:solidFill>
+            <a:srgbClr val="00B0F0"/>
+          </a:solidFill>
+        </p:spPr>
+        <p:style>
+          <a:lnRef idx="2">
+            <a:schemeClr val="accent1">
+              <a:shade val="50000"/>
+            </a:schemeClr>
+          </a:lnRef>
+          <a:fillRef idx="1">
+            <a:schemeClr val="accent1"/>
+          </a:fillRef>
+          <a:effectRef idx="0">
+            <a:schemeClr val="accent1"/>
+          </a:effectRef>
+          <a:fontRef idx="minor">
+            <a:schemeClr val="lt1"/>
+          </a:fontRef>
+        </p:style>
+        <p:txBody>
+          <a:bodyPr rtlCol="0" anchor="ctr"/>
+          <a:lstStyle/>
+          <a:p>
+            <a:pPr algn="ctr"/>
+            <a:r>
+              <a:rPr lang="zh-CN" altLang="en-US" dirty="0" smtClean="0"/>
+              <a:t>电影</a:t>
+            </a:r>
+            <a:endParaRPr lang="zh-CN" altLang="en-US" dirty="0"/>
+          </a:p>
+        </p:txBody>
+      </p:sp>
+      <p:sp>
+        <p:nvSpPr>
+          <p:cNvPr id="47" name="Flowchart: Document 46"/>
+          <p:cNvSpPr/>
+          <p:nvPr/>
+        </p:nvSpPr>
+        <p:spPr>
+          <a:xfrm>
+            <a:off x="9419772" y="3268703"/>
+            <a:ext cx="740228" cy="288196"/>
+          </a:xfrm>
+          <a:prstGeom prst="flowChartDocument">
+            <a:avLst/>
+          </a:prstGeom>
+          <a:solidFill>
+            <a:srgbClr val="00B0F0"/>
+          </a:solidFill>
+        </p:spPr>
+        <p:style>
+          <a:lnRef idx="2">
+            <a:schemeClr val="accent1">
+              <a:shade val="50000"/>
+            </a:schemeClr>
+          </a:lnRef>
+          <a:fillRef idx="1">
+            <a:schemeClr val="accent1"/>
+          </a:fillRef>
+          <a:effectRef idx="0">
+            <a:schemeClr val="accent1"/>
+          </a:effectRef>
+          <a:fontRef idx="minor">
+            <a:schemeClr val="lt1"/>
+          </a:fontRef>
+        </p:style>
+        <p:txBody>
+          <a:bodyPr rtlCol="0" anchor="ctr"/>
+          <a:lstStyle/>
+          <a:p>
+            <a:pPr algn="ctr"/>
+            <a:r>
+              <a:rPr lang="zh-CN" altLang="en-US" dirty="0" smtClean="0"/>
+              <a:t>电影</a:t>
+            </a:r>
+            <a:endParaRPr lang="zh-CN" altLang="en-US" dirty="0"/>
+          </a:p>
+        </p:txBody>
+      </p:sp>
+      <p:sp>
+        <p:nvSpPr>
+          <p:cNvPr id="48" name="Flowchart: Document 47"/>
+          <p:cNvSpPr/>
+          <p:nvPr/>
+        </p:nvSpPr>
+        <p:spPr>
+          <a:xfrm>
+            <a:off x="9419772" y="4329563"/>
+            <a:ext cx="740228" cy="288196"/>
+          </a:xfrm>
+          <a:prstGeom prst="flowChartDocument">
+            <a:avLst/>
+          </a:prstGeom>
+          <a:solidFill>
+            <a:srgbClr val="00B0F0"/>
+          </a:solidFill>
+        </p:spPr>
+        <p:style>
+          <a:lnRef idx="2">
+            <a:schemeClr val="accent1">
+              <a:shade val="50000"/>
+            </a:schemeClr>
+          </a:lnRef>
+          <a:fillRef idx="1">
+            <a:schemeClr val="accent1"/>
+          </a:fillRef>
+          <a:effectRef idx="0">
+            <a:schemeClr val="accent1"/>
+          </a:effectRef>
+          <a:fontRef idx="minor">
+            <a:schemeClr val="lt1"/>
+          </a:fontRef>
+        </p:style>
+        <p:txBody>
+          <a:bodyPr rtlCol="0" anchor="ctr"/>
+          <a:lstStyle/>
+          <a:p>
+            <a:pPr algn="ctr"/>
+            <a:r>
+              <a:rPr lang="zh-CN" altLang="en-US" dirty="0" smtClean="0"/>
+              <a:t>电影</a:t>
+            </a:r>
+            <a:endParaRPr lang="zh-CN" altLang="en-US" dirty="0"/>
+          </a:p>
+        </p:txBody>
+      </p:sp>
+      <p:sp>
+        <p:nvSpPr>
+          <p:cNvPr id="49" name="Flowchart: Document 48"/>
+          <p:cNvSpPr/>
+          <p:nvPr/>
+        </p:nvSpPr>
+        <p:spPr>
+          <a:xfrm>
+            <a:off x="9419772" y="5278979"/>
+            <a:ext cx="740228" cy="288196"/>
+          </a:xfrm>
+          <a:prstGeom prst="flowChartDocument">
+            <a:avLst/>
+          </a:prstGeom>
+          <a:solidFill>
+            <a:srgbClr val="00B0F0"/>
+          </a:solidFill>
+        </p:spPr>
+        <p:style>
+          <a:lnRef idx="2">
+            <a:schemeClr val="accent1">
+              <a:shade val="50000"/>
+            </a:schemeClr>
+          </a:lnRef>
+          <a:fillRef idx="1">
+            <a:schemeClr val="accent1"/>
+          </a:fillRef>
+          <a:effectRef idx="0">
+            <a:schemeClr val="accent1"/>
+          </a:effectRef>
+          <a:fontRef idx="minor">
+            <a:schemeClr val="lt1"/>
+          </a:fontRef>
+        </p:style>
+        <p:txBody>
+          <a:bodyPr rtlCol="0" anchor="ctr"/>
+          <a:lstStyle/>
+          <a:p>
+            <a:pPr algn="ctr"/>
+            <a:r>
+              <a:rPr lang="zh-CN" altLang="en-US" dirty="0" smtClean="0"/>
+              <a:t>电影</a:t>
+            </a:r>
+            <a:endParaRPr lang="zh-CN" altLang="en-US" dirty="0"/>
+          </a:p>
+        </p:txBody>
+      </p:sp>
+      <p:cxnSp>
+        <p:nvCxnSpPr>
+          <p:cNvPr id="51" name="Straight Arrow Connector 50"/>
+          <p:cNvCxnSpPr>
+            <a:stCxn id="46" idx="1"/>
+            <a:endCxn id="35" idx="3"/>
+          </p:cNvCxnSpPr>
+          <p:nvPr/>
+        </p:nvCxnSpPr>
+        <p:spPr>
+          <a:xfrm flipH="1">
+            <a:off x="7895193" y="2601948"/>
+            <a:ext cx="1524579" cy="201497"/>
+          </a:xfrm>
+          <a:prstGeom prst="straightConnector1">
+            <a:avLst/>
+          </a:prstGeom>
+          <a:ln>
+            <a:solidFill>
+              <a:srgbClr val="00B0F0"/>
+            </a:solidFill>
+            <a:tailEnd type="triangle"/>
+          </a:ln>
+        </p:spPr>
+        <p:style>
+          <a:lnRef idx="1">
+            <a:schemeClr val="accent1"/>
+          </a:lnRef>
+          <a:fillRef idx="0">
+            <a:schemeClr val="accent1"/>
+          </a:fillRef>
+          <a:effectRef idx="0">
+            <a:schemeClr val="accent1"/>
+          </a:effectRef>
+          <a:fontRef idx="minor">
+            <a:schemeClr val="tx1"/>
+          </a:fontRef>
+        </p:style>
+      </p:cxnSp>
+      <p:cxnSp>
+        <p:nvCxnSpPr>
+          <p:cNvPr id="54" name="Straight Arrow Connector 53"/>
+          <p:cNvCxnSpPr>
+            <a:endCxn id="35" idx="3"/>
+          </p:cNvCxnSpPr>
+          <p:nvPr/>
+        </p:nvCxnSpPr>
+        <p:spPr>
+          <a:xfrm flipH="1" flipV="1">
+            <a:off x="7895193" y="2803445"/>
+            <a:ext cx="1524579" cy="609356"/>
+          </a:xfrm>
+          <a:prstGeom prst="straightConnector1">
+            <a:avLst/>
+          </a:prstGeom>
+          <a:ln>
+            <a:solidFill>
+              <a:srgbClr val="00B0F0"/>
+            </a:solidFill>
+            <a:tailEnd type="triangle"/>
+          </a:ln>
+        </p:spPr>
+        <p:style>
+          <a:lnRef idx="1">
+            <a:schemeClr val="accent1"/>
+          </a:lnRef>
+          <a:fillRef idx="0">
+            <a:schemeClr val="accent1"/>
+          </a:fillRef>
+          <a:effectRef idx="0">
+            <a:schemeClr val="accent1"/>
+          </a:effectRef>
+          <a:fontRef idx="minor">
+            <a:schemeClr val="tx1"/>
+          </a:fontRef>
+        </p:style>
+      </p:cxnSp>
+      <p:cxnSp>
+        <p:nvCxnSpPr>
+          <p:cNvPr id="59" name="Straight Arrow Connector 58"/>
+          <p:cNvCxnSpPr>
+            <a:stCxn id="48" idx="1"/>
+            <a:endCxn id="35" idx="3"/>
+          </p:cNvCxnSpPr>
+          <p:nvPr/>
+        </p:nvCxnSpPr>
+        <p:spPr>
+          <a:xfrm flipH="1" flipV="1">
+            <a:off x="7895193" y="2803445"/>
+            <a:ext cx="1524579" cy="1670216"/>
+          </a:xfrm>
+          <a:prstGeom prst="straightConnector1">
+            <a:avLst/>
+          </a:prstGeom>
+          <a:ln>
+            <a:solidFill>
+              <a:srgbClr val="00B0F0"/>
+            </a:solidFill>
+            <a:tailEnd type="triangle"/>
+          </a:ln>
+        </p:spPr>
+        <p:style>
+          <a:lnRef idx="1">
+            <a:schemeClr val="accent1"/>
+          </a:lnRef>
+          <a:fillRef idx="0">
+            <a:schemeClr val="accent1"/>
+          </a:fillRef>
+          <a:effectRef idx="0">
+            <a:schemeClr val="accent1"/>
+          </a:effectRef>
+          <a:fontRef idx="minor">
+            <a:schemeClr val="tx1"/>
+          </a:fontRef>
+        </p:style>
+      </p:cxnSp>
+      <p:cxnSp>
+        <p:nvCxnSpPr>
+          <p:cNvPr id="62" name="Straight Arrow Connector 61"/>
+          <p:cNvCxnSpPr>
+            <a:stCxn id="49" idx="1"/>
+            <a:endCxn id="35" idx="3"/>
+          </p:cNvCxnSpPr>
+          <p:nvPr/>
+        </p:nvCxnSpPr>
+        <p:spPr>
+          <a:xfrm flipH="1" flipV="1">
+            <a:off x="7895193" y="2803445"/>
+            <a:ext cx="1524579" cy="2619632"/>
+          </a:xfrm>
+          <a:prstGeom prst="straightConnector1">
+            <a:avLst/>
+          </a:prstGeom>
+          <a:ln>
+            <a:solidFill>
+              <a:srgbClr val="00B0F0"/>
+            </a:solidFill>
+            <a:tailEnd type="triangle"/>
+          </a:ln>
+        </p:spPr>
+        <p:style>
+          <a:lnRef idx="1">
+            <a:schemeClr val="accent1"/>
+          </a:lnRef>
+          <a:fillRef idx="0">
+            <a:schemeClr val="accent1"/>
+          </a:fillRef>
+          <a:effectRef idx="0">
+            <a:schemeClr val="accent1"/>
+          </a:effectRef>
+          <a:fontRef idx="minor">
+            <a:schemeClr val="tx1"/>
+          </a:fontRef>
+        </p:style>
+      </p:cxnSp>
+    </p:spTree>
+    <p:extLst>
+      <p:ext uri="{BB962C8B-B14F-4D97-AF65-F5344CB8AC3E}">
+        <p14:creationId xmlns:p14="http://schemas.microsoft.com/office/powerpoint/2010/main" val="1170105530"/>
+      </p:ext>
+    </p:extLst>
+  </p:cSld>
+  <p:clrMapOvr>
+    <a:masterClrMapping/>
+  </p:clrMapOvr>
+  <p:timing>
+    <p:tnLst>
+      <p:par>
+        <p:cTn id="1" dur="indefinite" restart="never" nodeType="tmRoot">
+          <p:childTnLst>
+            <p:seq concurrent="1" nextAc="seek">
+              <p:cTn id="2" dur="indefinite" nodeType="mainSeq">
+                <p:childTnLst>
+                  <p:par>
+                    <p:cTn id="3" fill="hold">
+                      <p:stCondLst>
+                        <p:cond delay="indefinite"/>
+                      </p:stCondLst>
+                      <p:childTnLst>
+                        <p:par>
+                          <p:cTn id="4" fill="hold">
+                            <p:stCondLst>
+                              <p:cond delay="0"/>
+                            </p:stCondLst>
+                            <p:childTnLst>
+                              <p:par>
+                                <p:cTn id="5" presetID="2" presetClass="entr" presetSubtype="1" fill="hold" grpId="0" nodeType="clickEffect">
+                                  <p:stCondLst>
+                                    <p:cond delay="0"/>
+                                  </p:stCondLst>
+                                  <p:childTnLst>
+                                    <p:set>
+                                      <p:cBhvr>
+                                        <p:cTn id="6" dur="1" fill="hold">
+                                          <p:stCondLst>
+                                            <p:cond delay="0"/>
+                                          </p:stCondLst>
+                                        </p:cTn>
+                                        <p:tgtEl>
+                                          <p:spTgt spid="5"/>
+                                        </p:tgtEl>
+                                        <p:attrNameLst>
+                                          <p:attrName>style.visibility</p:attrName>
+                                        </p:attrNameLst>
+                                      </p:cBhvr>
+                                      <p:to>
+                                        <p:strVal val="visible"/>
+                                      </p:to>
+                                    </p:set>
+                                    <p:anim calcmode="lin" valueType="num">
+                                      <p:cBhvr additive="base">
+                                        <p:cTn id="7" dur="500" fill="hold"/>
+                                        <p:tgtEl>
+                                          <p:spTgt spid="5"/>
+                                        </p:tgtEl>
+                                        <p:attrNameLst>
+                                          <p:attrName>ppt_x</p:attrName>
+                                        </p:attrNameLst>
+                                      </p:cBhvr>
+                                      <p:tavLst>
+                                        <p:tav tm="0">
+                                          <p:val>
+                                            <p:strVal val="#ppt_x"/>
+                                          </p:val>
+                                        </p:tav>
+                                        <p:tav tm="100000">
+                                          <p:val>
+                                            <p:strVal val="#ppt_x"/>
+                                          </p:val>
+                                        </p:tav>
+                                      </p:tavLst>
+                                    </p:anim>
+                                    <p:anim calcmode="lin" valueType="num">
+                                      <p:cBhvr additive="base">
+                                        <p:cTn id="8" dur="500" fill="hold"/>
+                                        <p:tgtEl>
+                                          <p:spTgt spid="5"/>
+                                        </p:tgtEl>
+                                        <p:attrNameLst>
+                                          <p:attrName>ppt_y</p:attrName>
+                                        </p:attrNameLst>
+                                      </p:cBhvr>
+                                      <p:tavLst>
+                                        <p:tav tm="0">
+                                          <p:val>
+                                            <p:strVal val="0-#ppt_h/2"/>
+                                          </p:val>
+                                        </p:tav>
+                                        <p:tav tm="100000">
+                                          <p:val>
+                                            <p:strVal val="#ppt_y"/>
+                                          </p:val>
+                                        </p:tav>
+                                      </p:tavLst>
+                                    </p:anim>
+                                  </p:childTnLst>
+                                </p:cTn>
+                              </p:par>
+                              <p:par>
+                                <p:cTn id="9" presetID="2" presetClass="entr" presetSubtype="1" fill="hold" grpId="0" nodeType="withEffect">
+                                  <p:stCondLst>
+                                    <p:cond delay="0"/>
+                                  </p:stCondLst>
+                                  <p:childTnLst>
+                                    <p:set>
+                                      <p:cBhvr>
+                                        <p:cTn id="10" dur="1" fill="hold">
+                                          <p:stCondLst>
+                                            <p:cond delay="0"/>
+                                          </p:stCondLst>
+                                        </p:cTn>
+                                        <p:tgtEl>
+                                          <p:spTgt spid="9"/>
+                                        </p:tgtEl>
+                                        <p:attrNameLst>
+                                          <p:attrName>style.visibility</p:attrName>
+                                        </p:attrNameLst>
+                                      </p:cBhvr>
+                                      <p:to>
+                                        <p:strVal val="visible"/>
+                                      </p:to>
+                                    </p:set>
+                                    <p:anim calcmode="lin" valueType="num">
+                                      <p:cBhvr additive="base">
+                                        <p:cTn id="11" dur="500" fill="hold"/>
+                                        <p:tgtEl>
+                                          <p:spTgt spid="9"/>
+                                        </p:tgtEl>
+                                        <p:attrNameLst>
+                                          <p:attrName>ppt_x</p:attrName>
+                                        </p:attrNameLst>
+                                      </p:cBhvr>
+                                      <p:tavLst>
+                                        <p:tav tm="0">
+                                          <p:val>
+                                            <p:strVal val="#ppt_x"/>
+                                          </p:val>
+                                        </p:tav>
+                                        <p:tav tm="100000">
+                                          <p:val>
+                                            <p:strVal val="#ppt_x"/>
+                                          </p:val>
+                                        </p:tav>
+                                      </p:tavLst>
+                                    </p:anim>
+                                    <p:anim calcmode="lin" valueType="num">
+                                      <p:cBhvr additive="base">
+                                        <p:cTn id="12" dur="500" fill="hold"/>
+                                        <p:tgtEl>
+                                          <p:spTgt spid="9"/>
+                                        </p:tgtEl>
+                                        <p:attrNameLst>
+                                          <p:attrName>ppt_y</p:attrName>
+                                        </p:attrNameLst>
+                                      </p:cBhvr>
+                                      <p:tavLst>
+                                        <p:tav tm="0">
+                                          <p:val>
+                                            <p:strVal val="0-#ppt_h/2"/>
+                                          </p:val>
+                                        </p:tav>
+                                        <p:tav tm="100000">
+                                          <p:val>
+                                            <p:strVal val="#ppt_y"/>
+                                          </p:val>
+                                        </p:tav>
+                                      </p:tavLst>
+                                    </p:anim>
+                                  </p:childTnLst>
+                                </p:cTn>
+                              </p:par>
+                              <p:par>
+                                <p:cTn id="13" presetID="2" presetClass="entr" presetSubtype="1" fill="hold" grpId="0" nodeType="withEffect">
+                                  <p:stCondLst>
+                                    <p:cond delay="0"/>
+                                  </p:stCondLst>
+                                  <p:childTnLst>
+                                    <p:set>
+                                      <p:cBhvr>
+                                        <p:cTn id="14" dur="1" fill="hold">
+                                          <p:stCondLst>
+                                            <p:cond delay="0"/>
+                                          </p:stCondLst>
+                                        </p:cTn>
+                                        <p:tgtEl>
+                                          <p:spTgt spid="6"/>
+                                        </p:tgtEl>
+                                        <p:attrNameLst>
+                                          <p:attrName>style.visibility</p:attrName>
+                                        </p:attrNameLst>
+                                      </p:cBhvr>
+                                      <p:to>
+                                        <p:strVal val="visible"/>
+                                      </p:to>
+                                    </p:set>
+                                    <p:anim calcmode="lin" valueType="num">
+                                      <p:cBhvr additive="base">
+                                        <p:cTn id="15" dur="500" fill="hold"/>
+                                        <p:tgtEl>
+                                          <p:spTgt spid="6"/>
+                                        </p:tgtEl>
+                                        <p:attrNameLst>
+                                          <p:attrName>ppt_x</p:attrName>
+                                        </p:attrNameLst>
+                                      </p:cBhvr>
+                                      <p:tavLst>
+                                        <p:tav tm="0">
+                                          <p:val>
+                                            <p:strVal val="#ppt_x"/>
+                                          </p:val>
+                                        </p:tav>
+                                        <p:tav tm="100000">
+                                          <p:val>
+                                            <p:strVal val="#ppt_x"/>
+                                          </p:val>
+                                        </p:tav>
+                                      </p:tavLst>
+                                    </p:anim>
+                                    <p:anim calcmode="lin" valueType="num">
+                                      <p:cBhvr additive="base">
+                                        <p:cTn id="16" dur="500" fill="hold"/>
+                                        <p:tgtEl>
+                                          <p:spTgt spid="6"/>
+                                        </p:tgtEl>
+                                        <p:attrNameLst>
+                                          <p:attrName>ppt_y</p:attrName>
+                                        </p:attrNameLst>
+                                      </p:cBhvr>
+                                      <p:tavLst>
+                                        <p:tav tm="0">
+                                          <p:val>
+                                            <p:strVal val="0-#ppt_h/2"/>
+                                          </p:val>
+                                        </p:tav>
+                                        <p:tav tm="100000">
+                                          <p:val>
+                                            <p:strVal val="#ppt_y"/>
+                                          </p:val>
+                                        </p:tav>
+                                      </p:tavLst>
+                                    </p:anim>
+                                  </p:childTnLst>
+                                </p:cTn>
+                              </p:par>
+                              <p:par>
+                                <p:cTn id="17" presetID="2" presetClass="entr" presetSubtype="1" fill="hold" grpId="0" nodeType="withEffect">
+                                  <p:stCondLst>
+                                    <p:cond delay="0"/>
+                                  </p:stCondLst>
+                                  <p:childTnLst>
+                                    <p:set>
+                                      <p:cBhvr>
+                                        <p:cTn id="18" dur="1" fill="hold">
+                                          <p:stCondLst>
+                                            <p:cond delay="0"/>
+                                          </p:stCondLst>
+                                        </p:cTn>
+                                        <p:tgtEl>
+                                          <p:spTgt spid="10"/>
+                                        </p:tgtEl>
+                                        <p:attrNameLst>
+                                          <p:attrName>style.visibility</p:attrName>
+                                        </p:attrNameLst>
+                                      </p:cBhvr>
+                                      <p:to>
+                                        <p:strVal val="visible"/>
+                                      </p:to>
+                                    </p:set>
+                                    <p:anim calcmode="lin" valueType="num">
+                                      <p:cBhvr additive="base">
+                                        <p:cTn id="19" dur="500" fill="hold"/>
+                                        <p:tgtEl>
+                                          <p:spTgt spid="10"/>
+                                        </p:tgtEl>
+                                        <p:attrNameLst>
+                                          <p:attrName>ppt_x</p:attrName>
+                                        </p:attrNameLst>
+                                      </p:cBhvr>
+                                      <p:tavLst>
+                                        <p:tav tm="0">
+                                          <p:val>
+                                            <p:strVal val="#ppt_x"/>
+                                          </p:val>
+                                        </p:tav>
+                                        <p:tav tm="100000">
+                                          <p:val>
+                                            <p:strVal val="#ppt_x"/>
+                                          </p:val>
+                                        </p:tav>
+                                      </p:tavLst>
+                                    </p:anim>
+                                    <p:anim calcmode="lin" valueType="num">
+                                      <p:cBhvr additive="base">
+                                        <p:cTn id="20" dur="500" fill="hold"/>
+                                        <p:tgtEl>
+                                          <p:spTgt spid="10"/>
+                                        </p:tgtEl>
+                                        <p:attrNameLst>
+                                          <p:attrName>ppt_y</p:attrName>
+                                        </p:attrNameLst>
+                                      </p:cBhvr>
+                                      <p:tavLst>
+                                        <p:tav tm="0">
+                                          <p:val>
+                                            <p:strVal val="0-#ppt_h/2"/>
+                                          </p:val>
+                                        </p:tav>
+                                        <p:tav tm="100000">
+                                          <p:val>
+                                            <p:strVal val="#ppt_y"/>
+                                          </p:val>
+                                        </p:tav>
+                                      </p:tavLst>
+                                    </p:anim>
+                                  </p:childTnLst>
+                                </p:cTn>
+                              </p:par>
+                              <p:par>
+                                <p:cTn id="21" presetID="2" presetClass="entr" presetSubtype="1" fill="hold" grpId="0" nodeType="withEffect">
+                                  <p:stCondLst>
+                                    <p:cond delay="0"/>
+                                  </p:stCondLst>
+                                  <p:childTnLst>
+                                    <p:set>
+                                      <p:cBhvr>
+                                        <p:cTn id="22" dur="1" fill="hold">
+                                          <p:stCondLst>
+                                            <p:cond delay="0"/>
+                                          </p:stCondLst>
+                                        </p:cTn>
+                                        <p:tgtEl>
+                                          <p:spTgt spid="7"/>
+                                        </p:tgtEl>
+                                        <p:attrNameLst>
+                                          <p:attrName>style.visibility</p:attrName>
+                                        </p:attrNameLst>
+                                      </p:cBhvr>
+                                      <p:to>
+                                        <p:strVal val="visible"/>
+                                      </p:to>
+                                    </p:set>
+                                    <p:anim calcmode="lin" valueType="num">
+                                      <p:cBhvr additive="base">
+                                        <p:cTn id="23" dur="500" fill="hold"/>
+                                        <p:tgtEl>
+                                          <p:spTgt spid="7"/>
+                                        </p:tgtEl>
+                                        <p:attrNameLst>
+                                          <p:attrName>ppt_x</p:attrName>
+                                        </p:attrNameLst>
+                                      </p:cBhvr>
+                                      <p:tavLst>
+                                        <p:tav tm="0">
+                                          <p:val>
+                                            <p:strVal val="#ppt_x"/>
+                                          </p:val>
+                                        </p:tav>
+                                        <p:tav tm="100000">
+                                          <p:val>
+                                            <p:strVal val="#ppt_x"/>
+                                          </p:val>
+                                        </p:tav>
+                                      </p:tavLst>
+                                    </p:anim>
+                                    <p:anim calcmode="lin" valueType="num">
+                                      <p:cBhvr additive="base">
+                                        <p:cTn id="24" dur="500" fill="hold"/>
+                                        <p:tgtEl>
+                                          <p:spTgt spid="7"/>
+                                        </p:tgtEl>
+                                        <p:attrNameLst>
+                                          <p:attrName>ppt_y</p:attrName>
+                                        </p:attrNameLst>
+                                      </p:cBhvr>
+                                      <p:tavLst>
+                                        <p:tav tm="0">
+                                          <p:val>
+                                            <p:strVal val="0-#ppt_h/2"/>
+                                          </p:val>
+                                        </p:tav>
+                                        <p:tav tm="100000">
+                                          <p:val>
+                                            <p:strVal val="#ppt_y"/>
+                                          </p:val>
+                                        </p:tav>
+                                      </p:tavLst>
+                                    </p:anim>
+                                  </p:childTnLst>
+                                </p:cTn>
+                              </p:par>
+                              <p:par>
+                                <p:cTn id="25" presetID="2" presetClass="entr" presetSubtype="1" fill="hold" grpId="0" nodeType="withEffect">
+                                  <p:stCondLst>
+                                    <p:cond delay="0"/>
+                                  </p:stCondLst>
+                                  <p:childTnLst>
+                                    <p:set>
+                                      <p:cBhvr>
+                                        <p:cTn id="26" dur="1" fill="hold">
+                                          <p:stCondLst>
+                                            <p:cond delay="0"/>
+                                          </p:stCondLst>
+                                        </p:cTn>
+                                        <p:tgtEl>
+                                          <p:spTgt spid="8"/>
+                                        </p:tgtEl>
+                                        <p:attrNameLst>
+                                          <p:attrName>style.visibility</p:attrName>
+                                        </p:attrNameLst>
+                                      </p:cBhvr>
+                                      <p:to>
+                                        <p:strVal val="visible"/>
+                                      </p:to>
+                                    </p:set>
+                                    <p:anim calcmode="lin" valueType="num">
+                                      <p:cBhvr additive="base">
+                                        <p:cTn id="27" dur="500" fill="hold"/>
+                                        <p:tgtEl>
+                                          <p:spTgt spid="8"/>
+                                        </p:tgtEl>
+                                        <p:attrNameLst>
+                                          <p:attrName>ppt_x</p:attrName>
+                                        </p:attrNameLst>
+                                      </p:cBhvr>
+                                      <p:tavLst>
+                                        <p:tav tm="0">
+                                          <p:val>
+                                            <p:strVal val="#ppt_x"/>
+                                          </p:val>
+                                        </p:tav>
+                                        <p:tav tm="100000">
+                                          <p:val>
+                                            <p:strVal val="#ppt_x"/>
+                                          </p:val>
+                                        </p:tav>
+                                      </p:tavLst>
+                                    </p:anim>
+                                    <p:anim calcmode="lin" valueType="num">
+                                      <p:cBhvr additive="base">
+                                        <p:cTn id="28" dur="500" fill="hold"/>
+                                        <p:tgtEl>
+                                          <p:spTgt spid="8"/>
+                                        </p:tgtEl>
+                                        <p:attrNameLst>
+                                          <p:attrName>ppt_y</p:attrName>
+                                        </p:attrNameLst>
+                                      </p:cBhvr>
+                                      <p:tavLst>
+                                        <p:tav tm="0">
+                                          <p:val>
+                                            <p:strVal val="0-#ppt_h/2"/>
+                                          </p:val>
+                                        </p:tav>
+                                        <p:tav tm="100000">
+                                          <p:val>
+                                            <p:strVal val="#ppt_y"/>
+                                          </p:val>
+                                        </p:tav>
+                                      </p:tavLst>
+                                    </p:anim>
+                                  </p:childTnLst>
+                                </p:cTn>
+                              </p:par>
+                            </p:childTnLst>
+                          </p:cTn>
+                        </p:par>
+                      </p:childTnLst>
+                    </p:cTn>
+                  </p:par>
+                  <p:par>
+                    <p:cTn id="29" fill="hold">
+                      <p:stCondLst>
+                        <p:cond delay="indefinite"/>
+                      </p:stCondLst>
+                      <p:childTnLst>
+                        <p:par>
+                          <p:cTn id="30" fill="hold">
+                            <p:stCondLst>
+                              <p:cond delay="0"/>
+                            </p:stCondLst>
+                            <p:childTnLst>
+                              <p:par>
+                                <p:cTn id="31" presetID="10" presetClass="entr" presetSubtype="0" fill="hold" nodeType="clickEffect">
+                                  <p:stCondLst>
+                                    <p:cond delay="0"/>
+                                  </p:stCondLst>
+                                  <p:childTnLst>
+                                    <p:set>
+                                      <p:cBhvr>
+                                        <p:cTn id="32" dur="1" fill="hold">
+                                          <p:stCondLst>
+                                            <p:cond delay="0"/>
+                                          </p:stCondLst>
+                                        </p:cTn>
+                                        <p:tgtEl>
+                                          <p:spTgt spid="17"/>
+                                        </p:tgtEl>
+                                        <p:attrNameLst>
+                                          <p:attrName>style.visibility</p:attrName>
+                                        </p:attrNameLst>
+                                      </p:cBhvr>
+                                      <p:to>
+                                        <p:strVal val="visible"/>
+                                      </p:to>
+                                    </p:set>
+                                    <p:animEffect transition="in" filter="fade">
+                                      <p:cBhvr>
+                                        <p:cTn id="33" dur="500"/>
+                                        <p:tgtEl>
+                                          <p:spTgt spid="17"/>
+                                        </p:tgtEl>
+                                      </p:cBhvr>
+                                    </p:animEffect>
+                                  </p:childTnLst>
+                                </p:cTn>
+                              </p:par>
+                              <p:par>
+                                <p:cTn id="34" presetID="10" presetClass="entr" presetSubtype="0" fill="hold" nodeType="withEffect">
+                                  <p:stCondLst>
+                                    <p:cond delay="0"/>
+                                  </p:stCondLst>
+                                  <p:childTnLst>
+                                    <p:set>
+                                      <p:cBhvr>
+                                        <p:cTn id="35" dur="1" fill="hold">
+                                          <p:stCondLst>
+                                            <p:cond delay="0"/>
+                                          </p:stCondLst>
+                                        </p:cTn>
+                                        <p:tgtEl>
+                                          <p:spTgt spid="24"/>
+                                        </p:tgtEl>
+                                        <p:attrNameLst>
+                                          <p:attrName>style.visibility</p:attrName>
+                                        </p:attrNameLst>
+                                      </p:cBhvr>
+                                      <p:to>
+                                        <p:strVal val="visible"/>
+                                      </p:to>
+                                    </p:set>
+                                    <p:animEffect transition="in" filter="fade">
+                                      <p:cBhvr>
+                                        <p:cTn id="36" dur="500"/>
+                                        <p:tgtEl>
+                                          <p:spTgt spid="24"/>
+                                        </p:tgtEl>
+                                      </p:cBhvr>
+                                    </p:animEffect>
+                                  </p:childTnLst>
+                                </p:cTn>
+                              </p:par>
+                              <p:par>
+                                <p:cTn id="37" presetID="10" presetClass="entr" presetSubtype="0" fill="hold" nodeType="withEffect">
+                                  <p:stCondLst>
+                                    <p:cond delay="0"/>
+                                  </p:stCondLst>
+                                  <p:childTnLst>
+                                    <p:set>
+                                      <p:cBhvr>
+                                        <p:cTn id="38" dur="1" fill="hold">
+                                          <p:stCondLst>
+                                            <p:cond delay="0"/>
+                                          </p:stCondLst>
+                                        </p:cTn>
+                                        <p:tgtEl>
+                                          <p:spTgt spid="19"/>
+                                        </p:tgtEl>
+                                        <p:attrNameLst>
+                                          <p:attrName>style.visibility</p:attrName>
+                                        </p:attrNameLst>
+                                      </p:cBhvr>
+                                      <p:to>
+                                        <p:strVal val="visible"/>
+                                      </p:to>
+                                    </p:set>
+                                    <p:animEffect transition="in" filter="fade">
+                                      <p:cBhvr>
+                                        <p:cTn id="39" dur="500"/>
+                                        <p:tgtEl>
+                                          <p:spTgt spid="19"/>
+                                        </p:tgtEl>
+                                      </p:cBhvr>
+                                    </p:animEffect>
+                                  </p:childTnLst>
+                                </p:cTn>
+                              </p:par>
+                              <p:par>
+                                <p:cTn id="40" presetID="10" presetClass="entr" presetSubtype="0" fill="hold" nodeType="withEffect">
+                                  <p:stCondLst>
+                                    <p:cond delay="0"/>
+                                  </p:stCondLst>
+                                  <p:childTnLst>
+                                    <p:set>
+                                      <p:cBhvr>
+                                        <p:cTn id="41" dur="1" fill="hold">
+                                          <p:stCondLst>
+                                            <p:cond delay="0"/>
+                                          </p:stCondLst>
+                                        </p:cTn>
+                                        <p:tgtEl>
+                                          <p:spTgt spid="25"/>
+                                        </p:tgtEl>
+                                        <p:attrNameLst>
+                                          <p:attrName>style.visibility</p:attrName>
+                                        </p:attrNameLst>
+                                      </p:cBhvr>
+                                      <p:to>
+                                        <p:strVal val="visible"/>
+                                      </p:to>
+                                    </p:set>
+                                    <p:animEffect transition="in" filter="fade">
+                                      <p:cBhvr>
+                                        <p:cTn id="42" dur="500"/>
+                                        <p:tgtEl>
+                                          <p:spTgt spid="25"/>
+                                        </p:tgtEl>
+                                      </p:cBhvr>
+                                    </p:animEffect>
+                                  </p:childTnLst>
+                                </p:cTn>
+                              </p:par>
+                              <p:par>
+                                <p:cTn id="43" presetID="10" presetClass="entr" presetSubtype="0" fill="hold" nodeType="withEffect">
+                                  <p:stCondLst>
+                                    <p:cond delay="0"/>
+                                  </p:stCondLst>
+                                  <p:childTnLst>
+                                    <p:set>
+                                      <p:cBhvr>
+                                        <p:cTn id="44" dur="1" fill="hold">
+                                          <p:stCondLst>
+                                            <p:cond delay="0"/>
+                                          </p:stCondLst>
+                                        </p:cTn>
+                                        <p:tgtEl>
+                                          <p:spTgt spid="20"/>
+                                        </p:tgtEl>
+                                        <p:attrNameLst>
+                                          <p:attrName>style.visibility</p:attrName>
+                                        </p:attrNameLst>
+                                      </p:cBhvr>
+                                      <p:to>
+                                        <p:strVal val="visible"/>
+                                      </p:to>
+                                    </p:set>
+                                    <p:animEffect transition="in" filter="fade">
+                                      <p:cBhvr>
+                                        <p:cTn id="45" dur="500"/>
+                                        <p:tgtEl>
+                                          <p:spTgt spid="20"/>
+                                        </p:tgtEl>
+                                      </p:cBhvr>
+                                    </p:animEffect>
+                                  </p:childTnLst>
+                                </p:cTn>
+                              </p:par>
+                              <p:par>
+                                <p:cTn id="46" presetID="10" presetClass="entr" presetSubtype="0" fill="hold" nodeType="withEffect">
+                                  <p:stCondLst>
+                                    <p:cond delay="0"/>
+                                  </p:stCondLst>
+                                  <p:childTnLst>
+                                    <p:set>
+                                      <p:cBhvr>
+                                        <p:cTn id="47" dur="1" fill="hold">
+                                          <p:stCondLst>
+                                            <p:cond delay="0"/>
+                                          </p:stCondLst>
+                                        </p:cTn>
+                                        <p:tgtEl>
+                                          <p:spTgt spid="21"/>
+                                        </p:tgtEl>
+                                        <p:attrNameLst>
+                                          <p:attrName>style.visibility</p:attrName>
+                                        </p:attrNameLst>
+                                      </p:cBhvr>
+                                      <p:to>
+                                        <p:strVal val="visible"/>
+                                      </p:to>
+                                    </p:set>
+                                    <p:animEffect transition="in" filter="fade">
+                                      <p:cBhvr>
+                                        <p:cTn id="48" dur="500"/>
+                                        <p:tgtEl>
+                                          <p:spTgt spid="21"/>
+                                        </p:tgtEl>
+                                      </p:cBhvr>
+                                    </p:animEffect>
+                                  </p:childTnLst>
+                                </p:cTn>
+                              </p:par>
+                              <p:par>
+                                <p:cTn id="49" presetID="10" presetClass="entr" presetSubtype="0" fill="hold" nodeType="withEffect">
+                                  <p:stCondLst>
+                                    <p:cond delay="0"/>
+                                  </p:stCondLst>
+                                  <p:childTnLst>
+                                    <p:set>
+                                      <p:cBhvr>
+                                        <p:cTn id="50" dur="1" fill="hold">
+                                          <p:stCondLst>
+                                            <p:cond delay="0"/>
+                                          </p:stCondLst>
+                                        </p:cTn>
+                                        <p:tgtEl>
+                                          <p:spTgt spid="22"/>
+                                        </p:tgtEl>
+                                        <p:attrNameLst>
+                                          <p:attrName>style.visibility</p:attrName>
+                                        </p:attrNameLst>
+                                      </p:cBhvr>
+                                      <p:to>
+                                        <p:strVal val="visible"/>
+                                      </p:to>
+                                    </p:set>
+                                    <p:animEffect transition="in" filter="fade">
+                                      <p:cBhvr>
+                                        <p:cTn id="51" dur="500"/>
+                                        <p:tgtEl>
+                                          <p:spTgt spid="22"/>
+                                        </p:tgtEl>
+                                      </p:cBhvr>
+                                    </p:animEffect>
+                                  </p:childTnLst>
+                                </p:cTn>
+                              </p:par>
+                              <p:par>
+                                <p:cTn id="52" presetID="10" presetClass="entr" presetSubtype="0" fill="hold" nodeType="withEffect">
+                                  <p:stCondLst>
+                                    <p:cond delay="0"/>
+                                  </p:stCondLst>
+                                  <p:childTnLst>
+                                    <p:set>
+                                      <p:cBhvr>
+                                        <p:cTn id="53" dur="1" fill="hold">
+                                          <p:stCondLst>
+                                            <p:cond delay="0"/>
+                                          </p:stCondLst>
+                                        </p:cTn>
+                                        <p:tgtEl>
+                                          <p:spTgt spid="23"/>
+                                        </p:tgtEl>
+                                        <p:attrNameLst>
+                                          <p:attrName>style.visibility</p:attrName>
+                                        </p:attrNameLst>
+                                      </p:cBhvr>
+                                      <p:to>
+                                        <p:strVal val="visible"/>
+                                      </p:to>
+                                    </p:set>
+                                    <p:animEffect transition="in" filter="fade">
+                                      <p:cBhvr>
+                                        <p:cTn id="54" dur="500"/>
+                                        <p:tgtEl>
+                                          <p:spTgt spid="23"/>
+                                        </p:tgtEl>
+                                      </p:cBhvr>
+                                    </p:animEffect>
+                                  </p:childTnLst>
+                                </p:cTn>
+                              </p:par>
+                            </p:childTnLst>
+                          </p:cTn>
+                        </p:par>
+                      </p:childTnLst>
+                    </p:cTn>
+                  </p:par>
+                  <p:par>
+                    <p:cTn id="55" fill="hold">
+                      <p:stCondLst>
+                        <p:cond delay="indefinite"/>
+                      </p:stCondLst>
+                      <p:childTnLst>
+                        <p:par>
+                          <p:cTn id="56" fill="hold">
+                            <p:stCondLst>
+                              <p:cond delay="0"/>
+                            </p:stCondLst>
+                            <p:childTnLst>
+                              <p:par>
+                                <p:cTn id="57" presetID="53" presetClass="entr" presetSubtype="16" fill="hold" grpId="0" nodeType="clickEffect">
+                                  <p:stCondLst>
+                                    <p:cond delay="0"/>
+                                  </p:stCondLst>
+                                  <p:childTnLst>
+                                    <p:set>
+                                      <p:cBhvr>
+                                        <p:cTn id="58" dur="1" fill="hold">
+                                          <p:stCondLst>
+                                            <p:cond delay="0"/>
+                                          </p:stCondLst>
+                                        </p:cTn>
+                                        <p:tgtEl>
+                                          <p:spTgt spid="33"/>
+                                        </p:tgtEl>
+                                        <p:attrNameLst>
+                                          <p:attrName>style.visibility</p:attrName>
+                                        </p:attrNameLst>
+                                      </p:cBhvr>
+                                      <p:to>
+                                        <p:strVal val="visible"/>
+                                      </p:to>
+                                    </p:set>
+                                    <p:anim calcmode="lin" valueType="num">
+                                      <p:cBhvr>
+                                        <p:cTn id="59" dur="100" fill="hold"/>
+                                        <p:tgtEl>
+                                          <p:spTgt spid="33"/>
+                                        </p:tgtEl>
+                                        <p:attrNameLst>
+                                          <p:attrName>ppt_w</p:attrName>
+                                        </p:attrNameLst>
+                                      </p:cBhvr>
+                                      <p:tavLst>
+                                        <p:tav tm="0">
+                                          <p:val>
+                                            <p:fltVal val="0"/>
+                                          </p:val>
+                                        </p:tav>
+                                        <p:tav tm="100000">
+                                          <p:val>
+                                            <p:strVal val="#ppt_w"/>
+                                          </p:val>
+                                        </p:tav>
+                                      </p:tavLst>
+                                    </p:anim>
+                                    <p:anim calcmode="lin" valueType="num">
+                                      <p:cBhvr>
+                                        <p:cTn id="60" dur="100" fill="hold"/>
+                                        <p:tgtEl>
+                                          <p:spTgt spid="33"/>
+                                        </p:tgtEl>
+                                        <p:attrNameLst>
+                                          <p:attrName>ppt_h</p:attrName>
+                                        </p:attrNameLst>
+                                      </p:cBhvr>
+                                      <p:tavLst>
+                                        <p:tav tm="0">
+                                          <p:val>
+                                            <p:fltVal val="0"/>
+                                          </p:val>
+                                        </p:tav>
+                                        <p:tav tm="100000">
+                                          <p:val>
+                                            <p:strVal val="#ppt_h"/>
+                                          </p:val>
+                                        </p:tav>
+                                      </p:tavLst>
+                                    </p:anim>
+                                    <p:animEffect transition="in" filter="fade">
+                                      <p:cBhvr>
+                                        <p:cTn id="61" dur="100"/>
+                                        <p:tgtEl>
+                                          <p:spTgt spid="33"/>
+                                        </p:tgtEl>
+                                      </p:cBhvr>
+                                    </p:animEffect>
+                                  </p:childTnLst>
+                                </p:cTn>
+                              </p:par>
+                            </p:childTnLst>
+                          </p:cTn>
+                        </p:par>
+                        <p:par>
+                          <p:cTn id="62" fill="hold">
+                            <p:stCondLst>
+                              <p:cond delay="100"/>
+                            </p:stCondLst>
+                            <p:childTnLst>
+                              <p:par>
+                                <p:cTn id="63" presetID="53" presetClass="entr" presetSubtype="16" fill="hold" grpId="0" nodeType="afterEffect">
+                                  <p:stCondLst>
+                                    <p:cond delay="0"/>
+                                  </p:stCondLst>
+                                  <p:childTnLst>
+                                    <p:set>
+                                      <p:cBhvr>
+                                        <p:cTn id="64" dur="1" fill="hold">
+                                          <p:stCondLst>
+                                            <p:cond delay="0"/>
+                                          </p:stCondLst>
+                                        </p:cTn>
+                                        <p:tgtEl>
+                                          <p:spTgt spid="34"/>
+                                        </p:tgtEl>
+                                        <p:attrNameLst>
+                                          <p:attrName>style.visibility</p:attrName>
+                                        </p:attrNameLst>
+                                      </p:cBhvr>
+                                      <p:to>
+                                        <p:strVal val="visible"/>
+                                      </p:to>
+                                    </p:set>
+                                    <p:anim calcmode="lin" valueType="num">
+                                      <p:cBhvr>
+                                        <p:cTn id="65" dur="100" fill="hold"/>
+                                        <p:tgtEl>
+                                          <p:spTgt spid="34"/>
+                                        </p:tgtEl>
+                                        <p:attrNameLst>
+                                          <p:attrName>ppt_w</p:attrName>
+                                        </p:attrNameLst>
+                                      </p:cBhvr>
+                                      <p:tavLst>
+                                        <p:tav tm="0">
+                                          <p:val>
+                                            <p:fltVal val="0"/>
+                                          </p:val>
+                                        </p:tav>
+                                        <p:tav tm="100000">
+                                          <p:val>
+                                            <p:strVal val="#ppt_w"/>
+                                          </p:val>
+                                        </p:tav>
+                                      </p:tavLst>
+                                    </p:anim>
+                                    <p:anim calcmode="lin" valueType="num">
+                                      <p:cBhvr>
+                                        <p:cTn id="66" dur="100" fill="hold"/>
+                                        <p:tgtEl>
+                                          <p:spTgt spid="34"/>
+                                        </p:tgtEl>
+                                        <p:attrNameLst>
+                                          <p:attrName>ppt_h</p:attrName>
+                                        </p:attrNameLst>
+                                      </p:cBhvr>
+                                      <p:tavLst>
+                                        <p:tav tm="0">
+                                          <p:val>
+                                            <p:fltVal val="0"/>
+                                          </p:val>
+                                        </p:tav>
+                                        <p:tav tm="100000">
+                                          <p:val>
+                                            <p:strVal val="#ppt_h"/>
+                                          </p:val>
+                                        </p:tav>
+                                      </p:tavLst>
+                                    </p:anim>
+                                    <p:animEffect transition="in" filter="fade">
+                                      <p:cBhvr>
+                                        <p:cTn id="67" dur="100"/>
+                                        <p:tgtEl>
+                                          <p:spTgt spid="34"/>
+                                        </p:tgtEl>
+                                      </p:cBhvr>
+                                    </p:animEffect>
+                                  </p:childTnLst>
+                                </p:cTn>
+                              </p:par>
+                            </p:childTnLst>
+                          </p:cTn>
+                        </p:par>
+                        <p:par>
+                          <p:cTn id="68" fill="hold">
+                            <p:stCondLst>
+                              <p:cond delay="200"/>
+                            </p:stCondLst>
+                            <p:childTnLst>
+                              <p:par>
+                                <p:cTn id="69" presetID="53" presetClass="entr" presetSubtype="16" fill="hold" grpId="0" nodeType="afterEffect">
+                                  <p:stCondLst>
+                                    <p:cond delay="0"/>
+                                  </p:stCondLst>
+                                  <p:childTnLst>
+                                    <p:set>
+                                      <p:cBhvr>
+                                        <p:cTn id="70" dur="1" fill="hold">
+                                          <p:stCondLst>
+                                            <p:cond delay="0"/>
+                                          </p:stCondLst>
+                                        </p:cTn>
+                                        <p:tgtEl>
+                                          <p:spTgt spid="35"/>
+                                        </p:tgtEl>
+                                        <p:attrNameLst>
+                                          <p:attrName>style.visibility</p:attrName>
+                                        </p:attrNameLst>
+                                      </p:cBhvr>
+                                      <p:to>
+                                        <p:strVal val="visible"/>
+                                      </p:to>
+                                    </p:set>
+                                    <p:anim calcmode="lin" valueType="num">
+                                      <p:cBhvr>
+                                        <p:cTn id="71" dur="100" fill="hold"/>
+                                        <p:tgtEl>
+                                          <p:spTgt spid="35"/>
+                                        </p:tgtEl>
+                                        <p:attrNameLst>
+                                          <p:attrName>ppt_w</p:attrName>
+                                        </p:attrNameLst>
+                                      </p:cBhvr>
+                                      <p:tavLst>
+                                        <p:tav tm="0">
+                                          <p:val>
+                                            <p:fltVal val="0"/>
+                                          </p:val>
+                                        </p:tav>
+                                        <p:tav tm="100000">
+                                          <p:val>
+                                            <p:strVal val="#ppt_w"/>
+                                          </p:val>
+                                        </p:tav>
+                                      </p:tavLst>
+                                    </p:anim>
+                                    <p:anim calcmode="lin" valueType="num">
+                                      <p:cBhvr>
+                                        <p:cTn id="72" dur="100" fill="hold"/>
+                                        <p:tgtEl>
+                                          <p:spTgt spid="35"/>
+                                        </p:tgtEl>
+                                        <p:attrNameLst>
+                                          <p:attrName>ppt_h</p:attrName>
+                                        </p:attrNameLst>
+                                      </p:cBhvr>
+                                      <p:tavLst>
+                                        <p:tav tm="0">
+                                          <p:val>
+                                            <p:fltVal val="0"/>
+                                          </p:val>
+                                        </p:tav>
+                                        <p:tav tm="100000">
+                                          <p:val>
+                                            <p:strVal val="#ppt_h"/>
+                                          </p:val>
+                                        </p:tav>
+                                      </p:tavLst>
+                                    </p:anim>
+                                    <p:animEffect transition="in" filter="fade">
+                                      <p:cBhvr>
+                                        <p:cTn id="73" dur="100"/>
+                                        <p:tgtEl>
+                                          <p:spTgt spid="35"/>
+                                        </p:tgtEl>
+                                      </p:cBhvr>
+                                    </p:animEffect>
+                                  </p:childTnLst>
+                                </p:cTn>
+                              </p:par>
+                            </p:childTnLst>
+                          </p:cTn>
+                        </p:par>
+                        <p:par>
+                          <p:cTn id="74" fill="hold">
+                            <p:stCondLst>
+                              <p:cond delay="300"/>
+                            </p:stCondLst>
+                            <p:childTnLst>
+                              <p:par>
+                                <p:cTn id="75" presetID="53" presetClass="entr" presetSubtype="16" fill="hold" grpId="0" nodeType="afterEffect">
+                                  <p:stCondLst>
+                                    <p:cond delay="0"/>
+                                  </p:stCondLst>
+                                  <p:childTnLst>
+                                    <p:set>
+                                      <p:cBhvr>
+                                        <p:cTn id="76" dur="1" fill="hold">
+                                          <p:stCondLst>
+                                            <p:cond delay="0"/>
+                                          </p:stCondLst>
+                                        </p:cTn>
+                                        <p:tgtEl>
+                                          <p:spTgt spid="36"/>
+                                        </p:tgtEl>
+                                        <p:attrNameLst>
+                                          <p:attrName>style.visibility</p:attrName>
+                                        </p:attrNameLst>
+                                      </p:cBhvr>
+                                      <p:to>
+                                        <p:strVal val="visible"/>
+                                      </p:to>
+                                    </p:set>
+                                    <p:anim calcmode="lin" valueType="num">
+                                      <p:cBhvr>
+                                        <p:cTn id="77" dur="100" fill="hold"/>
+                                        <p:tgtEl>
+                                          <p:spTgt spid="36"/>
+                                        </p:tgtEl>
+                                        <p:attrNameLst>
+                                          <p:attrName>ppt_w</p:attrName>
+                                        </p:attrNameLst>
+                                      </p:cBhvr>
+                                      <p:tavLst>
+                                        <p:tav tm="0">
+                                          <p:val>
+                                            <p:fltVal val="0"/>
+                                          </p:val>
+                                        </p:tav>
+                                        <p:tav tm="100000">
+                                          <p:val>
+                                            <p:strVal val="#ppt_w"/>
+                                          </p:val>
+                                        </p:tav>
+                                      </p:tavLst>
+                                    </p:anim>
+                                    <p:anim calcmode="lin" valueType="num">
+                                      <p:cBhvr>
+                                        <p:cTn id="78" dur="100" fill="hold"/>
+                                        <p:tgtEl>
+                                          <p:spTgt spid="36"/>
+                                        </p:tgtEl>
+                                        <p:attrNameLst>
+                                          <p:attrName>ppt_h</p:attrName>
+                                        </p:attrNameLst>
+                                      </p:cBhvr>
+                                      <p:tavLst>
+                                        <p:tav tm="0">
+                                          <p:val>
+                                            <p:fltVal val="0"/>
+                                          </p:val>
+                                        </p:tav>
+                                        <p:tav tm="100000">
+                                          <p:val>
+                                            <p:strVal val="#ppt_h"/>
+                                          </p:val>
+                                        </p:tav>
+                                      </p:tavLst>
+                                    </p:anim>
+                                    <p:animEffect transition="in" filter="fade">
+                                      <p:cBhvr>
+                                        <p:cTn id="79" dur="100"/>
+                                        <p:tgtEl>
+                                          <p:spTgt spid="36"/>
+                                        </p:tgtEl>
+                                      </p:cBhvr>
+                                    </p:animEffect>
+                                  </p:childTnLst>
+                                </p:cTn>
+                              </p:par>
+                            </p:childTnLst>
+                          </p:cTn>
+                        </p:par>
+                        <p:par>
+                          <p:cTn id="80" fill="hold">
+                            <p:stCondLst>
+                              <p:cond delay="400"/>
+                            </p:stCondLst>
+                            <p:childTnLst>
+                              <p:par>
+                                <p:cTn id="81" presetID="53" presetClass="entr" presetSubtype="16" fill="hold" grpId="0" nodeType="afterEffect">
+                                  <p:stCondLst>
+                                    <p:cond delay="0"/>
+                                  </p:stCondLst>
+                                  <p:childTnLst>
+                                    <p:set>
+                                      <p:cBhvr>
+                                        <p:cTn id="82" dur="1" fill="hold">
+                                          <p:stCondLst>
+                                            <p:cond delay="0"/>
+                                          </p:stCondLst>
+                                        </p:cTn>
+                                        <p:tgtEl>
+                                          <p:spTgt spid="37"/>
+                                        </p:tgtEl>
+                                        <p:attrNameLst>
+                                          <p:attrName>style.visibility</p:attrName>
+                                        </p:attrNameLst>
+                                      </p:cBhvr>
+                                      <p:to>
+                                        <p:strVal val="visible"/>
+                                      </p:to>
+                                    </p:set>
+                                    <p:anim calcmode="lin" valueType="num">
+                                      <p:cBhvr>
+                                        <p:cTn id="83" dur="100" fill="hold"/>
+                                        <p:tgtEl>
+                                          <p:spTgt spid="37"/>
+                                        </p:tgtEl>
+                                        <p:attrNameLst>
+                                          <p:attrName>ppt_w</p:attrName>
+                                        </p:attrNameLst>
+                                      </p:cBhvr>
+                                      <p:tavLst>
+                                        <p:tav tm="0">
+                                          <p:val>
+                                            <p:fltVal val="0"/>
+                                          </p:val>
+                                        </p:tav>
+                                        <p:tav tm="100000">
+                                          <p:val>
+                                            <p:strVal val="#ppt_w"/>
+                                          </p:val>
+                                        </p:tav>
+                                      </p:tavLst>
+                                    </p:anim>
+                                    <p:anim calcmode="lin" valueType="num">
+                                      <p:cBhvr>
+                                        <p:cTn id="84" dur="100" fill="hold"/>
+                                        <p:tgtEl>
+                                          <p:spTgt spid="37"/>
+                                        </p:tgtEl>
+                                        <p:attrNameLst>
+                                          <p:attrName>ppt_h</p:attrName>
+                                        </p:attrNameLst>
+                                      </p:cBhvr>
+                                      <p:tavLst>
+                                        <p:tav tm="0">
+                                          <p:val>
+                                            <p:fltVal val="0"/>
+                                          </p:val>
+                                        </p:tav>
+                                        <p:tav tm="100000">
+                                          <p:val>
+                                            <p:strVal val="#ppt_h"/>
+                                          </p:val>
+                                        </p:tav>
+                                      </p:tavLst>
+                                    </p:anim>
+                                    <p:animEffect transition="in" filter="fade">
+                                      <p:cBhvr>
+                                        <p:cTn id="85" dur="100"/>
+                                        <p:tgtEl>
+                                          <p:spTgt spid="37"/>
+                                        </p:tgtEl>
+                                      </p:cBhvr>
+                                    </p:animEffect>
+                                  </p:childTnLst>
+                                </p:cTn>
+                              </p:par>
+                            </p:childTnLst>
+                          </p:cTn>
+                        </p:par>
+                        <p:par>
+                          <p:cTn id="86" fill="hold">
+                            <p:stCondLst>
+                              <p:cond delay="500"/>
+                            </p:stCondLst>
+                            <p:childTnLst>
+                              <p:par>
+                                <p:cTn id="87" presetID="53" presetClass="entr" presetSubtype="16" fill="hold" grpId="0" nodeType="afterEffect">
+                                  <p:stCondLst>
+                                    <p:cond delay="0"/>
+                                  </p:stCondLst>
+                                  <p:childTnLst>
+                                    <p:set>
+                                      <p:cBhvr>
+                                        <p:cTn id="88" dur="1" fill="hold">
+                                          <p:stCondLst>
+                                            <p:cond delay="0"/>
+                                          </p:stCondLst>
+                                        </p:cTn>
+                                        <p:tgtEl>
+                                          <p:spTgt spid="38"/>
+                                        </p:tgtEl>
+                                        <p:attrNameLst>
+                                          <p:attrName>style.visibility</p:attrName>
+                                        </p:attrNameLst>
+                                      </p:cBhvr>
+                                      <p:to>
+                                        <p:strVal val="visible"/>
+                                      </p:to>
+                                    </p:set>
+                                    <p:anim calcmode="lin" valueType="num">
+                                      <p:cBhvr>
+                                        <p:cTn id="89" dur="100" fill="hold"/>
+                                        <p:tgtEl>
+                                          <p:spTgt spid="38"/>
+                                        </p:tgtEl>
+                                        <p:attrNameLst>
+                                          <p:attrName>ppt_w</p:attrName>
+                                        </p:attrNameLst>
+                                      </p:cBhvr>
+                                      <p:tavLst>
+                                        <p:tav tm="0">
+                                          <p:val>
+                                            <p:fltVal val="0"/>
+                                          </p:val>
+                                        </p:tav>
+                                        <p:tav tm="100000">
+                                          <p:val>
+                                            <p:strVal val="#ppt_w"/>
+                                          </p:val>
+                                        </p:tav>
+                                      </p:tavLst>
+                                    </p:anim>
+                                    <p:anim calcmode="lin" valueType="num">
+                                      <p:cBhvr>
+                                        <p:cTn id="90" dur="100" fill="hold"/>
+                                        <p:tgtEl>
+                                          <p:spTgt spid="38"/>
+                                        </p:tgtEl>
+                                        <p:attrNameLst>
+                                          <p:attrName>ppt_h</p:attrName>
+                                        </p:attrNameLst>
+                                      </p:cBhvr>
+                                      <p:tavLst>
+                                        <p:tav tm="0">
+                                          <p:val>
+                                            <p:fltVal val="0"/>
+                                          </p:val>
+                                        </p:tav>
+                                        <p:tav tm="100000">
+                                          <p:val>
+                                            <p:strVal val="#ppt_h"/>
+                                          </p:val>
+                                        </p:tav>
+                                      </p:tavLst>
+                                    </p:anim>
+                                    <p:animEffect transition="in" filter="fade">
+                                      <p:cBhvr>
+                                        <p:cTn id="91" dur="100"/>
+                                        <p:tgtEl>
+                                          <p:spTgt spid="38"/>
+                                        </p:tgtEl>
+                                      </p:cBhvr>
+                                    </p:animEffect>
+                                  </p:childTnLst>
+                                </p:cTn>
+                              </p:par>
+                            </p:childTnLst>
+                          </p:cTn>
+                        </p:par>
+                      </p:childTnLst>
+                    </p:cTn>
+                  </p:par>
+                  <p:par>
+                    <p:cTn id="92" fill="hold">
+                      <p:stCondLst>
+                        <p:cond delay="indefinite"/>
+                      </p:stCondLst>
+                      <p:childTnLst>
+                        <p:par>
+                          <p:cTn id="93" fill="hold">
+                            <p:stCondLst>
+                              <p:cond delay="0"/>
+                            </p:stCondLst>
+                            <p:childTnLst>
+                              <p:par>
+                                <p:cTn id="94" presetID="53" presetClass="entr" presetSubtype="16" fill="hold" nodeType="clickEffect">
+                                  <p:stCondLst>
+                                    <p:cond delay="0"/>
+                                  </p:stCondLst>
+                                  <p:childTnLst>
+                                    <p:set>
+                                      <p:cBhvr>
+                                        <p:cTn id="95" dur="1" fill="hold">
+                                          <p:stCondLst>
+                                            <p:cond delay="0"/>
+                                          </p:stCondLst>
+                                        </p:cTn>
+                                        <p:tgtEl>
+                                          <p:spTgt spid="75"/>
+                                        </p:tgtEl>
+                                        <p:attrNameLst>
+                                          <p:attrName>style.visibility</p:attrName>
+                                        </p:attrNameLst>
+                                      </p:cBhvr>
+                                      <p:to>
+                                        <p:strVal val="visible"/>
+                                      </p:to>
+                                    </p:set>
+                                    <p:anim calcmode="lin" valueType="num">
+                                      <p:cBhvr>
+                                        <p:cTn id="96" dur="1250" fill="hold"/>
+                                        <p:tgtEl>
+                                          <p:spTgt spid="75"/>
+                                        </p:tgtEl>
+                                        <p:attrNameLst>
+                                          <p:attrName>ppt_w</p:attrName>
+                                        </p:attrNameLst>
+                                      </p:cBhvr>
+                                      <p:tavLst>
+                                        <p:tav tm="0">
+                                          <p:val>
+                                            <p:fltVal val="0"/>
+                                          </p:val>
+                                        </p:tav>
+                                        <p:tav tm="100000">
+                                          <p:val>
+                                            <p:strVal val="#ppt_w"/>
+                                          </p:val>
+                                        </p:tav>
+                                      </p:tavLst>
+                                    </p:anim>
+                                    <p:anim calcmode="lin" valueType="num">
+                                      <p:cBhvr>
+                                        <p:cTn id="97" dur="1250" fill="hold"/>
+                                        <p:tgtEl>
+                                          <p:spTgt spid="75"/>
+                                        </p:tgtEl>
+                                        <p:attrNameLst>
+                                          <p:attrName>ppt_h</p:attrName>
+                                        </p:attrNameLst>
+                                      </p:cBhvr>
+                                      <p:tavLst>
+                                        <p:tav tm="0">
+                                          <p:val>
+                                            <p:fltVal val="0"/>
+                                          </p:val>
+                                        </p:tav>
+                                        <p:tav tm="100000">
+                                          <p:val>
+                                            <p:strVal val="#ppt_h"/>
+                                          </p:val>
+                                        </p:tav>
+                                      </p:tavLst>
+                                    </p:anim>
+                                    <p:animEffect transition="in" filter="fade">
+                                      <p:cBhvr>
+                                        <p:cTn id="98" dur="1250"/>
+                                        <p:tgtEl>
+                                          <p:spTgt spid="75"/>
+                                        </p:tgtEl>
+                                      </p:cBhvr>
+                                    </p:animEffect>
+                                  </p:childTnLst>
+                                </p:cTn>
+                              </p:par>
+                              <p:par>
+                                <p:cTn id="99" presetID="0" presetClass="path" presetSubtype="0" accel="50000" decel="50000" fill="hold" nodeType="withEffect">
+                                  <p:stCondLst>
+                                    <p:cond delay="0"/>
+                                  </p:stCondLst>
+                                  <p:childTnLst>
+                                    <p:animMotion origin="layout" path="M -0.37865 -0.09977 L 4.16667E-7 -3.33333E-6 " pathEditMode="relative" rAng="0" ptsTypes="AA">
+                                      <p:cBhvr>
+                                        <p:cTn id="100" dur="1250" fill="hold"/>
+                                        <p:tgtEl>
+                                          <p:spTgt spid="75"/>
+                                        </p:tgtEl>
+                                        <p:attrNameLst>
+                                          <p:attrName>ppt_x</p:attrName>
+                                          <p:attrName>ppt_y</p:attrName>
+                                        </p:attrNameLst>
+                                      </p:cBhvr>
+                                      <p:rCtr x="18750" y="4861"/>
+                                    </p:animMotion>
+                                  </p:childTnLst>
+                                </p:cTn>
+                              </p:par>
+                            </p:childTnLst>
+                          </p:cTn>
+                        </p:par>
+                        <p:par>
+                          <p:cTn id="101" fill="hold">
+                            <p:stCondLst>
+                              <p:cond delay="1250"/>
+                            </p:stCondLst>
+                            <p:childTnLst>
+                              <p:par>
+                                <p:cTn id="102" presetID="2" presetClass="entr" presetSubtype="1" fill="hold" grpId="0" nodeType="afterEffect">
+                                  <p:stCondLst>
+                                    <p:cond delay="0"/>
+                                  </p:stCondLst>
+                                  <p:childTnLst>
+                                    <p:set>
+                                      <p:cBhvr>
+                                        <p:cTn id="103" dur="1" fill="hold">
+                                          <p:stCondLst>
+                                            <p:cond delay="0"/>
+                                          </p:stCondLst>
+                                        </p:cTn>
+                                        <p:tgtEl>
+                                          <p:spTgt spid="39"/>
+                                        </p:tgtEl>
+                                        <p:attrNameLst>
+                                          <p:attrName>style.visibility</p:attrName>
+                                        </p:attrNameLst>
+                                      </p:cBhvr>
+                                      <p:to>
+                                        <p:strVal val="visible"/>
+                                      </p:to>
+                                    </p:set>
+                                    <p:anim calcmode="lin" valueType="num">
+                                      <p:cBhvr additive="base">
+                                        <p:cTn id="104" dur="250" fill="hold"/>
+                                        <p:tgtEl>
+                                          <p:spTgt spid="39"/>
+                                        </p:tgtEl>
+                                        <p:attrNameLst>
+                                          <p:attrName>ppt_x</p:attrName>
+                                        </p:attrNameLst>
+                                      </p:cBhvr>
+                                      <p:tavLst>
+                                        <p:tav tm="0">
+                                          <p:val>
+                                            <p:strVal val="#ppt_x"/>
+                                          </p:val>
+                                        </p:tav>
+                                        <p:tav tm="100000">
+                                          <p:val>
+                                            <p:strVal val="#ppt_x"/>
+                                          </p:val>
+                                        </p:tav>
+                                      </p:tavLst>
+                                    </p:anim>
+                                    <p:anim calcmode="lin" valueType="num">
+                                      <p:cBhvr additive="base">
+                                        <p:cTn id="105" dur="250" fill="hold"/>
+                                        <p:tgtEl>
+                                          <p:spTgt spid="39"/>
+                                        </p:tgtEl>
+                                        <p:attrNameLst>
+                                          <p:attrName>ppt_y</p:attrName>
+                                        </p:attrNameLst>
+                                      </p:cBhvr>
+                                      <p:tavLst>
+                                        <p:tav tm="0">
+                                          <p:val>
+                                            <p:strVal val="0-#ppt_h/2"/>
+                                          </p:val>
+                                        </p:tav>
+                                        <p:tav tm="100000">
+                                          <p:val>
+                                            <p:strVal val="#ppt_y"/>
+                                          </p:val>
+                                        </p:tav>
+                                      </p:tavLst>
+                                    </p:anim>
+                                  </p:childTnLst>
+                                </p:cTn>
+                              </p:par>
+                            </p:childTnLst>
+                          </p:cTn>
+                        </p:par>
+                        <p:par>
+                          <p:cTn id="106" fill="hold">
+                            <p:stCondLst>
+                              <p:cond delay="1500"/>
+                            </p:stCondLst>
+                            <p:childTnLst>
+                              <p:par>
+                                <p:cTn id="107" presetID="2" presetClass="entr" presetSubtype="1" fill="hold" grpId="0" nodeType="afterEffect">
+                                  <p:stCondLst>
+                                    <p:cond delay="0"/>
+                                  </p:stCondLst>
+                                  <p:childTnLst>
+                                    <p:set>
+                                      <p:cBhvr>
+                                        <p:cTn id="108" dur="1" fill="hold">
+                                          <p:stCondLst>
+                                            <p:cond delay="0"/>
+                                          </p:stCondLst>
+                                        </p:cTn>
+                                        <p:tgtEl>
+                                          <p:spTgt spid="42"/>
+                                        </p:tgtEl>
+                                        <p:attrNameLst>
+                                          <p:attrName>style.visibility</p:attrName>
+                                        </p:attrNameLst>
+                                      </p:cBhvr>
+                                      <p:to>
+                                        <p:strVal val="visible"/>
+                                      </p:to>
+                                    </p:set>
+                                    <p:anim calcmode="lin" valueType="num">
+                                      <p:cBhvr additive="base">
+                                        <p:cTn id="109" dur="250" fill="hold"/>
+                                        <p:tgtEl>
+                                          <p:spTgt spid="42"/>
+                                        </p:tgtEl>
+                                        <p:attrNameLst>
+                                          <p:attrName>ppt_x</p:attrName>
+                                        </p:attrNameLst>
+                                      </p:cBhvr>
+                                      <p:tavLst>
+                                        <p:tav tm="0">
+                                          <p:val>
+                                            <p:strVal val="#ppt_x"/>
+                                          </p:val>
+                                        </p:tav>
+                                        <p:tav tm="100000">
+                                          <p:val>
+                                            <p:strVal val="#ppt_x"/>
+                                          </p:val>
+                                        </p:tav>
+                                      </p:tavLst>
+                                    </p:anim>
+                                    <p:anim calcmode="lin" valueType="num">
+                                      <p:cBhvr additive="base">
+                                        <p:cTn id="110" dur="250" fill="hold"/>
+                                        <p:tgtEl>
+                                          <p:spTgt spid="42"/>
+                                        </p:tgtEl>
+                                        <p:attrNameLst>
+                                          <p:attrName>ppt_y</p:attrName>
+                                        </p:attrNameLst>
+                                      </p:cBhvr>
+                                      <p:tavLst>
+                                        <p:tav tm="0">
+                                          <p:val>
+                                            <p:strVal val="0-#ppt_h/2"/>
+                                          </p:val>
+                                        </p:tav>
+                                        <p:tav tm="100000">
+                                          <p:val>
+                                            <p:strVal val="#ppt_y"/>
+                                          </p:val>
+                                        </p:tav>
+                                      </p:tavLst>
+                                    </p:anim>
+                                  </p:childTnLst>
+                                </p:cTn>
+                              </p:par>
+                            </p:childTnLst>
+                          </p:cTn>
+                        </p:par>
+                        <p:par>
+                          <p:cTn id="111" fill="hold">
+                            <p:stCondLst>
+                              <p:cond delay="1750"/>
+                            </p:stCondLst>
+                            <p:childTnLst>
+                              <p:par>
+                                <p:cTn id="112" presetID="2" presetClass="entr" presetSubtype="1" fill="hold" grpId="0" nodeType="afterEffect">
+                                  <p:stCondLst>
+                                    <p:cond delay="0"/>
+                                  </p:stCondLst>
+                                  <p:childTnLst>
+                                    <p:set>
+                                      <p:cBhvr>
+                                        <p:cTn id="113" dur="1" fill="hold">
+                                          <p:stCondLst>
+                                            <p:cond delay="0"/>
+                                          </p:stCondLst>
+                                        </p:cTn>
+                                        <p:tgtEl>
+                                          <p:spTgt spid="44"/>
+                                        </p:tgtEl>
+                                        <p:attrNameLst>
+                                          <p:attrName>style.visibility</p:attrName>
+                                        </p:attrNameLst>
+                                      </p:cBhvr>
+                                      <p:to>
+                                        <p:strVal val="visible"/>
+                                      </p:to>
+                                    </p:set>
+                                    <p:anim calcmode="lin" valueType="num">
+                                      <p:cBhvr additive="base">
+                                        <p:cTn id="114" dur="250" fill="hold"/>
+                                        <p:tgtEl>
+                                          <p:spTgt spid="44"/>
+                                        </p:tgtEl>
+                                        <p:attrNameLst>
+                                          <p:attrName>ppt_x</p:attrName>
+                                        </p:attrNameLst>
+                                      </p:cBhvr>
+                                      <p:tavLst>
+                                        <p:tav tm="0">
+                                          <p:val>
+                                            <p:strVal val="#ppt_x"/>
+                                          </p:val>
+                                        </p:tav>
+                                        <p:tav tm="100000">
+                                          <p:val>
+                                            <p:strVal val="#ppt_x"/>
+                                          </p:val>
+                                        </p:tav>
+                                      </p:tavLst>
+                                    </p:anim>
+                                    <p:anim calcmode="lin" valueType="num">
+                                      <p:cBhvr additive="base">
+                                        <p:cTn id="115" dur="250" fill="hold"/>
+                                        <p:tgtEl>
+                                          <p:spTgt spid="44"/>
+                                        </p:tgtEl>
+                                        <p:attrNameLst>
+                                          <p:attrName>ppt_y</p:attrName>
+                                        </p:attrNameLst>
+                                      </p:cBhvr>
+                                      <p:tavLst>
+                                        <p:tav tm="0">
+                                          <p:val>
+                                            <p:strVal val="0-#ppt_h/2"/>
+                                          </p:val>
+                                        </p:tav>
+                                        <p:tav tm="100000">
+                                          <p:val>
+                                            <p:strVal val="#ppt_y"/>
+                                          </p:val>
+                                        </p:tav>
+                                      </p:tavLst>
+                                    </p:anim>
+                                  </p:childTnLst>
+                                </p:cTn>
+                              </p:par>
+                            </p:childTnLst>
+                          </p:cTn>
+                        </p:par>
+                        <p:par>
+                          <p:cTn id="116" fill="hold">
+                            <p:stCondLst>
+                              <p:cond delay="2000"/>
+                            </p:stCondLst>
+                            <p:childTnLst>
+                              <p:par>
+                                <p:cTn id="117" presetID="2" presetClass="entr" presetSubtype="1" fill="hold" grpId="0" nodeType="afterEffect">
+                                  <p:stCondLst>
+                                    <p:cond delay="0"/>
+                                  </p:stCondLst>
+                                  <p:childTnLst>
+                                    <p:set>
+                                      <p:cBhvr>
+                                        <p:cTn id="118" dur="1" fill="hold">
+                                          <p:stCondLst>
+                                            <p:cond delay="0"/>
+                                          </p:stCondLst>
+                                        </p:cTn>
+                                        <p:tgtEl>
+                                          <p:spTgt spid="45"/>
+                                        </p:tgtEl>
+                                        <p:attrNameLst>
+                                          <p:attrName>style.visibility</p:attrName>
+                                        </p:attrNameLst>
+                                      </p:cBhvr>
+                                      <p:to>
+                                        <p:strVal val="visible"/>
+                                      </p:to>
+                                    </p:set>
+                                    <p:anim calcmode="lin" valueType="num">
+                                      <p:cBhvr additive="base">
+                                        <p:cTn id="119" dur="250" fill="hold"/>
+                                        <p:tgtEl>
+                                          <p:spTgt spid="45"/>
+                                        </p:tgtEl>
+                                        <p:attrNameLst>
+                                          <p:attrName>ppt_x</p:attrName>
+                                        </p:attrNameLst>
+                                      </p:cBhvr>
+                                      <p:tavLst>
+                                        <p:tav tm="0">
+                                          <p:val>
+                                            <p:strVal val="#ppt_x"/>
+                                          </p:val>
+                                        </p:tav>
+                                        <p:tav tm="100000">
+                                          <p:val>
+                                            <p:strVal val="#ppt_x"/>
+                                          </p:val>
+                                        </p:tav>
+                                      </p:tavLst>
+                                    </p:anim>
+                                    <p:anim calcmode="lin" valueType="num">
+                                      <p:cBhvr additive="base">
+                                        <p:cTn id="120" dur="250" fill="hold"/>
+                                        <p:tgtEl>
+                                          <p:spTgt spid="45"/>
+                                        </p:tgtEl>
+                                        <p:attrNameLst>
+                                          <p:attrName>ppt_y</p:attrName>
+                                        </p:attrNameLst>
+                                      </p:cBhvr>
+                                      <p:tavLst>
+                                        <p:tav tm="0">
+                                          <p:val>
+                                            <p:strVal val="0-#ppt_h/2"/>
+                                          </p:val>
+                                        </p:tav>
+                                        <p:tav tm="100000">
+                                          <p:val>
+                                            <p:strVal val="#ppt_y"/>
+                                          </p:val>
+                                        </p:tav>
+                                      </p:tavLst>
+                                    </p:anim>
+                                  </p:childTnLst>
+                                </p:cTn>
+                              </p:par>
+                            </p:childTnLst>
+                          </p:cTn>
+                        </p:par>
+                      </p:childTnLst>
+                    </p:cTn>
+                  </p:par>
+                  <p:par>
+                    <p:cTn id="121" fill="hold">
+                      <p:stCondLst>
+                        <p:cond delay="indefinite"/>
+                      </p:stCondLst>
+                      <p:childTnLst>
+                        <p:par>
+                          <p:cTn id="122" fill="hold">
+                            <p:stCondLst>
+                              <p:cond delay="0"/>
+                            </p:stCondLst>
+                            <p:childTnLst>
+                              <p:par>
+                                <p:cTn id="123" presetID="22" presetClass="entr" presetSubtype="2" fill="hold" grpId="0" nodeType="clickEffect">
+                                  <p:stCondLst>
+                                    <p:cond delay="0"/>
+                                  </p:stCondLst>
+                                  <p:childTnLst>
+                                    <p:set>
+                                      <p:cBhvr>
+                                        <p:cTn id="124" dur="1" fill="hold">
+                                          <p:stCondLst>
+                                            <p:cond delay="0"/>
+                                          </p:stCondLst>
+                                        </p:cTn>
+                                        <p:tgtEl>
+                                          <p:spTgt spid="46"/>
+                                        </p:tgtEl>
+                                        <p:attrNameLst>
+                                          <p:attrName>style.visibility</p:attrName>
+                                        </p:attrNameLst>
+                                      </p:cBhvr>
+                                      <p:to>
+                                        <p:strVal val="visible"/>
+                                      </p:to>
+                                    </p:set>
+                                    <p:animEffect transition="in" filter="wipe(right)">
+                                      <p:cBhvr>
+                                        <p:cTn id="125" dur="500"/>
+                                        <p:tgtEl>
+                                          <p:spTgt spid="46"/>
+                                        </p:tgtEl>
+                                      </p:cBhvr>
+                                    </p:animEffect>
+                                  </p:childTnLst>
+                                </p:cTn>
+                              </p:par>
+                              <p:par>
+                                <p:cTn id="126" presetID="22" presetClass="entr" presetSubtype="2" fill="hold" grpId="0" nodeType="withEffect">
+                                  <p:stCondLst>
+                                    <p:cond delay="0"/>
+                                  </p:stCondLst>
+                                  <p:childTnLst>
+                                    <p:set>
+                                      <p:cBhvr>
+                                        <p:cTn id="127" dur="1" fill="hold">
+                                          <p:stCondLst>
+                                            <p:cond delay="0"/>
+                                          </p:stCondLst>
+                                        </p:cTn>
+                                        <p:tgtEl>
+                                          <p:spTgt spid="47"/>
+                                        </p:tgtEl>
+                                        <p:attrNameLst>
+                                          <p:attrName>style.visibility</p:attrName>
+                                        </p:attrNameLst>
+                                      </p:cBhvr>
+                                      <p:to>
+                                        <p:strVal val="visible"/>
+                                      </p:to>
+                                    </p:set>
+                                    <p:animEffect transition="in" filter="wipe(right)">
+                                      <p:cBhvr>
+                                        <p:cTn id="128" dur="500"/>
+                                        <p:tgtEl>
+                                          <p:spTgt spid="47"/>
+                                        </p:tgtEl>
+                                      </p:cBhvr>
+                                    </p:animEffect>
+                                  </p:childTnLst>
+                                </p:cTn>
+                              </p:par>
+                              <p:par>
+                                <p:cTn id="129" presetID="22" presetClass="entr" presetSubtype="2" fill="hold" grpId="0" nodeType="withEffect">
+                                  <p:stCondLst>
+                                    <p:cond delay="0"/>
+                                  </p:stCondLst>
+                                  <p:childTnLst>
+                                    <p:set>
+                                      <p:cBhvr>
+                                        <p:cTn id="130" dur="1" fill="hold">
+                                          <p:stCondLst>
+                                            <p:cond delay="0"/>
+                                          </p:stCondLst>
+                                        </p:cTn>
+                                        <p:tgtEl>
+                                          <p:spTgt spid="48"/>
+                                        </p:tgtEl>
+                                        <p:attrNameLst>
+                                          <p:attrName>style.visibility</p:attrName>
+                                        </p:attrNameLst>
+                                      </p:cBhvr>
+                                      <p:to>
+                                        <p:strVal val="visible"/>
+                                      </p:to>
+                                    </p:set>
+                                    <p:animEffect transition="in" filter="wipe(right)">
+                                      <p:cBhvr>
+                                        <p:cTn id="131" dur="500"/>
+                                        <p:tgtEl>
+                                          <p:spTgt spid="48"/>
+                                        </p:tgtEl>
+                                      </p:cBhvr>
+                                    </p:animEffect>
+                                  </p:childTnLst>
+                                </p:cTn>
+                              </p:par>
+                              <p:par>
+                                <p:cTn id="132" presetID="22" presetClass="entr" presetSubtype="2" fill="hold" grpId="0" nodeType="withEffect">
+                                  <p:stCondLst>
+                                    <p:cond delay="0"/>
+                                  </p:stCondLst>
+                                  <p:childTnLst>
+                                    <p:set>
+                                      <p:cBhvr>
+                                        <p:cTn id="133" dur="1" fill="hold">
+                                          <p:stCondLst>
+                                            <p:cond delay="0"/>
+                                          </p:stCondLst>
+                                        </p:cTn>
+                                        <p:tgtEl>
+                                          <p:spTgt spid="49"/>
+                                        </p:tgtEl>
+                                        <p:attrNameLst>
+                                          <p:attrName>style.visibility</p:attrName>
+                                        </p:attrNameLst>
+                                      </p:cBhvr>
+                                      <p:to>
+                                        <p:strVal val="visible"/>
+                                      </p:to>
+                                    </p:set>
+                                    <p:animEffect transition="in" filter="wipe(right)">
+                                      <p:cBhvr>
+                                        <p:cTn id="134" dur="500"/>
+                                        <p:tgtEl>
+                                          <p:spTgt spid="49"/>
+                                        </p:tgtEl>
+                                      </p:cBhvr>
+                                    </p:animEffect>
+                                  </p:childTnLst>
+                                </p:cTn>
+                              </p:par>
+                              <p:par>
+                                <p:cTn id="135" presetID="22" presetClass="entr" presetSubtype="2" fill="hold" nodeType="withEffect">
+                                  <p:stCondLst>
+                                    <p:cond delay="0"/>
+                                  </p:stCondLst>
+                                  <p:childTnLst>
+                                    <p:set>
+                                      <p:cBhvr>
+                                        <p:cTn id="136" dur="1" fill="hold">
+                                          <p:stCondLst>
+                                            <p:cond delay="0"/>
+                                          </p:stCondLst>
+                                        </p:cTn>
+                                        <p:tgtEl>
+                                          <p:spTgt spid="62"/>
+                                        </p:tgtEl>
+                                        <p:attrNameLst>
+                                          <p:attrName>style.visibility</p:attrName>
+                                        </p:attrNameLst>
+                                      </p:cBhvr>
+                                      <p:to>
+                                        <p:strVal val="visible"/>
+                                      </p:to>
+                                    </p:set>
+                                    <p:animEffect transition="in" filter="wipe(right)">
+                                      <p:cBhvr>
+                                        <p:cTn id="137" dur="500"/>
+                                        <p:tgtEl>
+                                          <p:spTgt spid="62"/>
+                                        </p:tgtEl>
+                                      </p:cBhvr>
+                                    </p:animEffect>
+                                  </p:childTnLst>
+                                </p:cTn>
+                              </p:par>
+                              <p:par>
+                                <p:cTn id="138" presetID="22" presetClass="entr" presetSubtype="2" fill="hold" nodeType="withEffect">
+                                  <p:stCondLst>
+                                    <p:cond delay="0"/>
+                                  </p:stCondLst>
+                                  <p:childTnLst>
+                                    <p:set>
+                                      <p:cBhvr>
+                                        <p:cTn id="139" dur="1" fill="hold">
+                                          <p:stCondLst>
+                                            <p:cond delay="0"/>
+                                          </p:stCondLst>
+                                        </p:cTn>
+                                        <p:tgtEl>
+                                          <p:spTgt spid="59"/>
+                                        </p:tgtEl>
+                                        <p:attrNameLst>
+                                          <p:attrName>style.visibility</p:attrName>
+                                        </p:attrNameLst>
+                                      </p:cBhvr>
+                                      <p:to>
+                                        <p:strVal val="visible"/>
+                                      </p:to>
+                                    </p:set>
+                                    <p:animEffect transition="in" filter="wipe(right)">
+                                      <p:cBhvr>
+                                        <p:cTn id="140" dur="500"/>
+                                        <p:tgtEl>
+                                          <p:spTgt spid="59"/>
+                                        </p:tgtEl>
+                                      </p:cBhvr>
+                                    </p:animEffect>
+                                  </p:childTnLst>
+                                </p:cTn>
+                              </p:par>
+                              <p:par>
+                                <p:cTn id="141" presetID="22" presetClass="entr" presetSubtype="2" fill="hold" nodeType="withEffect">
+                                  <p:stCondLst>
+                                    <p:cond delay="0"/>
+                                  </p:stCondLst>
+                                  <p:childTnLst>
+                                    <p:set>
+                                      <p:cBhvr>
+                                        <p:cTn id="142" dur="1" fill="hold">
+                                          <p:stCondLst>
+                                            <p:cond delay="0"/>
+                                          </p:stCondLst>
+                                        </p:cTn>
+                                        <p:tgtEl>
+                                          <p:spTgt spid="54"/>
+                                        </p:tgtEl>
+                                        <p:attrNameLst>
+                                          <p:attrName>style.visibility</p:attrName>
+                                        </p:attrNameLst>
+                                      </p:cBhvr>
+                                      <p:to>
+                                        <p:strVal val="visible"/>
+                                      </p:to>
+                                    </p:set>
+                                    <p:animEffect transition="in" filter="wipe(right)">
+                                      <p:cBhvr>
+                                        <p:cTn id="143" dur="500"/>
+                                        <p:tgtEl>
+                                          <p:spTgt spid="54"/>
+                                        </p:tgtEl>
+                                      </p:cBhvr>
+                                    </p:animEffect>
+                                  </p:childTnLst>
+                                </p:cTn>
+                              </p:par>
+                              <p:par>
+                                <p:cTn id="144" presetID="22" presetClass="entr" presetSubtype="2" fill="hold" nodeType="withEffect">
+                                  <p:stCondLst>
+                                    <p:cond delay="0"/>
+                                  </p:stCondLst>
+                                  <p:childTnLst>
+                                    <p:set>
+                                      <p:cBhvr>
+                                        <p:cTn id="145" dur="1" fill="hold">
+                                          <p:stCondLst>
+                                            <p:cond delay="0"/>
+                                          </p:stCondLst>
+                                        </p:cTn>
+                                        <p:tgtEl>
+                                          <p:spTgt spid="51"/>
+                                        </p:tgtEl>
+                                        <p:attrNameLst>
+                                          <p:attrName>style.visibility</p:attrName>
+                                        </p:attrNameLst>
+                                      </p:cBhvr>
+                                      <p:to>
+                                        <p:strVal val="visible"/>
+                                      </p:to>
+                                    </p:set>
+                                    <p:animEffect transition="in" filter="wipe(right)">
+                                      <p:cBhvr>
+                                        <p:cTn id="146" dur="500"/>
+                                        <p:tgtEl>
+                                          <p:spTgt spid="51"/>
+                                        </p:tgtEl>
+                                      </p:cBhvr>
+                                    </p:animEffect>
+                                  </p:childTnLst>
+                                </p:cTn>
+                              </p:par>
+                            </p:childTnLst>
+                          </p:cTn>
+                        </p:par>
+                      </p:childTnLst>
+                    </p:cTn>
+                  </p:par>
+                </p:childTnLst>
+              </p:cTn>
+              <p:prevCondLst>
+                <p:cond evt="onPrev" delay="0">
+                  <p:tgtEl>
+                    <p:sldTgt/>
+                  </p:tgtEl>
+                </p:cond>
+              </p:prevCondLst>
+              <p:nextCondLst>
+                <p:cond evt="onNext" delay="0">
+                  <p:tgtEl>
+                    <p:sldTgt/>
+                  </p:tgtEl>
+                </p:cond>
+              </p:nextCondLst>
+            </p:seq>
+          </p:childTnLst>
+        </p:cTn>
+      </p:par>
+    </p:tnLst>
+    <p:bldLst>
+      <p:bldP spid="5" grpId="0" animBg="1"/>
+      <p:bldP spid="6" grpId="0" animBg="1"/>
+      <p:bldP spid="7" grpId="0" animBg="1"/>
+      <p:bldP spid="8" grpId="0" animBg="1"/>
+      <p:bldP spid="9" grpId="0" animBg="1"/>
+      <p:bldP spid="10" grpId="0" animBg="1"/>
+      <p:bldP spid="33" grpId="0" animBg="1"/>
+      <p:bldP spid="34" grpId="0" animBg="1"/>
+      <p:bldP spid="35" grpId="0" animBg="1"/>
+      <p:bldP spid="36" grpId="0" animBg="1"/>
+      <p:bldP spid="37" grpId="0" animBg="1"/>
+      <p:bldP spid="38" grpId="0" animBg="1"/>
+      <p:bldP spid="39" grpId="0" animBg="1"/>
+      <p:bldP spid="42" grpId="0" animBg="1"/>
+      <p:bldP spid="44" grpId="0" animBg="1"/>
+      <p:bldP spid="45" grpId="0" animBg="1"/>
+      <p:bldP spid="46" grpId="0" animBg="1"/>
+      <p:bldP spid="47" grpId="0" animBg="1"/>
+      <p:bldP spid="48" grpId="0" animBg="1"/>
+      <p:bldP spid="49" grpId="0" animBg="1"/>
     </p:bldLst>
   </p:timing>
 </p:sld>
